--- a/docs/presentation.pptx
+++ b/docs/presentation.pptx
@@ -5,19 +5,18 @@
     <p:sldMasterId id="2147483648" r:id="rId2"/>
     <p:sldMasterId id="2147483661" r:id="rId3"/>
     <p:sldMasterId id="2147483674" r:id="rId4"/>
-    <p:sldMasterId id="2147483687" r:id="rId5"/>
   </p:sldMasterIdLst>
   <p:sldIdLst>
-    <p:sldId id="256" r:id="rId6"/>
-    <p:sldId id="257" r:id="rId7"/>
-    <p:sldId id="258" r:id="rId8"/>
-    <p:sldId id="259" r:id="rId9"/>
-    <p:sldId id="260" r:id="rId10"/>
-    <p:sldId id="261" r:id="rId11"/>
-    <p:sldId id="262" r:id="rId12"/>
-    <p:sldId id="263" r:id="rId13"/>
-    <p:sldId id="264" r:id="rId14"/>
-    <p:sldId id="265" r:id="rId15"/>
+    <p:sldId id="256" r:id="rId5"/>
+    <p:sldId id="257" r:id="rId6"/>
+    <p:sldId id="258" r:id="rId7"/>
+    <p:sldId id="259" r:id="rId8"/>
+    <p:sldId id="260" r:id="rId9"/>
+    <p:sldId id="261" r:id="rId10"/>
+    <p:sldId id="262" r:id="rId11"/>
+    <p:sldId id="263" r:id="rId12"/>
+    <p:sldId id="264" r:id="rId13"/>
+    <p:sldId id="265" r:id="rId14"/>
   </p:sldIdLst>
   <p:sldSz cx="12192000" cy="6858000"/>
   <p:notesSz cx="7772400" cy="10058400"/>
@@ -75,7 +74,7 @@
         <p:txBody>
           <a:bodyPr/>
           <a:p>
-            <a:fld id="{0173CC00-3B04-43C9-9559-C5682503FCD6}" type="slidenum">
+            <a:fld id="{154E8B29-992B-4744-8B8C-24307639BD0A}" type="slidenum">
               <a:t>&lt;#&gt;</a:t>
             </a:fld>
           </a:p>
@@ -263,7 +262,7 @@
         <p:txBody>
           <a:bodyPr/>
           <a:p>
-            <a:fld id="{6A17D9ED-8615-40B8-82A1-6D06A0E84B4D}" type="slidenum">
+            <a:fld id="{2BE896A9-48DB-4904-A7BB-82A3BD511068}" type="slidenum">
               <a:t>&lt;#&gt;</a:t>
             </a:fld>
           </a:p>
@@ -519,7 +518,7 @@
         <p:txBody>
           <a:bodyPr/>
           <a:p>
-            <a:fld id="{58A08EFB-4ED4-4FE3-8862-0725D70525DD}" type="slidenum">
+            <a:fld id="{1A698E93-5B5E-4A10-B5A6-D70BAC80A94C}" type="slidenum">
               <a:t>&lt;#&gt;</a:t>
             </a:fld>
           </a:p>
@@ -843,7 +842,7 @@
         <p:txBody>
           <a:bodyPr/>
           <a:p>
-            <a:fld id="{D5C10318-54C8-47FA-96E5-D77C353DA08D}" type="slidenum">
+            <a:fld id="{206A986E-039B-467F-9507-B22DE167C926}" type="slidenum">
               <a:t>&lt;#&gt;</a:t>
             </a:fld>
           </a:p>
@@ -926,7 +925,7 @@
         <p:txBody>
           <a:bodyPr/>
           <a:p>
-            <a:fld id="{0AD9C2FF-3F56-4CBB-B900-3C68764C678E}" type="slidenum">
+            <a:fld id="{3FFF3C43-2076-454F-A6C9-7B6F4A42CD6E}" type="slidenum">
               <a:t>&lt;#&gt;</a:t>
             </a:fld>
           </a:p>
@@ -1083,7 +1082,7 @@
         <p:txBody>
           <a:bodyPr/>
           <a:p>
-            <a:fld id="{CD0A1AA5-8C8D-434C-B031-29D22D5D61EC}" type="slidenum">
+            <a:fld id="{C89CB842-2451-48B9-9444-F0D27C640325}" type="slidenum">
               <a:t>&lt;#&gt;</a:t>
             </a:fld>
           </a:p>
@@ -1237,7 +1236,7 @@
         <p:txBody>
           <a:bodyPr/>
           <a:p>
-            <a:fld id="{5635DB74-358A-4170-BEC2-ACBE97DB50C2}" type="slidenum">
+            <a:fld id="{F0F1CF5B-DB88-4F54-9132-E4D947AADE7F}" type="slidenum">
               <a:t>&lt;#&gt;</a:t>
             </a:fld>
           </a:p>
@@ -1425,7 +1424,7 @@
         <p:txBody>
           <a:bodyPr/>
           <a:p>
-            <a:fld id="{5AD389C3-8036-41CB-BF50-2169E04450CA}" type="slidenum">
+            <a:fld id="{281ABE73-7713-4D7B-AE84-319B4A2CCC30}" type="slidenum">
               <a:t>&lt;#&gt;</a:t>
             </a:fld>
           </a:p>
@@ -1545,7 +1544,7 @@
         <p:txBody>
           <a:bodyPr/>
           <a:p>
-            <a:fld id="{C0E11DE5-CCDD-4A21-BFDC-EA531D2E5349}" type="slidenum">
+            <a:fld id="{AA01A858-653C-4CD3-82EC-67391BB9E19C}" type="slidenum">
               <a:t>&lt;#&gt;</a:t>
             </a:fld>
           </a:p>
@@ -1665,7 +1664,7 @@
         <p:txBody>
           <a:bodyPr/>
           <a:p>
-            <a:fld id="{E92B30DA-9044-49E5-B6B8-4CB149CB9D20}" type="slidenum">
+            <a:fld id="{8C798474-F8D5-4558-B355-F287FD896205}" type="slidenum">
               <a:t>&lt;#&gt;</a:t>
             </a:fld>
           </a:p>
@@ -1887,7 +1886,7 @@
         <p:txBody>
           <a:bodyPr/>
           <a:p>
-            <a:fld id="{974DE6CF-04CB-454C-8786-7B3650089445}" type="slidenum">
+            <a:fld id="{8DDAACE3-1C69-4F9D-B8AB-E1201F9A207F}" type="slidenum">
               <a:t>&lt;#&gt;</a:t>
             </a:fld>
           </a:p>
@@ -2044,7 +2043,7 @@
         <p:txBody>
           <a:bodyPr/>
           <a:p>
-            <a:fld id="{9823C440-2B3A-4987-A21B-D9F59A3F6CE6}" type="slidenum">
+            <a:fld id="{484D7254-C853-487F-9889-6856FA092263}" type="slidenum">
               <a:t>&lt;#&gt;</a:t>
             </a:fld>
           </a:p>
@@ -2266,7 +2265,7 @@
         <p:txBody>
           <a:bodyPr/>
           <a:p>
-            <a:fld id="{37FF2E95-8BD1-4357-AC0E-AEC1B7F48511}" type="slidenum">
+            <a:fld id="{DB9152A5-4B99-4C27-BAEC-25E9DB94DDCA}" type="slidenum">
               <a:t>&lt;#&gt;</a:t>
             </a:fld>
           </a:p>
@@ -2488,7 +2487,7 @@
         <p:txBody>
           <a:bodyPr/>
           <a:p>
-            <a:fld id="{76DAC1D1-03B4-4888-AA0C-159D0515F235}" type="slidenum">
+            <a:fld id="{25458F4B-10EF-42E2-B8ED-E46856B835E4}" type="slidenum">
               <a:t>&lt;#&gt;</a:t>
             </a:fld>
           </a:p>
@@ -2676,7 +2675,7 @@
         <p:txBody>
           <a:bodyPr/>
           <a:p>
-            <a:fld id="{DB3C411C-AA45-466A-9947-23421259CF0F}" type="slidenum">
+            <a:fld id="{65C014AF-2554-4CDA-9DF9-A969EF202728}" type="slidenum">
               <a:t>&lt;#&gt;</a:t>
             </a:fld>
           </a:p>
@@ -2932,7 +2931,7 @@
         <p:txBody>
           <a:bodyPr/>
           <a:p>
-            <a:fld id="{EF2EDD35-4F0E-45A3-89A8-CDCD58216655}" type="slidenum">
+            <a:fld id="{7DC1FBCE-B227-41B2-8330-360C74FADAB1}" type="slidenum">
               <a:t>&lt;#&gt;</a:t>
             </a:fld>
           </a:p>
@@ -3256,7 +3255,7 @@
         <p:txBody>
           <a:bodyPr/>
           <a:p>
-            <a:fld id="{FDB51D61-3040-4D0E-9040-5788DE00EFB7}" type="slidenum">
+            <a:fld id="{44A1C80C-A587-4C0E-AA8D-E49128AC07B7}" type="slidenum">
               <a:t>&lt;#&gt;</a:t>
             </a:fld>
           </a:p>
@@ -3339,7 +3338,7 @@
         <p:txBody>
           <a:bodyPr/>
           <a:p>
-            <a:fld id="{4CC173D1-5417-426A-AD98-FAE6DA4EAFD6}" type="slidenum">
+            <a:fld id="{EF8EDD56-9532-42F5-A1C4-DDA938FC4D2B}" type="slidenum">
               <a:t>&lt;#&gt;</a:t>
             </a:fld>
           </a:p>
@@ -3390,7 +3389,7 @@
       </p:grpSpPr>
       <p:sp>
         <p:nvSpPr>
-          <p:cNvPr id="100" name="PlaceHolder 1"/>
+          <p:cNvPr id="102" name="PlaceHolder 1"/>
           <p:cNvSpPr>
             <a:spLocks noGrp="1"/>
           </p:cNvSpPr>
@@ -3427,7 +3426,7 @@
       </p:sp>
       <p:sp>
         <p:nvSpPr>
-          <p:cNvPr id="101" name="PlaceHolder 2"/>
+          <p:cNvPr id="103" name="PlaceHolder 2"/>
           <p:cNvSpPr>
             <a:spLocks noGrp="1"/>
           </p:cNvSpPr>
@@ -3496,7 +3495,7 @@
         <p:txBody>
           <a:bodyPr/>
           <a:p>
-            <a:fld id="{559901F9-6629-4724-840E-A96BF0BEC8A6}" type="slidenum">
+            <a:fld id="{4BD93687-3DCC-4A8F-BF7F-84820358D307}" type="slidenum">
               <a:t>&lt;#&gt;</a:t>
             </a:fld>
           </a:p>
@@ -3547,7 +3546,7 @@
       </p:grpSpPr>
       <p:sp>
         <p:nvSpPr>
-          <p:cNvPr id="102" name="PlaceHolder 1"/>
+          <p:cNvPr id="104" name="PlaceHolder 1"/>
           <p:cNvSpPr>
             <a:spLocks noGrp="1"/>
           </p:cNvSpPr>
@@ -3584,7 +3583,7 @@
       </p:sp>
       <p:sp>
         <p:nvSpPr>
-          <p:cNvPr id="103" name="PlaceHolder 2"/>
+          <p:cNvPr id="105" name="PlaceHolder 2"/>
           <p:cNvSpPr>
             <a:spLocks noGrp="1"/>
           </p:cNvSpPr>
@@ -3650,7 +3649,7 @@
         <p:txBody>
           <a:bodyPr/>
           <a:p>
-            <a:fld id="{225BCFAC-44AF-49D6-8DE0-A70349D91D1C}" type="slidenum">
+            <a:fld id="{76126EEB-9593-4D31-A41C-3DA8D02AF9E6}" type="slidenum">
               <a:t>&lt;#&gt;</a:t>
             </a:fld>
           </a:p>
@@ -3701,7 +3700,7 @@
       </p:grpSpPr>
       <p:sp>
         <p:nvSpPr>
-          <p:cNvPr id="104" name="PlaceHolder 1"/>
+          <p:cNvPr id="106" name="PlaceHolder 1"/>
           <p:cNvSpPr>
             <a:spLocks noGrp="1"/>
           </p:cNvSpPr>
@@ -3738,7 +3737,7 @@
       </p:sp>
       <p:sp>
         <p:nvSpPr>
-          <p:cNvPr id="105" name="PlaceHolder 2"/>
+          <p:cNvPr id="107" name="PlaceHolder 2"/>
           <p:cNvSpPr>
             <a:spLocks noGrp="1"/>
           </p:cNvSpPr>
@@ -3772,7 +3771,7 @@
       </p:sp>
       <p:sp>
         <p:nvSpPr>
-          <p:cNvPr id="106" name="PlaceHolder 3"/>
+          <p:cNvPr id="108" name="PlaceHolder 3"/>
           <p:cNvSpPr>
             <a:spLocks noGrp="1"/>
           </p:cNvSpPr>
@@ -3838,7 +3837,7 @@
         <p:txBody>
           <a:bodyPr/>
           <a:p>
-            <a:fld id="{500A6AC1-7420-4B69-B6E5-5A2101ECC853}" type="slidenum">
+            <a:fld id="{38362768-6A0D-49DC-8A76-12C3C1524CA5}" type="slidenum">
               <a:t>&lt;#&gt;</a:t>
             </a:fld>
           </a:p>
@@ -3889,7 +3888,7 @@
       </p:grpSpPr>
       <p:sp>
         <p:nvSpPr>
-          <p:cNvPr id="107" name="PlaceHolder 1"/>
+          <p:cNvPr id="109" name="PlaceHolder 1"/>
           <p:cNvSpPr>
             <a:spLocks noGrp="1"/>
           </p:cNvSpPr>
@@ -3958,7 +3957,7 @@
         <p:txBody>
           <a:bodyPr/>
           <a:p>
-            <a:fld id="{C17B2DAC-85FA-440A-B1AE-1412E90E8E45}" type="slidenum">
+            <a:fld id="{1C4BB791-D28B-4C41-BEDE-A1652CD6F7F8}" type="slidenum">
               <a:t>&lt;#&gt;</a:t>
             </a:fld>
           </a:p>
@@ -4112,7 +4111,7 @@
         <p:txBody>
           <a:bodyPr/>
           <a:p>
-            <a:fld id="{DD547E32-D4AA-4596-B83B-D97EA43DAE16}" type="slidenum">
+            <a:fld id="{C0DF4862-07E8-42C2-9969-5F816E32CF44}" type="slidenum">
               <a:t>&lt;#&gt;</a:t>
             </a:fld>
           </a:p>
@@ -4163,7 +4162,7 @@
       </p:grpSpPr>
       <p:sp>
         <p:nvSpPr>
-          <p:cNvPr id="108" name="PlaceHolder 1"/>
+          <p:cNvPr id="110" name="PlaceHolder 1"/>
           <p:cNvSpPr>
             <a:spLocks noGrp="1"/>
           </p:cNvSpPr>
@@ -4232,7 +4231,7 @@
         <p:txBody>
           <a:bodyPr/>
           <a:p>
-            <a:fld id="{CC7122A4-C994-45AC-BEEF-28498E6AAE7D}" type="slidenum">
+            <a:fld id="{B617B8E1-F780-4963-8DAA-91EF8DDAFF2B}" type="slidenum">
               <a:t>&lt;#&gt;</a:t>
             </a:fld>
           </a:p>
@@ -4283,7 +4282,7 @@
       </p:grpSpPr>
       <p:sp>
         <p:nvSpPr>
-          <p:cNvPr id="109" name="PlaceHolder 1"/>
+          <p:cNvPr id="111" name="PlaceHolder 1"/>
           <p:cNvSpPr>
             <a:spLocks noGrp="1"/>
           </p:cNvSpPr>
@@ -4320,7 +4319,7 @@
       </p:sp>
       <p:sp>
         <p:nvSpPr>
-          <p:cNvPr id="110" name="PlaceHolder 2"/>
+          <p:cNvPr id="112" name="PlaceHolder 2"/>
           <p:cNvSpPr>
             <a:spLocks noGrp="1"/>
           </p:cNvSpPr>
@@ -4354,7 +4353,7 @@
       </p:sp>
       <p:sp>
         <p:nvSpPr>
-          <p:cNvPr id="111" name="PlaceHolder 3"/>
+          <p:cNvPr id="113" name="PlaceHolder 3"/>
           <p:cNvSpPr>
             <a:spLocks noGrp="1"/>
           </p:cNvSpPr>
@@ -4388,7 +4387,7 @@
       </p:sp>
       <p:sp>
         <p:nvSpPr>
-          <p:cNvPr id="112" name="PlaceHolder 4"/>
+          <p:cNvPr id="114" name="PlaceHolder 4"/>
           <p:cNvSpPr>
             <a:spLocks noGrp="1"/>
           </p:cNvSpPr>
@@ -4454,7 +4453,7 @@
         <p:txBody>
           <a:bodyPr/>
           <a:p>
-            <a:fld id="{941BD90E-E599-43C5-8974-854521D124CB}" type="slidenum">
+            <a:fld id="{A18D0229-E72F-4092-955C-112D33837C46}" type="slidenum">
               <a:t>&lt;#&gt;</a:t>
             </a:fld>
           </a:p>
@@ -4505,7 +4504,7 @@
       </p:grpSpPr>
       <p:sp>
         <p:nvSpPr>
-          <p:cNvPr id="113" name="PlaceHolder 1"/>
+          <p:cNvPr id="115" name="PlaceHolder 1"/>
           <p:cNvSpPr>
             <a:spLocks noGrp="1"/>
           </p:cNvSpPr>
@@ -4542,7 +4541,7 @@
       </p:sp>
       <p:sp>
         <p:nvSpPr>
-          <p:cNvPr id="114" name="PlaceHolder 2"/>
+          <p:cNvPr id="116" name="PlaceHolder 2"/>
           <p:cNvSpPr>
             <a:spLocks noGrp="1"/>
           </p:cNvSpPr>
@@ -4576,7 +4575,7 @@
       </p:sp>
       <p:sp>
         <p:nvSpPr>
-          <p:cNvPr id="115" name="PlaceHolder 3"/>
+          <p:cNvPr id="117" name="PlaceHolder 3"/>
           <p:cNvSpPr>
             <a:spLocks noGrp="1"/>
           </p:cNvSpPr>
@@ -4610,7 +4609,7 @@
       </p:sp>
       <p:sp>
         <p:nvSpPr>
-          <p:cNvPr id="116" name="PlaceHolder 4"/>
+          <p:cNvPr id="118" name="PlaceHolder 4"/>
           <p:cNvSpPr>
             <a:spLocks noGrp="1"/>
           </p:cNvSpPr>
@@ -4676,7 +4675,7 @@
         <p:txBody>
           <a:bodyPr/>
           <a:p>
-            <a:fld id="{BBE1FC54-2AFB-48C3-963B-B8171C8C333F}" type="slidenum">
+            <a:fld id="{97FCF778-9FE3-4D60-A0DC-69E4EC1B33C0}" type="slidenum">
               <a:t>&lt;#&gt;</a:t>
             </a:fld>
           </a:p>
@@ -4727,7 +4726,7 @@
       </p:grpSpPr>
       <p:sp>
         <p:nvSpPr>
-          <p:cNvPr id="117" name="PlaceHolder 1"/>
+          <p:cNvPr id="119" name="PlaceHolder 1"/>
           <p:cNvSpPr>
             <a:spLocks noGrp="1"/>
           </p:cNvSpPr>
@@ -4764,7 +4763,7 @@
       </p:sp>
       <p:sp>
         <p:nvSpPr>
-          <p:cNvPr id="118" name="PlaceHolder 2"/>
+          <p:cNvPr id="120" name="PlaceHolder 2"/>
           <p:cNvSpPr>
             <a:spLocks noGrp="1"/>
           </p:cNvSpPr>
@@ -4798,7 +4797,7 @@
       </p:sp>
       <p:sp>
         <p:nvSpPr>
-          <p:cNvPr id="119" name="PlaceHolder 3"/>
+          <p:cNvPr id="121" name="PlaceHolder 3"/>
           <p:cNvSpPr>
             <a:spLocks noGrp="1"/>
           </p:cNvSpPr>
@@ -4832,7 +4831,7 @@
       </p:sp>
       <p:sp>
         <p:nvSpPr>
-          <p:cNvPr id="120" name="PlaceHolder 4"/>
+          <p:cNvPr id="122" name="PlaceHolder 4"/>
           <p:cNvSpPr>
             <a:spLocks noGrp="1"/>
           </p:cNvSpPr>
@@ -4898,7 +4897,7 @@
         <p:txBody>
           <a:bodyPr/>
           <a:p>
-            <a:fld id="{6FC9CFB4-B956-4FE4-825B-19815CB65497}" type="slidenum">
+            <a:fld id="{7F2CAABC-8467-4C6F-A686-9F0692BFC330}" type="slidenum">
               <a:t>&lt;#&gt;</a:t>
             </a:fld>
           </a:p>
@@ -4949,7 +4948,7 @@
       </p:grpSpPr>
       <p:sp>
         <p:nvSpPr>
-          <p:cNvPr id="121" name="PlaceHolder 1"/>
+          <p:cNvPr id="123" name="PlaceHolder 1"/>
           <p:cNvSpPr>
             <a:spLocks noGrp="1"/>
           </p:cNvSpPr>
@@ -4986,7 +4985,7 @@
       </p:sp>
       <p:sp>
         <p:nvSpPr>
-          <p:cNvPr id="122" name="PlaceHolder 2"/>
+          <p:cNvPr id="124" name="PlaceHolder 2"/>
           <p:cNvSpPr>
             <a:spLocks noGrp="1"/>
           </p:cNvSpPr>
@@ -5020,7 +5019,7 @@
       </p:sp>
       <p:sp>
         <p:nvSpPr>
-          <p:cNvPr id="123" name="PlaceHolder 3"/>
+          <p:cNvPr id="125" name="PlaceHolder 3"/>
           <p:cNvSpPr>
             <a:spLocks noGrp="1"/>
           </p:cNvSpPr>
@@ -5086,7 +5085,7 @@
         <p:txBody>
           <a:bodyPr/>
           <a:p>
-            <a:fld id="{2E4FDCEB-4368-4F6B-B3CC-2D37EB9908D3}" type="slidenum">
+            <a:fld id="{EA7993B2-06FB-499E-BC57-A3F3C2DCD2D1}" type="slidenum">
               <a:t>&lt;#&gt;</a:t>
             </a:fld>
           </a:p>
@@ -5137,7 +5136,7 @@
       </p:grpSpPr>
       <p:sp>
         <p:nvSpPr>
-          <p:cNvPr id="124" name="PlaceHolder 1"/>
+          <p:cNvPr id="126" name="PlaceHolder 1"/>
           <p:cNvSpPr>
             <a:spLocks noGrp="1"/>
           </p:cNvSpPr>
@@ -5174,7 +5173,7 @@
       </p:sp>
       <p:sp>
         <p:nvSpPr>
-          <p:cNvPr id="125" name="PlaceHolder 2"/>
+          <p:cNvPr id="127" name="PlaceHolder 2"/>
           <p:cNvSpPr>
             <a:spLocks noGrp="1"/>
           </p:cNvSpPr>
@@ -5208,7 +5207,7 @@
       </p:sp>
       <p:sp>
         <p:nvSpPr>
-          <p:cNvPr id="126" name="PlaceHolder 3"/>
+          <p:cNvPr id="128" name="PlaceHolder 3"/>
           <p:cNvSpPr>
             <a:spLocks noGrp="1"/>
           </p:cNvSpPr>
@@ -5242,7 +5241,7 @@
       </p:sp>
       <p:sp>
         <p:nvSpPr>
-          <p:cNvPr id="127" name="PlaceHolder 4"/>
+          <p:cNvPr id="129" name="PlaceHolder 4"/>
           <p:cNvSpPr>
             <a:spLocks noGrp="1"/>
           </p:cNvSpPr>
@@ -5276,7 +5275,7 @@
       </p:sp>
       <p:sp>
         <p:nvSpPr>
-          <p:cNvPr id="128" name="PlaceHolder 5"/>
+          <p:cNvPr id="130" name="PlaceHolder 5"/>
           <p:cNvSpPr>
             <a:spLocks noGrp="1"/>
           </p:cNvSpPr>
@@ -5342,7 +5341,7 @@
         <p:txBody>
           <a:bodyPr/>
           <a:p>
-            <a:fld id="{08317FEA-BAD6-4955-9C7E-47D54E464181}" type="slidenum">
+            <a:fld id="{D71E39C3-30EA-486A-B647-FF34314273D7}" type="slidenum">
               <a:t>&lt;#&gt;</a:t>
             </a:fld>
           </a:p>
@@ -5393,7 +5392,7 @@
       </p:grpSpPr>
       <p:sp>
         <p:nvSpPr>
-          <p:cNvPr id="129" name="PlaceHolder 1"/>
+          <p:cNvPr id="131" name="PlaceHolder 1"/>
           <p:cNvSpPr>
             <a:spLocks noGrp="1"/>
           </p:cNvSpPr>
@@ -5430,7 +5429,7 @@
       </p:sp>
       <p:sp>
         <p:nvSpPr>
-          <p:cNvPr id="130" name="PlaceHolder 2"/>
+          <p:cNvPr id="132" name="PlaceHolder 2"/>
           <p:cNvSpPr>
             <a:spLocks noGrp="1"/>
           </p:cNvSpPr>
@@ -5464,7 +5463,7 @@
       </p:sp>
       <p:sp>
         <p:nvSpPr>
-          <p:cNvPr id="131" name="PlaceHolder 3"/>
+          <p:cNvPr id="133" name="PlaceHolder 3"/>
           <p:cNvSpPr>
             <a:spLocks noGrp="1"/>
           </p:cNvSpPr>
@@ -5498,7 +5497,7 @@
       </p:sp>
       <p:sp>
         <p:nvSpPr>
-          <p:cNvPr id="132" name="PlaceHolder 4"/>
+          <p:cNvPr id="134" name="PlaceHolder 4"/>
           <p:cNvSpPr>
             <a:spLocks noGrp="1"/>
           </p:cNvSpPr>
@@ -5532,7 +5531,7 @@
       </p:sp>
       <p:sp>
         <p:nvSpPr>
-          <p:cNvPr id="133" name="PlaceHolder 5"/>
+          <p:cNvPr id="135" name="PlaceHolder 5"/>
           <p:cNvSpPr>
             <a:spLocks noGrp="1"/>
           </p:cNvSpPr>
@@ -5566,7 +5565,7 @@
       </p:sp>
       <p:sp>
         <p:nvSpPr>
-          <p:cNvPr id="134" name="PlaceHolder 6"/>
+          <p:cNvPr id="136" name="PlaceHolder 6"/>
           <p:cNvSpPr>
             <a:spLocks noGrp="1"/>
           </p:cNvSpPr>
@@ -5600,7 +5599,7 @@
       </p:sp>
       <p:sp>
         <p:nvSpPr>
-          <p:cNvPr id="135" name="PlaceHolder 7"/>
+          <p:cNvPr id="137" name="PlaceHolder 7"/>
           <p:cNvSpPr>
             <a:spLocks noGrp="1"/>
           </p:cNvSpPr>
@@ -5666,7 +5665,7 @@
         <p:txBody>
           <a:bodyPr/>
           <a:p>
-            <a:fld id="{8E9BA87A-711D-4FB9-A11D-1A9D8190AFE5}" type="slidenum">
+            <a:fld id="{67628110-EB27-4AE4-893E-FA1B3D6B2867}" type="slidenum">
               <a:t>&lt;#&gt;</a:t>
             </a:fld>
           </a:p>
@@ -5680,400 +5679,6 @@
           </p:cNvSpPr>
           <p:nvPr>
             <p:ph type="dt" idx="9"/>
-          </p:nvPr>
-        </p:nvSpPr>
-        <p:spPr/>
-        <p:txBody>
-          <a:bodyPr/>
-          <a:p>
-            <a:r>
-              <a:rPr lang="en-US"/>
-              <a:t/>
-            </a:r>
-          </a:p>
-        </p:txBody>
-      </p:sp>
-    </p:spTree>
-  </p:cSld>
-</p:sldLayout>
-</file>
-
-<file path=ppt/slideLayouts/slideLayout37.xml><?xml version="1.0" encoding="utf-8"?>
-<p:sldLayout xmlns:a="http://schemas.openxmlformats.org/drawingml/2006/main" xmlns:p="http://schemas.openxmlformats.org/presentationml/2006/main" xmlns:r="http://schemas.openxmlformats.org/officeDocument/2006/relationships" xmlns:p14="http://schemas.microsoft.com/office/powerpoint/2010/main" xmlns:p15="http://schemas.microsoft.com/office/powerpoint/2012/main" xmlns:mc="http://schemas.openxmlformats.org/markup-compatibility/2006" type="blank" preserve="1">
-  <p:cSld name="Blank Slide">
-    <p:spTree>
-      <p:nvGrpSpPr>
-        <p:cNvPr id="1" name=""/>
-        <p:cNvGrpSpPr/>
-        <p:nvPr/>
-      </p:nvGrpSpPr>
-      <p:grpSpPr>
-        <a:xfrm>
-          <a:off x="0" y="0"/>
-          <a:ext cx="0" cy="0"/>
-          <a:chOff x="0" y="0"/>
-          <a:chExt cx="0" cy="0"/>
-        </a:xfrm>
-      </p:grpSpPr>
-      <p:sp>
-        <p:nvSpPr>
-          <p:cNvPr id="2" name="PlaceHolder 1"/>
-          <p:cNvSpPr>
-            <a:spLocks noGrp="1"/>
-          </p:cNvSpPr>
-          <p:nvPr>
-            <p:ph type="ftr" idx="10"/>
-          </p:nvPr>
-        </p:nvSpPr>
-        <p:spPr/>
-        <p:txBody>
-          <a:bodyPr/>
-          <a:p>
-            <a:r>
-              <a:t>Footer</a:t>
-            </a:r>
-          </a:p>
-        </p:txBody>
-      </p:sp>
-      <p:sp>
-        <p:nvSpPr>
-          <p:cNvPr id="3" name="PlaceHolder 2"/>
-          <p:cNvSpPr>
-            <a:spLocks noGrp="1"/>
-          </p:cNvSpPr>
-          <p:nvPr>
-            <p:ph type="sldNum" idx="11"/>
-          </p:nvPr>
-        </p:nvSpPr>
-        <p:spPr/>
-        <p:txBody>
-          <a:bodyPr/>
-          <a:p>
-            <a:fld id="{46F2613A-DFF7-442A-9DE6-31D08095A915}" type="slidenum">
-              <a:t>&lt;#&gt;</a:t>
-            </a:fld>
-          </a:p>
-        </p:txBody>
-      </p:sp>
-      <p:sp>
-        <p:nvSpPr>
-          <p:cNvPr id="4" name="PlaceHolder 3"/>
-          <p:cNvSpPr>
-            <a:spLocks noGrp="1"/>
-          </p:cNvSpPr>
-          <p:nvPr>
-            <p:ph type="dt" idx="12"/>
-          </p:nvPr>
-        </p:nvSpPr>
-        <p:spPr/>
-        <p:txBody>
-          <a:bodyPr/>
-          <a:p>
-            <a:r>
-              <a:rPr lang="en-US"/>
-              <a:t/>
-            </a:r>
-          </a:p>
-        </p:txBody>
-      </p:sp>
-    </p:spTree>
-  </p:cSld>
-</p:sldLayout>
-</file>
-
-<file path=ppt/slideLayouts/slideLayout38.xml><?xml version="1.0" encoding="utf-8"?>
-<p:sldLayout xmlns:a="http://schemas.openxmlformats.org/drawingml/2006/main" xmlns:p="http://schemas.openxmlformats.org/presentationml/2006/main" xmlns:r="http://schemas.openxmlformats.org/officeDocument/2006/relationships" xmlns:p14="http://schemas.microsoft.com/office/powerpoint/2010/main" xmlns:p15="http://schemas.microsoft.com/office/powerpoint/2012/main" xmlns:mc="http://schemas.openxmlformats.org/markup-compatibility/2006" type="tx" preserve="1">
-  <p:cSld name="Title Slide">
-    <p:spTree>
-      <p:nvGrpSpPr>
-        <p:cNvPr id="1" name=""/>
-        <p:cNvGrpSpPr/>
-        <p:nvPr/>
-      </p:nvGrpSpPr>
-      <p:grpSpPr>
-        <a:xfrm>
-          <a:off x="0" y="0"/>
-          <a:ext cx="0" cy="0"/>
-          <a:chOff x="0" y="0"/>
-          <a:chExt cx="0" cy="0"/>
-        </a:xfrm>
-      </p:grpSpPr>
-      <p:sp>
-        <p:nvSpPr>
-          <p:cNvPr id="146" name="PlaceHolder 1"/>
-          <p:cNvSpPr>
-            <a:spLocks noGrp="1"/>
-          </p:cNvSpPr>
-          <p:nvPr>
-            <p:ph type="title"/>
-          </p:nvPr>
-        </p:nvSpPr>
-        <p:spPr>
-          <a:xfrm>
-            <a:off x="609480" y="273600"/>
-            <a:ext cx="10972440" cy="1144800"/>
-          </a:xfrm>
-          <a:prstGeom prst="rect">
-            <a:avLst/>
-          </a:prstGeom>
-          <a:noFill/>
-          <a:ln w="0">
-            <a:noFill/>
-          </a:ln>
-        </p:spPr>
-        <p:txBody>
-          <a:bodyPr lIns="0" rIns="0" tIns="0" bIns="0" anchor="ctr">
-            <a:noAutofit/>
-          </a:bodyPr>
-          <a:p>
-            <a:pPr algn="ctr">
-              <a:buNone/>
-            </a:pPr>
-            <a:endParaRPr b="0" lang="en-US" sz="4400" spc="-1" strike="noStrike">
-              <a:latin typeface="Arial"/>
-            </a:endParaRPr>
-          </a:p>
-        </p:txBody>
-      </p:sp>
-      <p:sp>
-        <p:nvSpPr>
-          <p:cNvPr id="147" name="PlaceHolder 2"/>
-          <p:cNvSpPr>
-            <a:spLocks noGrp="1"/>
-          </p:cNvSpPr>
-          <p:nvPr>
-            <p:ph type="subTitle"/>
-          </p:nvPr>
-        </p:nvSpPr>
-        <p:spPr>
-          <a:xfrm>
-            <a:off x="609480" y="1604520"/>
-            <a:ext cx="10972440" cy="3977280"/>
-          </a:xfrm>
-          <a:prstGeom prst="rect">
-            <a:avLst/>
-          </a:prstGeom>
-          <a:noFill/>
-          <a:ln w="0">
-            <a:noFill/>
-          </a:ln>
-        </p:spPr>
-        <p:txBody>
-          <a:bodyPr lIns="0" rIns="0" tIns="0" bIns="0" anchor="ctr">
-            <a:noAutofit/>
-          </a:bodyPr>
-          <a:p>
-            <a:pPr algn="ctr">
-              <a:buNone/>
-            </a:pPr>
-            <a:endParaRPr b="0" lang="en-US" sz="3200" spc="-1" strike="noStrike">
-              <a:latin typeface="Arial"/>
-            </a:endParaRPr>
-          </a:p>
-        </p:txBody>
-      </p:sp>
-      <p:sp>
-        <p:nvSpPr>
-          <p:cNvPr id="4" name="PlaceHolder 3"/>
-          <p:cNvSpPr>
-            <a:spLocks noGrp="1"/>
-          </p:cNvSpPr>
-          <p:nvPr>
-            <p:ph type="ftr" idx="10"/>
-          </p:nvPr>
-        </p:nvSpPr>
-        <p:spPr/>
-        <p:txBody>
-          <a:bodyPr/>
-          <a:p>
-            <a:r>
-              <a:t>Footer</a:t>
-            </a:r>
-          </a:p>
-        </p:txBody>
-      </p:sp>
-      <p:sp>
-        <p:nvSpPr>
-          <p:cNvPr id="5" name="PlaceHolder 4"/>
-          <p:cNvSpPr>
-            <a:spLocks noGrp="1"/>
-          </p:cNvSpPr>
-          <p:nvPr>
-            <p:ph type="sldNum" idx="11"/>
-          </p:nvPr>
-        </p:nvSpPr>
-        <p:spPr/>
-        <p:txBody>
-          <a:bodyPr/>
-          <a:p>
-            <a:fld id="{145C67EB-A49E-4DE5-B48F-9D4077256B1A}" type="slidenum">
-              <a:t>&lt;#&gt;</a:t>
-            </a:fld>
-          </a:p>
-        </p:txBody>
-      </p:sp>
-      <p:sp>
-        <p:nvSpPr>
-          <p:cNvPr id="6" name="PlaceHolder 5"/>
-          <p:cNvSpPr>
-            <a:spLocks noGrp="1"/>
-          </p:cNvSpPr>
-          <p:nvPr>
-            <p:ph type="dt" idx="12"/>
-          </p:nvPr>
-        </p:nvSpPr>
-        <p:spPr/>
-        <p:txBody>
-          <a:bodyPr/>
-          <a:p>
-            <a:r>
-              <a:rPr lang="en-US"/>
-              <a:t/>
-            </a:r>
-          </a:p>
-        </p:txBody>
-      </p:sp>
-    </p:spTree>
-  </p:cSld>
-</p:sldLayout>
-</file>
-
-<file path=ppt/slideLayouts/slideLayout39.xml><?xml version="1.0" encoding="utf-8"?>
-<p:sldLayout xmlns:a="http://schemas.openxmlformats.org/drawingml/2006/main" xmlns:p="http://schemas.openxmlformats.org/presentationml/2006/main" xmlns:r="http://schemas.openxmlformats.org/officeDocument/2006/relationships" xmlns:p14="http://schemas.microsoft.com/office/powerpoint/2010/main" xmlns:p15="http://schemas.microsoft.com/office/powerpoint/2012/main" xmlns:mc="http://schemas.openxmlformats.org/markup-compatibility/2006" type="obj" preserve="1">
-  <p:cSld name="Title, Content">
-    <p:spTree>
-      <p:nvGrpSpPr>
-        <p:cNvPr id="1" name=""/>
-        <p:cNvGrpSpPr/>
-        <p:nvPr/>
-      </p:nvGrpSpPr>
-      <p:grpSpPr>
-        <a:xfrm>
-          <a:off x="0" y="0"/>
-          <a:ext cx="0" cy="0"/>
-          <a:chOff x="0" y="0"/>
-          <a:chExt cx="0" cy="0"/>
-        </a:xfrm>
-      </p:grpSpPr>
-      <p:sp>
-        <p:nvSpPr>
-          <p:cNvPr id="148" name="PlaceHolder 1"/>
-          <p:cNvSpPr>
-            <a:spLocks noGrp="1"/>
-          </p:cNvSpPr>
-          <p:nvPr>
-            <p:ph type="title"/>
-          </p:nvPr>
-        </p:nvSpPr>
-        <p:spPr>
-          <a:xfrm>
-            <a:off x="609480" y="273600"/>
-            <a:ext cx="10972440" cy="1144800"/>
-          </a:xfrm>
-          <a:prstGeom prst="rect">
-            <a:avLst/>
-          </a:prstGeom>
-          <a:noFill/>
-          <a:ln w="0">
-            <a:noFill/>
-          </a:ln>
-        </p:spPr>
-        <p:txBody>
-          <a:bodyPr lIns="0" rIns="0" tIns="0" bIns="0" anchor="ctr">
-            <a:noAutofit/>
-          </a:bodyPr>
-          <a:p>
-            <a:pPr algn="ctr">
-              <a:buNone/>
-            </a:pPr>
-            <a:endParaRPr b="0" lang="en-US" sz="4400" spc="-1" strike="noStrike">
-              <a:latin typeface="Arial"/>
-            </a:endParaRPr>
-          </a:p>
-        </p:txBody>
-      </p:sp>
-      <p:sp>
-        <p:nvSpPr>
-          <p:cNvPr id="149" name="PlaceHolder 2"/>
-          <p:cNvSpPr>
-            <a:spLocks noGrp="1"/>
-          </p:cNvSpPr>
-          <p:nvPr>
-            <p:ph/>
-          </p:nvPr>
-        </p:nvSpPr>
-        <p:spPr>
-          <a:xfrm>
-            <a:off x="609480" y="1604520"/>
-            <a:ext cx="10972440" cy="3977280"/>
-          </a:xfrm>
-          <a:prstGeom prst="rect">
-            <a:avLst/>
-          </a:prstGeom>
-          <a:noFill/>
-          <a:ln w="0">
-            <a:noFill/>
-          </a:ln>
-        </p:spPr>
-        <p:txBody>
-          <a:bodyPr lIns="0" rIns="0" tIns="0" bIns="0" anchor="t">
-            <a:normAutofit/>
-          </a:bodyPr>
-          <a:p>
-            <a:endParaRPr b="0" lang="en-US" sz="3200" spc="-1" strike="noStrike">
-              <a:latin typeface="Arial"/>
-            </a:endParaRPr>
-          </a:p>
-        </p:txBody>
-      </p:sp>
-      <p:sp>
-        <p:nvSpPr>
-          <p:cNvPr id="4" name="PlaceHolder 3"/>
-          <p:cNvSpPr>
-            <a:spLocks noGrp="1"/>
-          </p:cNvSpPr>
-          <p:nvPr>
-            <p:ph type="ftr" idx="10"/>
-          </p:nvPr>
-        </p:nvSpPr>
-        <p:spPr/>
-        <p:txBody>
-          <a:bodyPr/>
-          <a:p>
-            <a:r>
-              <a:t>Footer</a:t>
-            </a:r>
-          </a:p>
-        </p:txBody>
-      </p:sp>
-      <p:sp>
-        <p:nvSpPr>
-          <p:cNvPr id="5" name="PlaceHolder 4"/>
-          <p:cNvSpPr>
-            <a:spLocks noGrp="1"/>
-          </p:cNvSpPr>
-          <p:nvPr>
-            <p:ph type="sldNum" idx="11"/>
-          </p:nvPr>
-        </p:nvSpPr>
-        <p:spPr/>
-        <p:txBody>
-          <a:bodyPr/>
-          <a:p>
-            <a:fld id="{71C17079-AD57-4FF7-B38C-A965EBBECF04}" type="slidenum">
-              <a:t>&lt;#&gt;</a:t>
-            </a:fld>
-          </a:p>
-        </p:txBody>
-      </p:sp>
-      <p:sp>
-        <p:nvSpPr>
-          <p:cNvPr id="6" name="PlaceHolder 5"/>
-          <p:cNvSpPr>
-            <a:spLocks noGrp="1"/>
-          </p:cNvSpPr>
-          <p:nvPr>
-            <p:ph type="dt" idx="12"/>
           </p:nvPr>
         </p:nvSpPr>
         <p:spPr/>
@@ -6248,7 +5853,7 @@
         <p:txBody>
           <a:bodyPr/>
           <a:p>
-            <a:fld id="{381EC3F8-F320-44F4-B5F0-347886DE2C2D}" type="slidenum">
+            <a:fld id="{77B8CAE0-1111-4D2A-B6DD-A34E8BFC4776}" type="slidenum">
               <a:t>&lt;#&gt;</a:t>
             </a:fld>
           </a:p>
@@ -6262,1868 +5867,6 @@
           </p:cNvSpPr>
           <p:nvPr>
             <p:ph type="dt" idx="3"/>
-          </p:nvPr>
-        </p:nvSpPr>
-        <p:spPr/>
-        <p:txBody>
-          <a:bodyPr/>
-          <a:p>
-            <a:r>
-              <a:rPr lang="en-US"/>
-              <a:t/>
-            </a:r>
-          </a:p>
-        </p:txBody>
-      </p:sp>
-    </p:spTree>
-  </p:cSld>
-</p:sldLayout>
-</file>
-
-<file path=ppt/slideLayouts/slideLayout40.xml><?xml version="1.0" encoding="utf-8"?>
-<p:sldLayout xmlns:a="http://schemas.openxmlformats.org/drawingml/2006/main" xmlns:p="http://schemas.openxmlformats.org/presentationml/2006/main" xmlns:r="http://schemas.openxmlformats.org/officeDocument/2006/relationships" xmlns:p14="http://schemas.microsoft.com/office/powerpoint/2010/main" xmlns:p15="http://schemas.microsoft.com/office/powerpoint/2012/main" xmlns:mc="http://schemas.openxmlformats.org/markup-compatibility/2006" type="twoObj" preserve="1">
-  <p:cSld name="Title, 2 Content">
-    <p:spTree>
-      <p:nvGrpSpPr>
-        <p:cNvPr id="1" name=""/>
-        <p:cNvGrpSpPr/>
-        <p:nvPr/>
-      </p:nvGrpSpPr>
-      <p:grpSpPr>
-        <a:xfrm>
-          <a:off x="0" y="0"/>
-          <a:ext cx="0" cy="0"/>
-          <a:chOff x="0" y="0"/>
-          <a:chExt cx="0" cy="0"/>
-        </a:xfrm>
-      </p:grpSpPr>
-      <p:sp>
-        <p:nvSpPr>
-          <p:cNvPr id="150" name="PlaceHolder 1"/>
-          <p:cNvSpPr>
-            <a:spLocks noGrp="1"/>
-          </p:cNvSpPr>
-          <p:nvPr>
-            <p:ph type="title"/>
-          </p:nvPr>
-        </p:nvSpPr>
-        <p:spPr>
-          <a:xfrm>
-            <a:off x="609480" y="273600"/>
-            <a:ext cx="10972440" cy="1144800"/>
-          </a:xfrm>
-          <a:prstGeom prst="rect">
-            <a:avLst/>
-          </a:prstGeom>
-          <a:noFill/>
-          <a:ln w="0">
-            <a:noFill/>
-          </a:ln>
-        </p:spPr>
-        <p:txBody>
-          <a:bodyPr lIns="0" rIns="0" tIns="0" bIns="0" anchor="ctr">
-            <a:noAutofit/>
-          </a:bodyPr>
-          <a:p>
-            <a:pPr algn="ctr">
-              <a:buNone/>
-            </a:pPr>
-            <a:endParaRPr b="0" lang="en-US" sz="4400" spc="-1" strike="noStrike">
-              <a:latin typeface="Arial"/>
-            </a:endParaRPr>
-          </a:p>
-        </p:txBody>
-      </p:sp>
-      <p:sp>
-        <p:nvSpPr>
-          <p:cNvPr id="151" name="PlaceHolder 2"/>
-          <p:cNvSpPr>
-            <a:spLocks noGrp="1"/>
-          </p:cNvSpPr>
-          <p:nvPr>
-            <p:ph/>
-          </p:nvPr>
-        </p:nvSpPr>
-        <p:spPr>
-          <a:xfrm>
-            <a:off x="609480" y="1604520"/>
-            <a:ext cx="5354280" cy="3977280"/>
-          </a:xfrm>
-          <a:prstGeom prst="rect">
-            <a:avLst/>
-          </a:prstGeom>
-          <a:noFill/>
-          <a:ln w="0">
-            <a:noFill/>
-          </a:ln>
-        </p:spPr>
-        <p:txBody>
-          <a:bodyPr lIns="0" rIns="0" tIns="0" bIns="0" anchor="t">
-            <a:normAutofit/>
-          </a:bodyPr>
-          <a:p>
-            <a:endParaRPr b="0" lang="en-US" sz="3200" spc="-1" strike="noStrike">
-              <a:latin typeface="Arial"/>
-            </a:endParaRPr>
-          </a:p>
-        </p:txBody>
-      </p:sp>
-      <p:sp>
-        <p:nvSpPr>
-          <p:cNvPr id="152" name="PlaceHolder 3"/>
-          <p:cNvSpPr>
-            <a:spLocks noGrp="1"/>
-          </p:cNvSpPr>
-          <p:nvPr>
-            <p:ph/>
-          </p:nvPr>
-        </p:nvSpPr>
-        <p:spPr>
-          <a:xfrm>
-            <a:off x="6231960" y="1604520"/>
-            <a:ext cx="5354280" cy="3977280"/>
-          </a:xfrm>
-          <a:prstGeom prst="rect">
-            <a:avLst/>
-          </a:prstGeom>
-          <a:noFill/>
-          <a:ln w="0">
-            <a:noFill/>
-          </a:ln>
-        </p:spPr>
-        <p:txBody>
-          <a:bodyPr lIns="0" rIns="0" tIns="0" bIns="0" anchor="t">
-            <a:normAutofit/>
-          </a:bodyPr>
-          <a:p>
-            <a:endParaRPr b="0" lang="en-US" sz="3200" spc="-1" strike="noStrike">
-              <a:latin typeface="Arial"/>
-            </a:endParaRPr>
-          </a:p>
-        </p:txBody>
-      </p:sp>
-      <p:sp>
-        <p:nvSpPr>
-          <p:cNvPr id="5" name="PlaceHolder 4"/>
-          <p:cNvSpPr>
-            <a:spLocks noGrp="1"/>
-          </p:cNvSpPr>
-          <p:nvPr>
-            <p:ph type="ftr" idx="10"/>
-          </p:nvPr>
-        </p:nvSpPr>
-        <p:spPr/>
-        <p:txBody>
-          <a:bodyPr/>
-          <a:p>
-            <a:r>
-              <a:t>Footer</a:t>
-            </a:r>
-          </a:p>
-        </p:txBody>
-      </p:sp>
-      <p:sp>
-        <p:nvSpPr>
-          <p:cNvPr id="6" name="PlaceHolder 5"/>
-          <p:cNvSpPr>
-            <a:spLocks noGrp="1"/>
-          </p:cNvSpPr>
-          <p:nvPr>
-            <p:ph type="sldNum" idx="11"/>
-          </p:nvPr>
-        </p:nvSpPr>
-        <p:spPr/>
-        <p:txBody>
-          <a:bodyPr/>
-          <a:p>
-            <a:fld id="{9908BE45-FE5E-45F3-A3D0-3EAC183660A1}" type="slidenum">
-              <a:t>&lt;#&gt;</a:t>
-            </a:fld>
-          </a:p>
-        </p:txBody>
-      </p:sp>
-      <p:sp>
-        <p:nvSpPr>
-          <p:cNvPr id="7" name="PlaceHolder 6"/>
-          <p:cNvSpPr>
-            <a:spLocks noGrp="1"/>
-          </p:cNvSpPr>
-          <p:nvPr>
-            <p:ph type="dt" idx="12"/>
-          </p:nvPr>
-        </p:nvSpPr>
-        <p:spPr/>
-        <p:txBody>
-          <a:bodyPr/>
-          <a:p>
-            <a:r>
-              <a:rPr lang="en-US"/>
-              <a:t/>
-            </a:r>
-          </a:p>
-        </p:txBody>
-      </p:sp>
-    </p:spTree>
-  </p:cSld>
-</p:sldLayout>
-</file>
-
-<file path=ppt/slideLayouts/slideLayout41.xml><?xml version="1.0" encoding="utf-8"?>
-<p:sldLayout xmlns:a="http://schemas.openxmlformats.org/drawingml/2006/main" xmlns:p="http://schemas.openxmlformats.org/presentationml/2006/main" xmlns:r="http://schemas.openxmlformats.org/officeDocument/2006/relationships" xmlns:p14="http://schemas.microsoft.com/office/powerpoint/2010/main" xmlns:p15="http://schemas.microsoft.com/office/powerpoint/2012/main" xmlns:mc="http://schemas.openxmlformats.org/markup-compatibility/2006" type="titleOnly" preserve="1">
-  <p:cSld name="Title Only">
-    <p:spTree>
-      <p:nvGrpSpPr>
-        <p:cNvPr id="1" name=""/>
-        <p:cNvGrpSpPr/>
-        <p:nvPr/>
-      </p:nvGrpSpPr>
-      <p:grpSpPr>
-        <a:xfrm>
-          <a:off x="0" y="0"/>
-          <a:ext cx="0" cy="0"/>
-          <a:chOff x="0" y="0"/>
-          <a:chExt cx="0" cy="0"/>
-        </a:xfrm>
-      </p:grpSpPr>
-      <p:sp>
-        <p:nvSpPr>
-          <p:cNvPr id="153" name="PlaceHolder 1"/>
-          <p:cNvSpPr>
-            <a:spLocks noGrp="1"/>
-          </p:cNvSpPr>
-          <p:nvPr>
-            <p:ph type="title"/>
-          </p:nvPr>
-        </p:nvSpPr>
-        <p:spPr>
-          <a:xfrm>
-            <a:off x="609480" y="273600"/>
-            <a:ext cx="10972440" cy="1144800"/>
-          </a:xfrm>
-          <a:prstGeom prst="rect">
-            <a:avLst/>
-          </a:prstGeom>
-          <a:noFill/>
-          <a:ln w="0">
-            <a:noFill/>
-          </a:ln>
-        </p:spPr>
-        <p:txBody>
-          <a:bodyPr lIns="0" rIns="0" tIns="0" bIns="0" anchor="ctr">
-            <a:noAutofit/>
-          </a:bodyPr>
-          <a:p>
-            <a:pPr algn="ctr">
-              <a:buNone/>
-            </a:pPr>
-            <a:endParaRPr b="0" lang="en-US" sz="4400" spc="-1" strike="noStrike">
-              <a:latin typeface="Arial"/>
-            </a:endParaRPr>
-          </a:p>
-        </p:txBody>
-      </p:sp>
-      <p:sp>
-        <p:nvSpPr>
-          <p:cNvPr id="3" name="PlaceHolder 2"/>
-          <p:cNvSpPr>
-            <a:spLocks noGrp="1"/>
-          </p:cNvSpPr>
-          <p:nvPr>
-            <p:ph type="ftr" idx="10"/>
-          </p:nvPr>
-        </p:nvSpPr>
-        <p:spPr/>
-        <p:txBody>
-          <a:bodyPr/>
-          <a:p>
-            <a:r>
-              <a:t>Footer</a:t>
-            </a:r>
-          </a:p>
-        </p:txBody>
-      </p:sp>
-      <p:sp>
-        <p:nvSpPr>
-          <p:cNvPr id="4" name="PlaceHolder 3"/>
-          <p:cNvSpPr>
-            <a:spLocks noGrp="1"/>
-          </p:cNvSpPr>
-          <p:nvPr>
-            <p:ph type="sldNum" idx="11"/>
-          </p:nvPr>
-        </p:nvSpPr>
-        <p:spPr/>
-        <p:txBody>
-          <a:bodyPr/>
-          <a:p>
-            <a:fld id="{561F0307-6B23-4B5F-B7E3-1CCA74DFE96A}" type="slidenum">
-              <a:t>&lt;#&gt;</a:t>
-            </a:fld>
-          </a:p>
-        </p:txBody>
-      </p:sp>
-      <p:sp>
-        <p:nvSpPr>
-          <p:cNvPr id="5" name="PlaceHolder 4"/>
-          <p:cNvSpPr>
-            <a:spLocks noGrp="1"/>
-          </p:cNvSpPr>
-          <p:nvPr>
-            <p:ph type="dt" idx="12"/>
-          </p:nvPr>
-        </p:nvSpPr>
-        <p:spPr/>
-        <p:txBody>
-          <a:bodyPr/>
-          <a:p>
-            <a:r>
-              <a:rPr lang="en-US"/>
-              <a:t/>
-            </a:r>
-          </a:p>
-        </p:txBody>
-      </p:sp>
-    </p:spTree>
-  </p:cSld>
-</p:sldLayout>
-</file>
-
-<file path=ppt/slideLayouts/slideLayout42.xml><?xml version="1.0" encoding="utf-8"?>
-<p:sldLayout xmlns:a="http://schemas.openxmlformats.org/drawingml/2006/main" xmlns:p="http://schemas.openxmlformats.org/presentationml/2006/main" xmlns:r="http://schemas.openxmlformats.org/officeDocument/2006/relationships" xmlns:p14="http://schemas.microsoft.com/office/powerpoint/2010/main" xmlns:p15="http://schemas.microsoft.com/office/powerpoint/2012/main" xmlns:mc="http://schemas.openxmlformats.org/markup-compatibility/2006" type="objOnly" preserve="1">
-  <p:cSld name="Centered Text">
-    <p:spTree>
-      <p:nvGrpSpPr>
-        <p:cNvPr id="1" name=""/>
-        <p:cNvGrpSpPr/>
-        <p:nvPr/>
-      </p:nvGrpSpPr>
-      <p:grpSpPr>
-        <a:xfrm>
-          <a:off x="0" y="0"/>
-          <a:ext cx="0" cy="0"/>
-          <a:chOff x="0" y="0"/>
-          <a:chExt cx="0" cy="0"/>
-        </a:xfrm>
-      </p:grpSpPr>
-      <p:sp>
-        <p:nvSpPr>
-          <p:cNvPr id="154" name="PlaceHolder 1"/>
-          <p:cNvSpPr>
-            <a:spLocks noGrp="1"/>
-          </p:cNvSpPr>
-          <p:nvPr>
-            <p:ph type="subTitle"/>
-          </p:nvPr>
-        </p:nvSpPr>
-        <p:spPr>
-          <a:xfrm>
-            <a:off x="609480" y="273600"/>
-            <a:ext cx="10972440" cy="5307840"/>
-          </a:xfrm>
-          <a:prstGeom prst="rect">
-            <a:avLst/>
-          </a:prstGeom>
-          <a:noFill/>
-          <a:ln w="0">
-            <a:noFill/>
-          </a:ln>
-        </p:spPr>
-        <p:txBody>
-          <a:bodyPr lIns="0" rIns="0" tIns="0" bIns="0" anchor="ctr">
-            <a:noAutofit/>
-          </a:bodyPr>
-          <a:p>
-            <a:pPr algn="ctr">
-              <a:buNone/>
-            </a:pPr>
-            <a:endParaRPr b="0" lang="en-US" sz="3200" spc="-1" strike="noStrike">
-              <a:latin typeface="Arial"/>
-            </a:endParaRPr>
-          </a:p>
-        </p:txBody>
-      </p:sp>
-      <p:sp>
-        <p:nvSpPr>
-          <p:cNvPr id="3" name="PlaceHolder 2"/>
-          <p:cNvSpPr>
-            <a:spLocks noGrp="1"/>
-          </p:cNvSpPr>
-          <p:nvPr>
-            <p:ph type="ftr" idx="10"/>
-          </p:nvPr>
-        </p:nvSpPr>
-        <p:spPr/>
-        <p:txBody>
-          <a:bodyPr/>
-          <a:p>
-            <a:r>
-              <a:t>Footer</a:t>
-            </a:r>
-          </a:p>
-        </p:txBody>
-      </p:sp>
-      <p:sp>
-        <p:nvSpPr>
-          <p:cNvPr id="4" name="PlaceHolder 3"/>
-          <p:cNvSpPr>
-            <a:spLocks noGrp="1"/>
-          </p:cNvSpPr>
-          <p:nvPr>
-            <p:ph type="sldNum" idx="11"/>
-          </p:nvPr>
-        </p:nvSpPr>
-        <p:spPr/>
-        <p:txBody>
-          <a:bodyPr/>
-          <a:p>
-            <a:fld id="{C532612F-001B-4A41-834C-6D4772BCC5E0}" type="slidenum">
-              <a:t>&lt;#&gt;</a:t>
-            </a:fld>
-          </a:p>
-        </p:txBody>
-      </p:sp>
-      <p:sp>
-        <p:nvSpPr>
-          <p:cNvPr id="5" name="PlaceHolder 4"/>
-          <p:cNvSpPr>
-            <a:spLocks noGrp="1"/>
-          </p:cNvSpPr>
-          <p:nvPr>
-            <p:ph type="dt" idx="12"/>
-          </p:nvPr>
-        </p:nvSpPr>
-        <p:spPr/>
-        <p:txBody>
-          <a:bodyPr/>
-          <a:p>
-            <a:r>
-              <a:rPr lang="en-US"/>
-              <a:t/>
-            </a:r>
-          </a:p>
-        </p:txBody>
-      </p:sp>
-    </p:spTree>
-  </p:cSld>
-</p:sldLayout>
-</file>
-
-<file path=ppt/slideLayouts/slideLayout43.xml><?xml version="1.0" encoding="utf-8"?>
-<p:sldLayout xmlns:a="http://schemas.openxmlformats.org/drawingml/2006/main" xmlns:p="http://schemas.openxmlformats.org/presentationml/2006/main" xmlns:r="http://schemas.openxmlformats.org/officeDocument/2006/relationships" xmlns:p14="http://schemas.microsoft.com/office/powerpoint/2010/main" xmlns:p15="http://schemas.microsoft.com/office/powerpoint/2012/main" xmlns:mc="http://schemas.openxmlformats.org/markup-compatibility/2006" type="twoObjAndObj" preserve="1">
-  <p:cSld name="Title, 2 Content and Content">
-    <p:spTree>
-      <p:nvGrpSpPr>
-        <p:cNvPr id="1" name=""/>
-        <p:cNvGrpSpPr/>
-        <p:nvPr/>
-      </p:nvGrpSpPr>
-      <p:grpSpPr>
-        <a:xfrm>
-          <a:off x="0" y="0"/>
-          <a:ext cx="0" cy="0"/>
-          <a:chOff x="0" y="0"/>
-          <a:chExt cx="0" cy="0"/>
-        </a:xfrm>
-      </p:grpSpPr>
-      <p:sp>
-        <p:nvSpPr>
-          <p:cNvPr id="155" name="PlaceHolder 1"/>
-          <p:cNvSpPr>
-            <a:spLocks noGrp="1"/>
-          </p:cNvSpPr>
-          <p:nvPr>
-            <p:ph type="title"/>
-          </p:nvPr>
-        </p:nvSpPr>
-        <p:spPr>
-          <a:xfrm>
-            <a:off x="609480" y="273600"/>
-            <a:ext cx="10972440" cy="1144800"/>
-          </a:xfrm>
-          <a:prstGeom prst="rect">
-            <a:avLst/>
-          </a:prstGeom>
-          <a:noFill/>
-          <a:ln w="0">
-            <a:noFill/>
-          </a:ln>
-        </p:spPr>
-        <p:txBody>
-          <a:bodyPr lIns="0" rIns="0" tIns="0" bIns="0" anchor="ctr">
-            <a:noAutofit/>
-          </a:bodyPr>
-          <a:p>
-            <a:pPr algn="ctr">
-              <a:buNone/>
-            </a:pPr>
-            <a:endParaRPr b="0" lang="en-US" sz="4400" spc="-1" strike="noStrike">
-              <a:latin typeface="Arial"/>
-            </a:endParaRPr>
-          </a:p>
-        </p:txBody>
-      </p:sp>
-      <p:sp>
-        <p:nvSpPr>
-          <p:cNvPr id="156" name="PlaceHolder 2"/>
-          <p:cNvSpPr>
-            <a:spLocks noGrp="1"/>
-          </p:cNvSpPr>
-          <p:nvPr>
-            <p:ph/>
-          </p:nvPr>
-        </p:nvSpPr>
-        <p:spPr>
-          <a:xfrm>
-            <a:off x="609480" y="1604520"/>
-            <a:ext cx="5354280" cy="1896840"/>
-          </a:xfrm>
-          <a:prstGeom prst="rect">
-            <a:avLst/>
-          </a:prstGeom>
-          <a:noFill/>
-          <a:ln w="0">
-            <a:noFill/>
-          </a:ln>
-        </p:spPr>
-        <p:txBody>
-          <a:bodyPr lIns="0" rIns="0" tIns="0" bIns="0" anchor="t">
-            <a:normAutofit/>
-          </a:bodyPr>
-          <a:p>
-            <a:endParaRPr b="0" lang="en-US" sz="3200" spc="-1" strike="noStrike">
-              <a:latin typeface="Arial"/>
-            </a:endParaRPr>
-          </a:p>
-        </p:txBody>
-      </p:sp>
-      <p:sp>
-        <p:nvSpPr>
-          <p:cNvPr id="157" name="PlaceHolder 3"/>
-          <p:cNvSpPr>
-            <a:spLocks noGrp="1"/>
-          </p:cNvSpPr>
-          <p:nvPr>
-            <p:ph/>
-          </p:nvPr>
-        </p:nvSpPr>
-        <p:spPr>
-          <a:xfrm>
-            <a:off x="6231960" y="1604520"/>
-            <a:ext cx="5354280" cy="3977280"/>
-          </a:xfrm>
-          <a:prstGeom prst="rect">
-            <a:avLst/>
-          </a:prstGeom>
-          <a:noFill/>
-          <a:ln w="0">
-            <a:noFill/>
-          </a:ln>
-        </p:spPr>
-        <p:txBody>
-          <a:bodyPr lIns="0" rIns="0" tIns="0" bIns="0" anchor="t">
-            <a:normAutofit/>
-          </a:bodyPr>
-          <a:p>
-            <a:endParaRPr b="0" lang="en-US" sz="3200" spc="-1" strike="noStrike">
-              <a:latin typeface="Arial"/>
-            </a:endParaRPr>
-          </a:p>
-        </p:txBody>
-      </p:sp>
-      <p:sp>
-        <p:nvSpPr>
-          <p:cNvPr id="158" name="PlaceHolder 4"/>
-          <p:cNvSpPr>
-            <a:spLocks noGrp="1"/>
-          </p:cNvSpPr>
-          <p:nvPr>
-            <p:ph/>
-          </p:nvPr>
-        </p:nvSpPr>
-        <p:spPr>
-          <a:xfrm>
-            <a:off x="609480" y="3682080"/>
-            <a:ext cx="5354280" cy="1896840"/>
-          </a:xfrm>
-          <a:prstGeom prst="rect">
-            <a:avLst/>
-          </a:prstGeom>
-          <a:noFill/>
-          <a:ln w="0">
-            <a:noFill/>
-          </a:ln>
-        </p:spPr>
-        <p:txBody>
-          <a:bodyPr lIns="0" rIns="0" tIns="0" bIns="0" anchor="t">
-            <a:normAutofit/>
-          </a:bodyPr>
-          <a:p>
-            <a:endParaRPr b="0" lang="en-US" sz="3200" spc="-1" strike="noStrike">
-              <a:latin typeface="Arial"/>
-            </a:endParaRPr>
-          </a:p>
-        </p:txBody>
-      </p:sp>
-      <p:sp>
-        <p:nvSpPr>
-          <p:cNvPr id="6" name="PlaceHolder 5"/>
-          <p:cNvSpPr>
-            <a:spLocks noGrp="1"/>
-          </p:cNvSpPr>
-          <p:nvPr>
-            <p:ph type="ftr" idx="10"/>
-          </p:nvPr>
-        </p:nvSpPr>
-        <p:spPr/>
-        <p:txBody>
-          <a:bodyPr/>
-          <a:p>
-            <a:r>
-              <a:t>Footer</a:t>
-            </a:r>
-          </a:p>
-        </p:txBody>
-      </p:sp>
-      <p:sp>
-        <p:nvSpPr>
-          <p:cNvPr id="7" name="PlaceHolder 6"/>
-          <p:cNvSpPr>
-            <a:spLocks noGrp="1"/>
-          </p:cNvSpPr>
-          <p:nvPr>
-            <p:ph type="sldNum" idx="11"/>
-          </p:nvPr>
-        </p:nvSpPr>
-        <p:spPr/>
-        <p:txBody>
-          <a:bodyPr/>
-          <a:p>
-            <a:fld id="{D877F6AB-A044-43AF-ACFD-EE7BBE44F4AA}" type="slidenum">
-              <a:t>&lt;#&gt;</a:t>
-            </a:fld>
-          </a:p>
-        </p:txBody>
-      </p:sp>
-      <p:sp>
-        <p:nvSpPr>
-          <p:cNvPr id="8" name="PlaceHolder 7"/>
-          <p:cNvSpPr>
-            <a:spLocks noGrp="1"/>
-          </p:cNvSpPr>
-          <p:nvPr>
-            <p:ph type="dt" idx="12"/>
-          </p:nvPr>
-        </p:nvSpPr>
-        <p:spPr/>
-        <p:txBody>
-          <a:bodyPr/>
-          <a:p>
-            <a:r>
-              <a:rPr lang="en-US"/>
-              <a:t/>
-            </a:r>
-          </a:p>
-        </p:txBody>
-      </p:sp>
-    </p:spTree>
-  </p:cSld>
-</p:sldLayout>
-</file>
-
-<file path=ppt/slideLayouts/slideLayout44.xml><?xml version="1.0" encoding="utf-8"?>
-<p:sldLayout xmlns:a="http://schemas.openxmlformats.org/drawingml/2006/main" xmlns:p="http://schemas.openxmlformats.org/presentationml/2006/main" xmlns:r="http://schemas.openxmlformats.org/officeDocument/2006/relationships" xmlns:p14="http://schemas.microsoft.com/office/powerpoint/2010/main" xmlns:p15="http://schemas.microsoft.com/office/powerpoint/2012/main" xmlns:mc="http://schemas.openxmlformats.org/markup-compatibility/2006" type="objAndTwoObj" preserve="1">
-  <p:cSld name="Title Content and 2 Content">
-    <p:spTree>
-      <p:nvGrpSpPr>
-        <p:cNvPr id="1" name=""/>
-        <p:cNvGrpSpPr/>
-        <p:nvPr/>
-      </p:nvGrpSpPr>
-      <p:grpSpPr>
-        <a:xfrm>
-          <a:off x="0" y="0"/>
-          <a:ext cx="0" cy="0"/>
-          <a:chOff x="0" y="0"/>
-          <a:chExt cx="0" cy="0"/>
-        </a:xfrm>
-      </p:grpSpPr>
-      <p:sp>
-        <p:nvSpPr>
-          <p:cNvPr id="159" name="PlaceHolder 1"/>
-          <p:cNvSpPr>
-            <a:spLocks noGrp="1"/>
-          </p:cNvSpPr>
-          <p:nvPr>
-            <p:ph type="title"/>
-          </p:nvPr>
-        </p:nvSpPr>
-        <p:spPr>
-          <a:xfrm>
-            <a:off x="609480" y="273600"/>
-            <a:ext cx="10972440" cy="1144800"/>
-          </a:xfrm>
-          <a:prstGeom prst="rect">
-            <a:avLst/>
-          </a:prstGeom>
-          <a:noFill/>
-          <a:ln w="0">
-            <a:noFill/>
-          </a:ln>
-        </p:spPr>
-        <p:txBody>
-          <a:bodyPr lIns="0" rIns="0" tIns="0" bIns="0" anchor="ctr">
-            <a:noAutofit/>
-          </a:bodyPr>
-          <a:p>
-            <a:pPr algn="ctr">
-              <a:buNone/>
-            </a:pPr>
-            <a:endParaRPr b="0" lang="en-US" sz="4400" spc="-1" strike="noStrike">
-              <a:latin typeface="Arial"/>
-            </a:endParaRPr>
-          </a:p>
-        </p:txBody>
-      </p:sp>
-      <p:sp>
-        <p:nvSpPr>
-          <p:cNvPr id="160" name="PlaceHolder 2"/>
-          <p:cNvSpPr>
-            <a:spLocks noGrp="1"/>
-          </p:cNvSpPr>
-          <p:nvPr>
-            <p:ph/>
-          </p:nvPr>
-        </p:nvSpPr>
-        <p:spPr>
-          <a:xfrm>
-            <a:off x="609480" y="1604520"/>
-            <a:ext cx="5354280" cy="3977280"/>
-          </a:xfrm>
-          <a:prstGeom prst="rect">
-            <a:avLst/>
-          </a:prstGeom>
-          <a:noFill/>
-          <a:ln w="0">
-            <a:noFill/>
-          </a:ln>
-        </p:spPr>
-        <p:txBody>
-          <a:bodyPr lIns="0" rIns="0" tIns="0" bIns="0" anchor="t">
-            <a:normAutofit/>
-          </a:bodyPr>
-          <a:p>
-            <a:endParaRPr b="0" lang="en-US" sz="3200" spc="-1" strike="noStrike">
-              <a:latin typeface="Arial"/>
-            </a:endParaRPr>
-          </a:p>
-        </p:txBody>
-      </p:sp>
-      <p:sp>
-        <p:nvSpPr>
-          <p:cNvPr id="161" name="PlaceHolder 3"/>
-          <p:cNvSpPr>
-            <a:spLocks noGrp="1"/>
-          </p:cNvSpPr>
-          <p:nvPr>
-            <p:ph/>
-          </p:nvPr>
-        </p:nvSpPr>
-        <p:spPr>
-          <a:xfrm>
-            <a:off x="6231960" y="1604520"/>
-            <a:ext cx="5354280" cy="1896840"/>
-          </a:xfrm>
-          <a:prstGeom prst="rect">
-            <a:avLst/>
-          </a:prstGeom>
-          <a:noFill/>
-          <a:ln w="0">
-            <a:noFill/>
-          </a:ln>
-        </p:spPr>
-        <p:txBody>
-          <a:bodyPr lIns="0" rIns="0" tIns="0" bIns="0" anchor="t">
-            <a:normAutofit/>
-          </a:bodyPr>
-          <a:p>
-            <a:endParaRPr b="0" lang="en-US" sz="3200" spc="-1" strike="noStrike">
-              <a:latin typeface="Arial"/>
-            </a:endParaRPr>
-          </a:p>
-        </p:txBody>
-      </p:sp>
-      <p:sp>
-        <p:nvSpPr>
-          <p:cNvPr id="162" name="PlaceHolder 4"/>
-          <p:cNvSpPr>
-            <a:spLocks noGrp="1"/>
-          </p:cNvSpPr>
-          <p:nvPr>
-            <p:ph/>
-          </p:nvPr>
-        </p:nvSpPr>
-        <p:spPr>
-          <a:xfrm>
-            <a:off x="6231960" y="3682080"/>
-            <a:ext cx="5354280" cy="1896840"/>
-          </a:xfrm>
-          <a:prstGeom prst="rect">
-            <a:avLst/>
-          </a:prstGeom>
-          <a:noFill/>
-          <a:ln w="0">
-            <a:noFill/>
-          </a:ln>
-        </p:spPr>
-        <p:txBody>
-          <a:bodyPr lIns="0" rIns="0" tIns="0" bIns="0" anchor="t">
-            <a:normAutofit/>
-          </a:bodyPr>
-          <a:p>
-            <a:endParaRPr b="0" lang="en-US" sz="3200" spc="-1" strike="noStrike">
-              <a:latin typeface="Arial"/>
-            </a:endParaRPr>
-          </a:p>
-        </p:txBody>
-      </p:sp>
-      <p:sp>
-        <p:nvSpPr>
-          <p:cNvPr id="6" name="PlaceHolder 5"/>
-          <p:cNvSpPr>
-            <a:spLocks noGrp="1"/>
-          </p:cNvSpPr>
-          <p:nvPr>
-            <p:ph type="ftr" idx="10"/>
-          </p:nvPr>
-        </p:nvSpPr>
-        <p:spPr/>
-        <p:txBody>
-          <a:bodyPr/>
-          <a:p>
-            <a:r>
-              <a:t>Footer</a:t>
-            </a:r>
-          </a:p>
-        </p:txBody>
-      </p:sp>
-      <p:sp>
-        <p:nvSpPr>
-          <p:cNvPr id="7" name="PlaceHolder 6"/>
-          <p:cNvSpPr>
-            <a:spLocks noGrp="1"/>
-          </p:cNvSpPr>
-          <p:nvPr>
-            <p:ph type="sldNum" idx="11"/>
-          </p:nvPr>
-        </p:nvSpPr>
-        <p:spPr/>
-        <p:txBody>
-          <a:bodyPr/>
-          <a:p>
-            <a:fld id="{913F62DF-29E0-417E-9954-082EE16B011F}" type="slidenum">
-              <a:t>&lt;#&gt;</a:t>
-            </a:fld>
-          </a:p>
-        </p:txBody>
-      </p:sp>
-      <p:sp>
-        <p:nvSpPr>
-          <p:cNvPr id="8" name="PlaceHolder 7"/>
-          <p:cNvSpPr>
-            <a:spLocks noGrp="1"/>
-          </p:cNvSpPr>
-          <p:nvPr>
-            <p:ph type="dt" idx="12"/>
-          </p:nvPr>
-        </p:nvSpPr>
-        <p:spPr/>
-        <p:txBody>
-          <a:bodyPr/>
-          <a:p>
-            <a:r>
-              <a:rPr lang="en-US"/>
-              <a:t/>
-            </a:r>
-          </a:p>
-        </p:txBody>
-      </p:sp>
-    </p:spTree>
-  </p:cSld>
-</p:sldLayout>
-</file>
-
-<file path=ppt/slideLayouts/slideLayout45.xml><?xml version="1.0" encoding="utf-8"?>
-<p:sldLayout xmlns:a="http://schemas.openxmlformats.org/drawingml/2006/main" xmlns:p="http://schemas.openxmlformats.org/presentationml/2006/main" xmlns:r="http://schemas.openxmlformats.org/officeDocument/2006/relationships" xmlns:p14="http://schemas.microsoft.com/office/powerpoint/2010/main" xmlns:p15="http://schemas.microsoft.com/office/powerpoint/2012/main" xmlns:mc="http://schemas.openxmlformats.org/markup-compatibility/2006" type="twoObjOverTx" preserve="1">
-  <p:cSld name="Title, 2 Content over Content">
-    <p:spTree>
-      <p:nvGrpSpPr>
-        <p:cNvPr id="1" name=""/>
-        <p:cNvGrpSpPr/>
-        <p:nvPr/>
-      </p:nvGrpSpPr>
-      <p:grpSpPr>
-        <a:xfrm>
-          <a:off x="0" y="0"/>
-          <a:ext cx="0" cy="0"/>
-          <a:chOff x="0" y="0"/>
-          <a:chExt cx="0" cy="0"/>
-        </a:xfrm>
-      </p:grpSpPr>
-      <p:sp>
-        <p:nvSpPr>
-          <p:cNvPr id="163" name="PlaceHolder 1"/>
-          <p:cNvSpPr>
-            <a:spLocks noGrp="1"/>
-          </p:cNvSpPr>
-          <p:nvPr>
-            <p:ph type="title"/>
-          </p:nvPr>
-        </p:nvSpPr>
-        <p:spPr>
-          <a:xfrm>
-            <a:off x="609480" y="273600"/>
-            <a:ext cx="10972440" cy="1144800"/>
-          </a:xfrm>
-          <a:prstGeom prst="rect">
-            <a:avLst/>
-          </a:prstGeom>
-          <a:noFill/>
-          <a:ln w="0">
-            <a:noFill/>
-          </a:ln>
-        </p:spPr>
-        <p:txBody>
-          <a:bodyPr lIns="0" rIns="0" tIns="0" bIns="0" anchor="ctr">
-            <a:noAutofit/>
-          </a:bodyPr>
-          <a:p>
-            <a:pPr algn="ctr">
-              <a:buNone/>
-            </a:pPr>
-            <a:endParaRPr b="0" lang="en-US" sz="4400" spc="-1" strike="noStrike">
-              <a:latin typeface="Arial"/>
-            </a:endParaRPr>
-          </a:p>
-        </p:txBody>
-      </p:sp>
-      <p:sp>
-        <p:nvSpPr>
-          <p:cNvPr id="164" name="PlaceHolder 2"/>
-          <p:cNvSpPr>
-            <a:spLocks noGrp="1"/>
-          </p:cNvSpPr>
-          <p:nvPr>
-            <p:ph/>
-          </p:nvPr>
-        </p:nvSpPr>
-        <p:spPr>
-          <a:xfrm>
-            <a:off x="609480" y="1604520"/>
-            <a:ext cx="5354280" cy="1896840"/>
-          </a:xfrm>
-          <a:prstGeom prst="rect">
-            <a:avLst/>
-          </a:prstGeom>
-          <a:noFill/>
-          <a:ln w="0">
-            <a:noFill/>
-          </a:ln>
-        </p:spPr>
-        <p:txBody>
-          <a:bodyPr lIns="0" rIns="0" tIns="0" bIns="0" anchor="t">
-            <a:normAutofit/>
-          </a:bodyPr>
-          <a:p>
-            <a:endParaRPr b="0" lang="en-US" sz="3200" spc="-1" strike="noStrike">
-              <a:latin typeface="Arial"/>
-            </a:endParaRPr>
-          </a:p>
-        </p:txBody>
-      </p:sp>
-      <p:sp>
-        <p:nvSpPr>
-          <p:cNvPr id="165" name="PlaceHolder 3"/>
-          <p:cNvSpPr>
-            <a:spLocks noGrp="1"/>
-          </p:cNvSpPr>
-          <p:nvPr>
-            <p:ph/>
-          </p:nvPr>
-        </p:nvSpPr>
-        <p:spPr>
-          <a:xfrm>
-            <a:off x="6231960" y="1604520"/>
-            <a:ext cx="5354280" cy="1896840"/>
-          </a:xfrm>
-          <a:prstGeom prst="rect">
-            <a:avLst/>
-          </a:prstGeom>
-          <a:noFill/>
-          <a:ln w="0">
-            <a:noFill/>
-          </a:ln>
-        </p:spPr>
-        <p:txBody>
-          <a:bodyPr lIns="0" rIns="0" tIns="0" bIns="0" anchor="t">
-            <a:normAutofit/>
-          </a:bodyPr>
-          <a:p>
-            <a:endParaRPr b="0" lang="en-US" sz="3200" spc="-1" strike="noStrike">
-              <a:latin typeface="Arial"/>
-            </a:endParaRPr>
-          </a:p>
-        </p:txBody>
-      </p:sp>
-      <p:sp>
-        <p:nvSpPr>
-          <p:cNvPr id="166" name="PlaceHolder 4"/>
-          <p:cNvSpPr>
-            <a:spLocks noGrp="1"/>
-          </p:cNvSpPr>
-          <p:nvPr>
-            <p:ph/>
-          </p:nvPr>
-        </p:nvSpPr>
-        <p:spPr>
-          <a:xfrm>
-            <a:off x="609480" y="3682080"/>
-            <a:ext cx="10972440" cy="1896840"/>
-          </a:xfrm>
-          <a:prstGeom prst="rect">
-            <a:avLst/>
-          </a:prstGeom>
-          <a:noFill/>
-          <a:ln w="0">
-            <a:noFill/>
-          </a:ln>
-        </p:spPr>
-        <p:txBody>
-          <a:bodyPr lIns="0" rIns="0" tIns="0" bIns="0" anchor="t">
-            <a:normAutofit/>
-          </a:bodyPr>
-          <a:p>
-            <a:endParaRPr b="0" lang="en-US" sz="3200" spc="-1" strike="noStrike">
-              <a:latin typeface="Arial"/>
-            </a:endParaRPr>
-          </a:p>
-        </p:txBody>
-      </p:sp>
-      <p:sp>
-        <p:nvSpPr>
-          <p:cNvPr id="6" name="PlaceHolder 5"/>
-          <p:cNvSpPr>
-            <a:spLocks noGrp="1"/>
-          </p:cNvSpPr>
-          <p:nvPr>
-            <p:ph type="ftr" idx="10"/>
-          </p:nvPr>
-        </p:nvSpPr>
-        <p:spPr/>
-        <p:txBody>
-          <a:bodyPr/>
-          <a:p>
-            <a:r>
-              <a:t>Footer</a:t>
-            </a:r>
-          </a:p>
-        </p:txBody>
-      </p:sp>
-      <p:sp>
-        <p:nvSpPr>
-          <p:cNvPr id="7" name="PlaceHolder 6"/>
-          <p:cNvSpPr>
-            <a:spLocks noGrp="1"/>
-          </p:cNvSpPr>
-          <p:nvPr>
-            <p:ph type="sldNum" idx="11"/>
-          </p:nvPr>
-        </p:nvSpPr>
-        <p:spPr/>
-        <p:txBody>
-          <a:bodyPr/>
-          <a:p>
-            <a:fld id="{931472D4-0D01-406B-BF76-EBC41B8F6E5A}" type="slidenum">
-              <a:t>&lt;#&gt;</a:t>
-            </a:fld>
-          </a:p>
-        </p:txBody>
-      </p:sp>
-      <p:sp>
-        <p:nvSpPr>
-          <p:cNvPr id="8" name="PlaceHolder 7"/>
-          <p:cNvSpPr>
-            <a:spLocks noGrp="1"/>
-          </p:cNvSpPr>
-          <p:nvPr>
-            <p:ph type="dt" idx="12"/>
-          </p:nvPr>
-        </p:nvSpPr>
-        <p:spPr/>
-        <p:txBody>
-          <a:bodyPr/>
-          <a:p>
-            <a:r>
-              <a:rPr lang="en-US"/>
-              <a:t/>
-            </a:r>
-          </a:p>
-        </p:txBody>
-      </p:sp>
-    </p:spTree>
-  </p:cSld>
-</p:sldLayout>
-</file>
-
-<file path=ppt/slideLayouts/slideLayout46.xml><?xml version="1.0" encoding="utf-8"?>
-<p:sldLayout xmlns:a="http://schemas.openxmlformats.org/drawingml/2006/main" xmlns:p="http://schemas.openxmlformats.org/presentationml/2006/main" xmlns:r="http://schemas.openxmlformats.org/officeDocument/2006/relationships" xmlns:p14="http://schemas.microsoft.com/office/powerpoint/2010/main" xmlns:p15="http://schemas.microsoft.com/office/powerpoint/2012/main" xmlns:mc="http://schemas.openxmlformats.org/markup-compatibility/2006" type="objOverTx" preserve="1">
-  <p:cSld name="Title, Content over Content">
-    <p:spTree>
-      <p:nvGrpSpPr>
-        <p:cNvPr id="1" name=""/>
-        <p:cNvGrpSpPr/>
-        <p:nvPr/>
-      </p:nvGrpSpPr>
-      <p:grpSpPr>
-        <a:xfrm>
-          <a:off x="0" y="0"/>
-          <a:ext cx="0" cy="0"/>
-          <a:chOff x="0" y="0"/>
-          <a:chExt cx="0" cy="0"/>
-        </a:xfrm>
-      </p:grpSpPr>
-      <p:sp>
-        <p:nvSpPr>
-          <p:cNvPr id="167" name="PlaceHolder 1"/>
-          <p:cNvSpPr>
-            <a:spLocks noGrp="1"/>
-          </p:cNvSpPr>
-          <p:nvPr>
-            <p:ph type="title"/>
-          </p:nvPr>
-        </p:nvSpPr>
-        <p:spPr>
-          <a:xfrm>
-            <a:off x="609480" y="273600"/>
-            <a:ext cx="10972440" cy="1144800"/>
-          </a:xfrm>
-          <a:prstGeom prst="rect">
-            <a:avLst/>
-          </a:prstGeom>
-          <a:noFill/>
-          <a:ln w="0">
-            <a:noFill/>
-          </a:ln>
-        </p:spPr>
-        <p:txBody>
-          <a:bodyPr lIns="0" rIns="0" tIns="0" bIns="0" anchor="ctr">
-            <a:noAutofit/>
-          </a:bodyPr>
-          <a:p>
-            <a:pPr algn="ctr">
-              <a:buNone/>
-            </a:pPr>
-            <a:endParaRPr b="0" lang="en-US" sz="4400" spc="-1" strike="noStrike">
-              <a:latin typeface="Arial"/>
-            </a:endParaRPr>
-          </a:p>
-        </p:txBody>
-      </p:sp>
-      <p:sp>
-        <p:nvSpPr>
-          <p:cNvPr id="168" name="PlaceHolder 2"/>
-          <p:cNvSpPr>
-            <a:spLocks noGrp="1"/>
-          </p:cNvSpPr>
-          <p:nvPr>
-            <p:ph/>
-          </p:nvPr>
-        </p:nvSpPr>
-        <p:spPr>
-          <a:xfrm>
-            <a:off x="609480" y="1604520"/>
-            <a:ext cx="10972440" cy="1896840"/>
-          </a:xfrm>
-          <a:prstGeom prst="rect">
-            <a:avLst/>
-          </a:prstGeom>
-          <a:noFill/>
-          <a:ln w="0">
-            <a:noFill/>
-          </a:ln>
-        </p:spPr>
-        <p:txBody>
-          <a:bodyPr lIns="0" rIns="0" tIns="0" bIns="0" anchor="t">
-            <a:normAutofit/>
-          </a:bodyPr>
-          <a:p>
-            <a:endParaRPr b="0" lang="en-US" sz="3200" spc="-1" strike="noStrike">
-              <a:latin typeface="Arial"/>
-            </a:endParaRPr>
-          </a:p>
-        </p:txBody>
-      </p:sp>
-      <p:sp>
-        <p:nvSpPr>
-          <p:cNvPr id="169" name="PlaceHolder 3"/>
-          <p:cNvSpPr>
-            <a:spLocks noGrp="1"/>
-          </p:cNvSpPr>
-          <p:nvPr>
-            <p:ph/>
-          </p:nvPr>
-        </p:nvSpPr>
-        <p:spPr>
-          <a:xfrm>
-            <a:off x="609480" y="3682080"/>
-            <a:ext cx="10972440" cy="1896840"/>
-          </a:xfrm>
-          <a:prstGeom prst="rect">
-            <a:avLst/>
-          </a:prstGeom>
-          <a:noFill/>
-          <a:ln w="0">
-            <a:noFill/>
-          </a:ln>
-        </p:spPr>
-        <p:txBody>
-          <a:bodyPr lIns="0" rIns="0" tIns="0" bIns="0" anchor="t">
-            <a:normAutofit/>
-          </a:bodyPr>
-          <a:p>
-            <a:endParaRPr b="0" lang="en-US" sz="3200" spc="-1" strike="noStrike">
-              <a:latin typeface="Arial"/>
-            </a:endParaRPr>
-          </a:p>
-        </p:txBody>
-      </p:sp>
-      <p:sp>
-        <p:nvSpPr>
-          <p:cNvPr id="5" name="PlaceHolder 4"/>
-          <p:cNvSpPr>
-            <a:spLocks noGrp="1"/>
-          </p:cNvSpPr>
-          <p:nvPr>
-            <p:ph type="ftr" idx="10"/>
-          </p:nvPr>
-        </p:nvSpPr>
-        <p:spPr/>
-        <p:txBody>
-          <a:bodyPr/>
-          <a:p>
-            <a:r>
-              <a:t>Footer</a:t>
-            </a:r>
-          </a:p>
-        </p:txBody>
-      </p:sp>
-      <p:sp>
-        <p:nvSpPr>
-          <p:cNvPr id="6" name="PlaceHolder 5"/>
-          <p:cNvSpPr>
-            <a:spLocks noGrp="1"/>
-          </p:cNvSpPr>
-          <p:nvPr>
-            <p:ph type="sldNum" idx="11"/>
-          </p:nvPr>
-        </p:nvSpPr>
-        <p:spPr/>
-        <p:txBody>
-          <a:bodyPr/>
-          <a:p>
-            <a:fld id="{31372064-2922-4D04-BC3B-8E1B9BC83D5F}" type="slidenum">
-              <a:t>&lt;#&gt;</a:t>
-            </a:fld>
-          </a:p>
-        </p:txBody>
-      </p:sp>
-      <p:sp>
-        <p:nvSpPr>
-          <p:cNvPr id="7" name="PlaceHolder 6"/>
-          <p:cNvSpPr>
-            <a:spLocks noGrp="1"/>
-          </p:cNvSpPr>
-          <p:nvPr>
-            <p:ph type="dt" idx="12"/>
-          </p:nvPr>
-        </p:nvSpPr>
-        <p:spPr/>
-        <p:txBody>
-          <a:bodyPr/>
-          <a:p>
-            <a:r>
-              <a:rPr lang="en-US"/>
-              <a:t/>
-            </a:r>
-          </a:p>
-        </p:txBody>
-      </p:sp>
-    </p:spTree>
-  </p:cSld>
-</p:sldLayout>
-</file>
-
-<file path=ppt/slideLayouts/slideLayout47.xml><?xml version="1.0" encoding="utf-8"?>
-<p:sldLayout xmlns:a="http://schemas.openxmlformats.org/drawingml/2006/main" xmlns:p="http://schemas.openxmlformats.org/presentationml/2006/main" xmlns:r="http://schemas.openxmlformats.org/officeDocument/2006/relationships" xmlns:p14="http://schemas.microsoft.com/office/powerpoint/2010/main" xmlns:p15="http://schemas.microsoft.com/office/powerpoint/2012/main" xmlns:mc="http://schemas.openxmlformats.org/markup-compatibility/2006" type="fourObj" preserve="1">
-  <p:cSld name="Title, 4 Content">
-    <p:spTree>
-      <p:nvGrpSpPr>
-        <p:cNvPr id="1" name=""/>
-        <p:cNvGrpSpPr/>
-        <p:nvPr/>
-      </p:nvGrpSpPr>
-      <p:grpSpPr>
-        <a:xfrm>
-          <a:off x="0" y="0"/>
-          <a:ext cx="0" cy="0"/>
-          <a:chOff x="0" y="0"/>
-          <a:chExt cx="0" cy="0"/>
-        </a:xfrm>
-      </p:grpSpPr>
-      <p:sp>
-        <p:nvSpPr>
-          <p:cNvPr id="170" name="PlaceHolder 1"/>
-          <p:cNvSpPr>
-            <a:spLocks noGrp="1"/>
-          </p:cNvSpPr>
-          <p:nvPr>
-            <p:ph type="title"/>
-          </p:nvPr>
-        </p:nvSpPr>
-        <p:spPr>
-          <a:xfrm>
-            <a:off x="609480" y="273600"/>
-            <a:ext cx="10972440" cy="1144800"/>
-          </a:xfrm>
-          <a:prstGeom prst="rect">
-            <a:avLst/>
-          </a:prstGeom>
-          <a:noFill/>
-          <a:ln w="0">
-            <a:noFill/>
-          </a:ln>
-        </p:spPr>
-        <p:txBody>
-          <a:bodyPr lIns="0" rIns="0" tIns="0" bIns="0" anchor="ctr">
-            <a:noAutofit/>
-          </a:bodyPr>
-          <a:p>
-            <a:pPr algn="ctr">
-              <a:buNone/>
-            </a:pPr>
-            <a:endParaRPr b="0" lang="en-US" sz="4400" spc="-1" strike="noStrike">
-              <a:latin typeface="Arial"/>
-            </a:endParaRPr>
-          </a:p>
-        </p:txBody>
-      </p:sp>
-      <p:sp>
-        <p:nvSpPr>
-          <p:cNvPr id="171" name="PlaceHolder 2"/>
-          <p:cNvSpPr>
-            <a:spLocks noGrp="1"/>
-          </p:cNvSpPr>
-          <p:nvPr>
-            <p:ph/>
-          </p:nvPr>
-        </p:nvSpPr>
-        <p:spPr>
-          <a:xfrm>
-            <a:off x="609480" y="1604520"/>
-            <a:ext cx="5354280" cy="1896840"/>
-          </a:xfrm>
-          <a:prstGeom prst="rect">
-            <a:avLst/>
-          </a:prstGeom>
-          <a:noFill/>
-          <a:ln w="0">
-            <a:noFill/>
-          </a:ln>
-        </p:spPr>
-        <p:txBody>
-          <a:bodyPr lIns="0" rIns="0" tIns="0" bIns="0" anchor="t">
-            <a:normAutofit/>
-          </a:bodyPr>
-          <a:p>
-            <a:endParaRPr b="0" lang="en-US" sz="3200" spc="-1" strike="noStrike">
-              <a:latin typeface="Arial"/>
-            </a:endParaRPr>
-          </a:p>
-        </p:txBody>
-      </p:sp>
-      <p:sp>
-        <p:nvSpPr>
-          <p:cNvPr id="172" name="PlaceHolder 3"/>
-          <p:cNvSpPr>
-            <a:spLocks noGrp="1"/>
-          </p:cNvSpPr>
-          <p:nvPr>
-            <p:ph/>
-          </p:nvPr>
-        </p:nvSpPr>
-        <p:spPr>
-          <a:xfrm>
-            <a:off x="6231960" y="1604520"/>
-            <a:ext cx="5354280" cy="1896840"/>
-          </a:xfrm>
-          <a:prstGeom prst="rect">
-            <a:avLst/>
-          </a:prstGeom>
-          <a:noFill/>
-          <a:ln w="0">
-            <a:noFill/>
-          </a:ln>
-        </p:spPr>
-        <p:txBody>
-          <a:bodyPr lIns="0" rIns="0" tIns="0" bIns="0" anchor="t">
-            <a:normAutofit/>
-          </a:bodyPr>
-          <a:p>
-            <a:endParaRPr b="0" lang="en-US" sz="3200" spc="-1" strike="noStrike">
-              <a:latin typeface="Arial"/>
-            </a:endParaRPr>
-          </a:p>
-        </p:txBody>
-      </p:sp>
-      <p:sp>
-        <p:nvSpPr>
-          <p:cNvPr id="173" name="PlaceHolder 4"/>
-          <p:cNvSpPr>
-            <a:spLocks noGrp="1"/>
-          </p:cNvSpPr>
-          <p:nvPr>
-            <p:ph/>
-          </p:nvPr>
-        </p:nvSpPr>
-        <p:spPr>
-          <a:xfrm>
-            <a:off x="609480" y="3682080"/>
-            <a:ext cx="5354280" cy="1896840"/>
-          </a:xfrm>
-          <a:prstGeom prst="rect">
-            <a:avLst/>
-          </a:prstGeom>
-          <a:noFill/>
-          <a:ln w="0">
-            <a:noFill/>
-          </a:ln>
-        </p:spPr>
-        <p:txBody>
-          <a:bodyPr lIns="0" rIns="0" tIns="0" bIns="0" anchor="t">
-            <a:normAutofit/>
-          </a:bodyPr>
-          <a:p>
-            <a:endParaRPr b="0" lang="en-US" sz="3200" spc="-1" strike="noStrike">
-              <a:latin typeface="Arial"/>
-            </a:endParaRPr>
-          </a:p>
-        </p:txBody>
-      </p:sp>
-      <p:sp>
-        <p:nvSpPr>
-          <p:cNvPr id="174" name="PlaceHolder 5"/>
-          <p:cNvSpPr>
-            <a:spLocks noGrp="1"/>
-          </p:cNvSpPr>
-          <p:nvPr>
-            <p:ph/>
-          </p:nvPr>
-        </p:nvSpPr>
-        <p:spPr>
-          <a:xfrm>
-            <a:off x="6231960" y="3682080"/>
-            <a:ext cx="5354280" cy="1896840"/>
-          </a:xfrm>
-          <a:prstGeom prst="rect">
-            <a:avLst/>
-          </a:prstGeom>
-          <a:noFill/>
-          <a:ln w="0">
-            <a:noFill/>
-          </a:ln>
-        </p:spPr>
-        <p:txBody>
-          <a:bodyPr lIns="0" rIns="0" tIns="0" bIns="0" anchor="t">
-            <a:normAutofit/>
-          </a:bodyPr>
-          <a:p>
-            <a:endParaRPr b="0" lang="en-US" sz="3200" spc="-1" strike="noStrike">
-              <a:latin typeface="Arial"/>
-            </a:endParaRPr>
-          </a:p>
-        </p:txBody>
-      </p:sp>
-      <p:sp>
-        <p:nvSpPr>
-          <p:cNvPr id="7" name="PlaceHolder 6"/>
-          <p:cNvSpPr>
-            <a:spLocks noGrp="1"/>
-          </p:cNvSpPr>
-          <p:nvPr>
-            <p:ph type="ftr" idx="10"/>
-          </p:nvPr>
-        </p:nvSpPr>
-        <p:spPr/>
-        <p:txBody>
-          <a:bodyPr/>
-          <a:p>
-            <a:r>
-              <a:t>Footer</a:t>
-            </a:r>
-          </a:p>
-        </p:txBody>
-      </p:sp>
-      <p:sp>
-        <p:nvSpPr>
-          <p:cNvPr id="8" name="PlaceHolder 7"/>
-          <p:cNvSpPr>
-            <a:spLocks noGrp="1"/>
-          </p:cNvSpPr>
-          <p:nvPr>
-            <p:ph type="sldNum" idx="11"/>
-          </p:nvPr>
-        </p:nvSpPr>
-        <p:spPr/>
-        <p:txBody>
-          <a:bodyPr/>
-          <a:p>
-            <a:fld id="{052BE5EF-6099-4D0F-8B96-3E7534905B0E}" type="slidenum">
-              <a:t>&lt;#&gt;</a:t>
-            </a:fld>
-          </a:p>
-        </p:txBody>
-      </p:sp>
-      <p:sp>
-        <p:nvSpPr>
-          <p:cNvPr id="9" name="PlaceHolder 8"/>
-          <p:cNvSpPr>
-            <a:spLocks noGrp="1"/>
-          </p:cNvSpPr>
-          <p:nvPr>
-            <p:ph type="dt" idx="12"/>
-          </p:nvPr>
-        </p:nvSpPr>
-        <p:spPr/>
-        <p:txBody>
-          <a:bodyPr/>
-          <a:p>
-            <a:r>
-              <a:rPr lang="en-US"/>
-              <a:t/>
-            </a:r>
-          </a:p>
-        </p:txBody>
-      </p:sp>
-    </p:spTree>
-  </p:cSld>
-</p:sldLayout>
-</file>
-
-<file path=ppt/slideLayouts/slideLayout48.xml><?xml version="1.0" encoding="utf-8"?>
-<p:sldLayout xmlns:a="http://schemas.openxmlformats.org/drawingml/2006/main" xmlns:p="http://schemas.openxmlformats.org/presentationml/2006/main" xmlns:r="http://schemas.openxmlformats.org/officeDocument/2006/relationships" xmlns:p14="http://schemas.microsoft.com/office/powerpoint/2010/main" xmlns:p15="http://schemas.microsoft.com/office/powerpoint/2012/main" xmlns:mc="http://schemas.openxmlformats.org/markup-compatibility/2006" type="blank" preserve="1">
-  <p:cSld name="Title, 6 Content">
-    <p:spTree>
-      <p:nvGrpSpPr>
-        <p:cNvPr id="1" name=""/>
-        <p:cNvGrpSpPr/>
-        <p:nvPr/>
-      </p:nvGrpSpPr>
-      <p:grpSpPr>
-        <a:xfrm>
-          <a:off x="0" y="0"/>
-          <a:ext cx="0" cy="0"/>
-          <a:chOff x="0" y="0"/>
-          <a:chExt cx="0" cy="0"/>
-        </a:xfrm>
-      </p:grpSpPr>
-      <p:sp>
-        <p:nvSpPr>
-          <p:cNvPr id="175" name="PlaceHolder 1"/>
-          <p:cNvSpPr>
-            <a:spLocks noGrp="1"/>
-          </p:cNvSpPr>
-          <p:nvPr>
-            <p:ph type="title"/>
-          </p:nvPr>
-        </p:nvSpPr>
-        <p:spPr>
-          <a:xfrm>
-            <a:off x="609480" y="273600"/>
-            <a:ext cx="10972440" cy="1144800"/>
-          </a:xfrm>
-          <a:prstGeom prst="rect">
-            <a:avLst/>
-          </a:prstGeom>
-          <a:noFill/>
-          <a:ln w="0">
-            <a:noFill/>
-          </a:ln>
-        </p:spPr>
-        <p:txBody>
-          <a:bodyPr lIns="0" rIns="0" tIns="0" bIns="0" anchor="ctr">
-            <a:noAutofit/>
-          </a:bodyPr>
-          <a:p>
-            <a:pPr algn="ctr">
-              <a:buNone/>
-            </a:pPr>
-            <a:endParaRPr b="0" lang="en-US" sz="4400" spc="-1" strike="noStrike">
-              <a:latin typeface="Arial"/>
-            </a:endParaRPr>
-          </a:p>
-        </p:txBody>
-      </p:sp>
-      <p:sp>
-        <p:nvSpPr>
-          <p:cNvPr id="176" name="PlaceHolder 2"/>
-          <p:cNvSpPr>
-            <a:spLocks noGrp="1"/>
-          </p:cNvSpPr>
-          <p:nvPr>
-            <p:ph/>
-          </p:nvPr>
-        </p:nvSpPr>
-        <p:spPr>
-          <a:xfrm>
-            <a:off x="609480" y="1604520"/>
-            <a:ext cx="3533040" cy="1896840"/>
-          </a:xfrm>
-          <a:prstGeom prst="rect">
-            <a:avLst/>
-          </a:prstGeom>
-          <a:noFill/>
-          <a:ln w="0">
-            <a:noFill/>
-          </a:ln>
-        </p:spPr>
-        <p:txBody>
-          <a:bodyPr lIns="0" rIns="0" tIns="0" bIns="0" anchor="t">
-            <a:normAutofit/>
-          </a:bodyPr>
-          <a:p>
-            <a:endParaRPr b="0" lang="en-US" sz="3200" spc="-1" strike="noStrike">
-              <a:latin typeface="Arial"/>
-            </a:endParaRPr>
-          </a:p>
-        </p:txBody>
-      </p:sp>
-      <p:sp>
-        <p:nvSpPr>
-          <p:cNvPr id="177" name="PlaceHolder 3"/>
-          <p:cNvSpPr>
-            <a:spLocks noGrp="1"/>
-          </p:cNvSpPr>
-          <p:nvPr>
-            <p:ph/>
-          </p:nvPr>
-        </p:nvSpPr>
-        <p:spPr>
-          <a:xfrm>
-            <a:off x="4319640" y="1604520"/>
-            <a:ext cx="3533040" cy="1896840"/>
-          </a:xfrm>
-          <a:prstGeom prst="rect">
-            <a:avLst/>
-          </a:prstGeom>
-          <a:noFill/>
-          <a:ln w="0">
-            <a:noFill/>
-          </a:ln>
-        </p:spPr>
-        <p:txBody>
-          <a:bodyPr lIns="0" rIns="0" tIns="0" bIns="0" anchor="t">
-            <a:normAutofit/>
-          </a:bodyPr>
-          <a:p>
-            <a:endParaRPr b="0" lang="en-US" sz="3200" spc="-1" strike="noStrike">
-              <a:latin typeface="Arial"/>
-            </a:endParaRPr>
-          </a:p>
-        </p:txBody>
-      </p:sp>
-      <p:sp>
-        <p:nvSpPr>
-          <p:cNvPr id="178" name="PlaceHolder 4"/>
-          <p:cNvSpPr>
-            <a:spLocks noGrp="1"/>
-          </p:cNvSpPr>
-          <p:nvPr>
-            <p:ph/>
-          </p:nvPr>
-        </p:nvSpPr>
-        <p:spPr>
-          <a:xfrm>
-            <a:off x="8029800" y="1604520"/>
-            <a:ext cx="3533040" cy="1896840"/>
-          </a:xfrm>
-          <a:prstGeom prst="rect">
-            <a:avLst/>
-          </a:prstGeom>
-          <a:noFill/>
-          <a:ln w="0">
-            <a:noFill/>
-          </a:ln>
-        </p:spPr>
-        <p:txBody>
-          <a:bodyPr lIns="0" rIns="0" tIns="0" bIns="0" anchor="t">
-            <a:normAutofit/>
-          </a:bodyPr>
-          <a:p>
-            <a:endParaRPr b="0" lang="en-US" sz="3200" spc="-1" strike="noStrike">
-              <a:latin typeface="Arial"/>
-            </a:endParaRPr>
-          </a:p>
-        </p:txBody>
-      </p:sp>
-      <p:sp>
-        <p:nvSpPr>
-          <p:cNvPr id="179" name="PlaceHolder 5"/>
-          <p:cNvSpPr>
-            <a:spLocks noGrp="1"/>
-          </p:cNvSpPr>
-          <p:nvPr>
-            <p:ph/>
-          </p:nvPr>
-        </p:nvSpPr>
-        <p:spPr>
-          <a:xfrm>
-            <a:off x="609480" y="3682080"/>
-            <a:ext cx="3533040" cy="1896840"/>
-          </a:xfrm>
-          <a:prstGeom prst="rect">
-            <a:avLst/>
-          </a:prstGeom>
-          <a:noFill/>
-          <a:ln w="0">
-            <a:noFill/>
-          </a:ln>
-        </p:spPr>
-        <p:txBody>
-          <a:bodyPr lIns="0" rIns="0" tIns="0" bIns="0" anchor="t">
-            <a:normAutofit/>
-          </a:bodyPr>
-          <a:p>
-            <a:endParaRPr b="0" lang="en-US" sz="3200" spc="-1" strike="noStrike">
-              <a:latin typeface="Arial"/>
-            </a:endParaRPr>
-          </a:p>
-        </p:txBody>
-      </p:sp>
-      <p:sp>
-        <p:nvSpPr>
-          <p:cNvPr id="180" name="PlaceHolder 6"/>
-          <p:cNvSpPr>
-            <a:spLocks noGrp="1"/>
-          </p:cNvSpPr>
-          <p:nvPr>
-            <p:ph/>
-          </p:nvPr>
-        </p:nvSpPr>
-        <p:spPr>
-          <a:xfrm>
-            <a:off x="4319640" y="3682080"/>
-            <a:ext cx="3533040" cy="1896840"/>
-          </a:xfrm>
-          <a:prstGeom prst="rect">
-            <a:avLst/>
-          </a:prstGeom>
-          <a:noFill/>
-          <a:ln w="0">
-            <a:noFill/>
-          </a:ln>
-        </p:spPr>
-        <p:txBody>
-          <a:bodyPr lIns="0" rIns="0" tIns="0" bIns="0" anchor="t">
-            <a:normAutofit/>
-          </a:bodyPr>
-          <a:p>
-            <a:endParaRPr b="0" lang="en-US" sz="3200" spc="-1" strike="noStrike">
-              <a:latin typeface="Arial"/>
-            </a:endParaRPr>
-          </a:p>
-        </p:txBody>
-      </p:sp>
-      <p:sp>
-        <p:nvSpPr>
-          <p:cNvPr id="181" name="PlaceHolder 7"/>
-          <p:cNvSpPr>
-            <a:spLocks noGrp="1"/>
-          </p:cNvSpPr>
-          <p:nvPr>
-            <p:ph/>
-          </p:nvPr>
-        </p:nvSpPr>
-        <p:spPr>
-          <a:xfrm>
-            <a:off x="8029800" y="3682080"/>
-            <a:ext cx="3533040" cy="1896840"/>
-          </a:xfrm>
-          <a:prstGeom prst="rect">
-            <a:avLst/>
-          </a:prstGeom>
-          <a:noFill/>
-          <a:ln w="0">
-            <a:noFill/>
-          </a:ln>
-        </p:spPr>
-        <p:txBody>
-          <a:bodyPr lIns="0" rIns="0" tIns="0" bIns="0" anchor="t">
-            <a:normAutofit/>
-          </a:bodyPr>
-          <a:p>
-            <a:endParaRPr b="0" lang="en-US" sz="3200" spc="-1" strike="noStrike">
-              <a:latin typeface="Arial"/>
-            </a:endParaRPr>
-          </a:p>
-        </p:txBody>
-      </p:sp>
-      <p:sp>
-        <p:nvSpPr>
-          <p:cNvPr id="9" name="PlaceHolder 8"/>
-          <p:cNvSpPr>
-            <a:spLocks noGrp="1"/>
-          </p:cNvSpPr>
-          <p:nvPr>
-            <p:ph type="ftr" idx="10"/>
-          </p:nvPr>
-        </p:nvSpPr>
-        <p:spPr/>
-        <p:txBody>
-          <a:bodyPr/>
-          <a:p>
-            <a:r>
-              <a:t>Footer</a:t>
-            </a:r>
-          </a:p>
-        </p:txBody>
-      </p:sp>
-      <p:sp>
-        <p:nvSpPr>
-          <p:cNvPr id="10" name="PlaceHolder 9"/>
-          <p:cNvSpPr>
-            <a:spLocks noGrp="1"/>
-          </p:cNvSpPr>
-          <p:nvPr>
-            <p:ph type="sldNum" idx="11"/>
-          </p:nvPr>
-        </p:nvSpPr>
-        <p:spPr/>
-        <p:txBody>
-          <a:bodyPr/>
-          <a:p>
-            <a:fld id="{2B53780E-8C6D-462F-BEFA-F0C83E027D0E}" type="slidenum">
-              <a:t>&lt;#&gt;</a:t>
-            </a:fld>
-          </a:p>
-        </p:txBody>
-      </p:sp>
-      <p:sp>
-        <p:nvSpPr>
-          <p:cNvPr id="11" name="PlaceHolder 10"/>
-          <p:cNvSpPr>
-            <a:spLocks noGrp="1"/>
-          </p:cNvSpPr>
-          <p:nvPr>
-            <p:ph type="dt" idx="12"/>
           </p:nvPr>
         </p:nvSpPr>
         <p:spPr/>
@@ -8230,7 +5973,7 @@
         <p:txBody>
           <a:bodyPr/>
           <a:p>
-            <a:fld id="{4CD26C32-FDD1-4578-8596-FE8C82D8AC1E}" type="slidenum">
+            <a:fld id="{21566FBA-3307-47C2-8904-53808D666A08}" type="slidenum">
               <a:t>&lt;#&gt;</a:t>
             </a:fld>
           </a:p>
@@ -8350,7 +6093,7 @@
         <p:txBody>
           <a:bodyPr/>
           <a:p>
-            <a:fld id="{3E510A58-841B-4E87-ACB1-80CDB4A92120}" type="slidenum">
+            <a:fld id="{7022DDEA-2796-4671-A713-0DC0255659A8}" type="slidenum">
               <a:t>&lt;#&gt;</a:t>
             </a:fld>
           </a:p>
@@ -8572,7 +6315,7 @@
         <p:txBody>
           <a:bodyPr/>
           <a:p>
-            <a:fld id="{0207D034-9013-4018-9149-351754C401A7}" type="slidenum">
+            <a:fld id="{8A591852-F1A5-409C-80D6-2B179F473EF8}" type="slidenum">
               <a:t>&lt;#&gt;</a:t>
             </a:fld>
           </a:p>
@@ -8794,7 +6537,7 @@
         <p:txBody>
           <a:bodyPr/>
           <a:p>
-            <a:fld id="{0064FC97-55C5-4E3A-A542-53E993FA2458}" type="slidenum">
+            <a:fld id="{E174CFCD-7D9E-4BF0-AB89-09D00CFB87DD}" type="slidenum">
               <a:t>&lt;#&gt;</a:t>
             </a:fld>
           </a:p>
@@ -9016,7 +6759,7 @@
         <p:txBody>
           <a:bodyPr/>
           <a:p>
-            <a:fld id="{1EBC2792-9F24-4DBF-B43E-517385032D42}" type="slidenum">
+            <a:fld id="{E3935E29-853A-42DD-B85E-7005CB4EF1CA}" type="slidenum">
               <a:t>&lt;#&gt;</a:t>
             </a:fld>
           </a:p>
@@ -9087,7 +6830,7 @@
         <p:spPr>
           <a:xfrm>
             <a:off x="0" y="0"/>
-            <a:ext cx="12191400" cy="6857280"/>
+            <a:ext cx="12191040" cy="6856920"/>
           </a:xfrm>
           <a:prstGeom prst="rect">
             <a:avLst/>
@@ -9110,7 +6853,7 @@
         <p:spPr>
           <a:xfrm>
             <a:off x="0" y="4242960"/>
-            <a:ext cx="8967240" cy="275400"/>
+            <a:ext cx="8966880" cy="275040"/>
           </a:xfrm>
           <a:prstGeom prst="rect">
             <a:avLst/>
@@ -9133,7 +6876,7 @@
         <p:spPr>
           <a:xfrm>
             <a:off x="9111600" y="4243680"/>
-            <a:ext cx="3076560" cy="276120"/>
+            <a:ext cx="3076200" cy="275760"/>
           </a:xfrm>
           <a:prstGeom prst="rect">
             <a:avLst/>
@@ -9152,7 +6895,7 @@
         <p:spPr>
           <a:xfrm>
             <a:off x="0" y="2590200"/>
-            <a:ext cx="8967240" cy="1659600"/>
+            <a:ext cx="8966880" cy="1659240"/>
           </a:xfrm>
           <a:prstGeom prst="rect">
             <a:avLst/>
@@ -9191,7 +6934,7 @@
         <p:spPr>
           <a:xfrm>
             <a:off x="9111600" y="2590200"/>
-            <a:ext cx="3076560" cy="1659600"/>
+            <a:ext cx="3076200" cy="1659240"/>
           </a:xfrm>
           <a:prstGeom prst="rect">
             <a:avLst/>
@@ -9230,8 +6973,8 @@
         </p:nvSpPr>
         <p:spPr>
           <a:xfrm>
-            <a:off x="680400" y="753120"/>
-            <a:ext cx="9613080" cy="1080360"/>
+            <a:off x="609480" y="273600"/>
+            <a:ext cx="10972080" cy="1144440"/>
           </a:xfrm>
           <a:prstGeom prst="rect">
             <a:avLst/>
@@ -9250,35 +6993,200 @@
               <a:rPr b="0" lang="en-US" sz="1800" spc="-1" strike="noStrike">
                 <a:latin typeface="Arial"/>
               </a:rPr>
-              <a:t>Click to </a:t>
+              <a:t>Click to edit the title text format</a:t>
             </a:r>
+            <a:endParaRPr b="0" lang="en-US" sz="1800" spc="-1" strike="noStrike">
+              <a:latin typeface="Arial"/>
+            </a:endParaRPr>
+          </a:p>
+        </p:txBody>
+      </p:sp>
+      <p:sp>
+        <p:nvSpPr>
+          <p:cNvPr id="6" name="PlaceHolder 2"/>
+          <p:cNvSpPr>
+            <a:spLocks noGrp="1"/>
+          </p:cNvSpPr>
+          <p:nvPr>
+            <p:ph type="body"/>
+          </p:nvPr>
+        </p:nvSpPr>
+        <p:spPr>
+          <a:xfrm>
+            <a:off x="609480" y="1604520"/>
+            <a:ext cx="10972080" cy="3976920"/>
+          </a:xfrm>
+          <a:prstGeom prst="rect">
+            <a:avLst/>
+          </a:prstGeom>
+          <a:noFill/>
+          <a:ln w="0">
+            <a:noFill/>
+          </a:ln>
+        </p:spPr>
+        <p:txBody>
+          <a:bodyPr lIns="0" rIns="0" tIns="0" bIns="0" anchor="t">
+            <a:normAutofit/>
+          </a:bodyPr>
+          <a:p>
+            <a:pPr marL="432000" indent="-324000">
+              <a:spcBef>
+                <a:spcPts val="1417"/>
+              </a:spcBef>
+              <a:buClr>
+                <a:srgbClr val="000000"/>
+              </a:buClr>
+              <a:buSzPct val="45000"/>
+              <a:buFont typeface="Wingdings" charset="2"/>
+              <a:buChar char=""/>
+            </a:pPr>
             <a:r>
               <a:rPr b="0" lang="en-US" sz="1800" spc="-1" strike="noStrike">
                 <a:latin typeface="Arial"/>
               </a:rPr>
-              <a:t>edit the </a:t>
+              <a:t>Click to edit the outline text format</a:t>
             </a:r>
+            <a:endParaRPr b="0" lang="en-US" sz="1800" spc="-1" strike="noStrike">
+              <a:latin typeface="Arial"/>
+            </a:endParaRPr>
+          </a:p>
+          <a:p>
+            <a:pPr lvl="1" marL="864000" indent="-324000">
+              <a:spcBef>
+                <a:spcPts val="1134"/>
+              </a:spcBef>
+              <a:buClr>
+                <a:srgbClr val="000000"/>
+              </a:buClr>
+              <a:buSzPct val="75000"/>
+              <a:buFont typeface="Symbol" charset="2"/>
+              <a:buChar char=""/>
+            </a:pPr>
             <a:r>
               <a:rPr b="0" lang="en-US" sz="1800" spc="-1" strike="noStrike">
                 <a:latin typeface="Arial"/>
               </a:rPr>
-              <a:t>title text </a:t>
+              <a:t>Second Outline Level</a:t>
             </a:r>
+            <a:endParaRPr b="0" lang="en-US" sz="1800" spc="-1" strike="noStrike">
+              <a:latin typeface="Arial"/>
+            </a:endParaRPr>
+          </a:p>
+          <a:p>
+            <a:pPr lvl="2" marL="1296000" indent="-288000">
+              <a:spcBef>
+                <a:spcPts val="850"/>
+              </a:spcBef>
+              <a:buClr>
+                <a:srgbClr val="000000"/>
+              </a:buClr>
+              <a:buSzPct val="45000"/>
+              <a:buFont typeface="Wingdings" charset="2"/>
+              <a:buChar char=""/>
+            </a:pPr>
             <a:r>
               <a:rPr b="0" lang="en-US" sz="1800" spc="-1" strike="noStrike">
                 <a:latin typeface="Arial"/>
               </a:rPr>
-              <a:t>format</a:t>
+              <a:t>Third Outline Level</a:t>
             </a:r>
             <a:endParaRPr b="0" lang="en-US" sz="1800" spc="-1" strike="noStrike">
               <a:latin typeface="Arial"/>
             </a:endParaRPr>
           </a:p>
-        </p:txBody>
-      </p:sp>
-      <p:sp>
-        <p:nvSpPr>
-          <p:cNvPr id="6" name="PlaceHolder 2"/>
+          <a:p>
+            <a:pPr lvl="3" marL="1728000" indent="-216000">
+              <a:spcBef>
+                <a:spcPts val="567"/>
+              </a:spcBef>
+              <a:buClr>
+                <a:srgbClr val="000000"/>
+              </a:buClr>
+              <a:buSzPct val="75000"/>
+              <a:buFont typeface="Symbol" charset="2"/>
+              <a:buChar char=""/>
+            </a:pPr>
+            <a:r>
+              <a:rPr b="0" lang="en-US" sz="1800" spc="-1" strike="noStrike">
+                <a:latin typeface="Arial"/>
+              </a:rPr>
+              <a:t>Fourth Outline Level</a:t>
+            </a:r>
+            <a:endParaRPr b="0" lang="en-US" sz="1800" spc="-1" strike="noStrike">
+              <a:latin typeface="Arial"/>
+            </a:endParaRPr>
+          </a:p>
+          <a:p>
+            <a:pPr lvl="4" marL="2160000" indent="-216000">
+              <a:spcBef>
+                <a:spcPts val="283"/>
+              </a:spcBef>
+              <a:buClr>
+                <a:srgbClr val="000000"/>
+              </a:buClr>
+              <a:buSzPct val="45000"/>
+              <a:buFont typeface="Wingdings" charset="2"/>
+              <a:buChar char=""/>
+            </a:pPr>
+            <a:r>
+              <a:rPr b="0" lang="en-US" sz="1800" spc="-1" strike="noStrike">
+                <a:latin typeface="Arial"/>
+              </a:rPr>
+              <a:t>Fifth Outline Level</a:t>
+            </a:r>
+            <a:endParaRPr b="0" lang="en-US" sz="1800" spc="-1" strike="noStrike">
+              <a:latin typeface="Arial"/>
+            </a:endParaRPr>
+          </a:p>
+          <a:p>
+            <a:pPr lvl="5" marL="2592000" indent="-216000">
+              <a:spcBef>
+                <a:spcPts val="283"/>
+              </a:spcBef>
+              <a:buClr>
+                <a:srgbClr val="000000"/>
+              </a:buClr>
+              <a:buSzPct val="45000"/>
+              <a:buFont typeface="Wingdings" charset="2"/>
+              <a:buChar char=""/>
+            </a:pPr>
+            <a:r>
+              <a:rPr b="0" lang="en-US" sz="1800" spc="-1" strike="noStrike">
+                <a:latin typeface="Arial"/>
+              </a:rPr>
+              <a:t>Sixth Outline Level</a:t>
+            </a:r>
+            <a:endParaRPr b="0" lang="en-US" sz="1800" spc="-1" strike="noStrike">
+              <a:latin typeface="Arial"/>
+            </a:endParaRPr>
+          </a:p>
+          <a:p>
+            <a:pPr lvl="6" marL="3024000" indent="-216000">
+              <a:spcBef>
+                <a:spcPts val="283"/>
+              </a:spcBef>
+              <a:buClr>
+                <a:srgbClr val="000000"/>
+              </a:buClr>
+              <a:buSzPct val="45000"/>
+              <a:buFont typeface="Wingdings" charset="2"/>
+              <a:buChar char=""/>
+            </a:pPr>
+            <a:r>
+              <a:rPr b="0" lang="en-US" sz="1800" spc="-1" strike="noStrike">
+                <a:latin typeface="Arial"/>
+              </a:rPr>
+              <a:t>Seventh Outline Level</a:t>
+            </a:r>
+            <a:endParaRPr b="0" lang="en-US" sz="1800" spc="-1" strike="noStrike">
+              <a:latin typeface="Arial"/>
+            </a:endParaRPr>
+          </a:p>
+        </p:txBody>
+      </p:sp>
+      <p:sp>
+        <p:nvSpPr>
+          <p:cNvPr id="7" name="PlaceHolder 3"/>
           <p:cNvSpPr>
             <a:spLocks noGrp="1"/>
           </p:cNvSpPr>
@@ -9289,7 +7197,7 @@
         <p:spPr>
           <a:xfrm>
             <a:off x="680400" y="5936040"/>
-            <a:ext cx="6869880" cy="364320"/>
+            <a:ext cx="6869520" cy="363960"/>
           </a:xfrm>
           <a:prstGeom prst="rect">
             <a:avLst/>
@@ -9335,7 +7243,7 @@
       </p:sp>
       <p:sp>
         <p:nvSpPr>
-          <p:cNvPr id="7" name="PlaceHolder 3"/>
+          <p:cNvPr id="8" name="PlaceHolder 4"/>
           <p:cNvSpPr>
             <a:spLocks noGrp="1"/>
           </p:cNvSpPr>
@@ -9346,7 +7254,7 @@
         <p:spPr>
           <a:xfrm>
             <a:off x="9255240" y="2750400"/>
-            <a:ext cx="1171080" cy="1355760"/>
+            <a:ext cx="1170720" cy="1355400"/>
           </a:xfrm>
           <a:prstGeom prst="rect">
             <a:avLst/>
@@ -9381,7 +7289,7 @@
               </a:lnSpc>
               <a:buNone/>
             </a:pPr>
-            <a:fld id="{9C8C97A6-BC37-4CAA-B98F-5D699AC47FF0}" type="slidenum">
+            <a:fld id="{5D1EAEC3-A315-49B3-98E4-14E3FD395C13}" type="slidenum">
               <a:rPr b="0" lang="ru-RU" sz="3600" spc="-1" strike="noStrike">
                 <a:solidFill>
                   <a:srgbClr val="8b8b8b"/>
@@ -9398,7 +7306,7 @@
       </p:sp>
       <p:sp>
         <p:nvSpPr>
-          <p:cNvPr id="8" name="PlaceHolder 4"/>
+          <p:cNvPr id="9" name="PlaceHolder 5"/>
           <p:cNvSpPr>
             <a:spLocks noGrp="1"/>
           </p:cNvSpPr>
@@ -9409,7 +7317,7 @@
         <p:spPr>
           <a:xfrm>
             <a:off x="7551000" y="5936040"/>
-            <a:ext cx="2742480" cy="364320"/>
+            <a:ext cx="2742120" cy="363960"/>
           </a:xfrm>
           <a:prstGeom prst="rect">
             <a:avLst/>
@@ -9439,189 +7347,6 @@
             </a:r>
             <a:endParaRPr b="0" lang="en-US" sz="1400" spc="-1" strike="noStrike">
               <a:latin typeface="Times New Roman"/>
-            </a:endParaRPr>
-          </a:p>
-        </p:txBody>
-      </p:sp>
-      <p:sp>
-        <p:nvSpPr>
-          <p:cNvPr id="9" name="PlaceHolder 5"/>
-          <p:cNvSpPr>
-            <a:spLocks noGrp="1"/>
-          </p:cNvSpPr>
-          <p:nvPr>
-            <p:ph type="body"/>
-          </p:nvPr>
-        </p:nvSpPr>
-        <p:spPr>
-          <a:xfrm>
-            <a:off x="609480" y="1604520"/>
-            <a:ext cx="10972440" cy="3977280"/>
-          </a:xfrm>
-          <a:prstGeom prst="rect">
-            <a:avLst/>
-          </a:prstGeom>
-          <a:noFill/>
-          <a:ln w="0">
-            <a:noFill/>
-          </a:ln>
-        </p:spPr>
-        <p:txBody>
-          <a:bodyPr lIns="0" rIns="0" tIns="0" bIns="0" anchor="t">
-            <a:normAutofit/>
-          </a:bodyPr>
-          <a:p>
-            <a:pPr marL="432000" indent="-324000">
-              <a:spcBef>
-                <a:spcPts val="1417"/>
-              </a:spcBef>
-              <a:buClr>
-                <a:srgbClr val="000000"/>
-              </a:buClr>
-              <a:buSzPct val="45000"/>
-              <a:buFont typeface="Wingdings" charset="2"/>
-              <a:buChar char=""/>
-            </a:pPr>
-            <a:r>
-              <a:rPr b="0" lang="en-US" sz="3200" spc="-1" strike="noStrike">
-                <a:latin typeface="Arial"/>
-              </a:rPr>
-              <a:t>Click to edit the outline text format</a:t>
-            </a:r>
-            <a:endParaRPr b="0" lang="en-US" sz="3200" spc="-1" strike="noStrike">
-              <a:latin typeface="Arial"/>
-            </a:endParaRPr>
-          </a:p>
-          <a:p>
-            <a:pPr lvl="1" marL="864000" indent="-324000">
-              <a:spcBef>
-                <a:spcPts val="1134"/>
-              </a:spcBef>
-              <a:buClr>
-                <a:srgbClr val="000000"/>
-              </a:buClr>
-              <a:buSzPct val="75000"/>
-              <a:buFont typeface="Symbol" charset="2"/>
-              <a:buChar char=""/>
-            </a:pPr>
-            <a:r>
-              <a:rPr b="0" lang="en-US" sz="2800" spc="-1" strike="noStrike">
-                <a:latin typeface="Arial"/>
-              </a:rPr>
-              <a:t>Second Outline Level</a:t>
-            </a:r>
-            <a:endParaRPr b="0" lang="en-US" sz="2800" spc="-1" strike="noStrike">
-              <a:latin typeface="Arial"/>
-            </a:endParaRPr>
-          </a:p>
-          <a:p>
-            <a:pPr lvl="2" marL="1296000" indent="-288000">
-              <a:spcBef>
-                <a:spcPts val="850"/>
-              </a:spcBef>
-              <a:buClr>
-                <a:srgbClr val="000000"/>
-              </a:buClr>
-              <a:buSzPct val="45000"/>
-              <a:buFont typeface="Wingdings" charset="2"/>
-              <a:buChar char=""/>
-            </a:pPr>
-            <a:r>
-              <a:rPr b="0" lang="en-US" sz="2400" spc="-1" strike="noStrike">
-                <a:latin typeface="Arial"/>
-              </a:rPr>
-              <a:t>Third Outline Level</a:t>
-            </a:r>
-            <a:endParaRPr b="0" lang="en-US" sz="2400" spc="-1" strike="noStrike">
-              <a:latin typeface="Arial"/>
-            </a:endParaRPr>
-          </a:p>
-          <a:p>
-            <a:pPr lvl="3" marL="1728000" indent="-216000">
-              <a:spcBef>
-                <a:spcPts val="567"/>
-              </a:spcBef>
-              <a:buClr>
-                <a:srgbClr val="000000"/>
-              </a:buClr>
-              <a:buSzPct val="75000"/>
-              <a:buFont typeface="Symbol" charset="2"/>
-              <a:buChar char=""/>
-            </a:pPr>
-            <a:r>
-              <a:rPr b="0" lang="en-US" sz="2000" spc="-1" strike="noStrike">
-                <a:latin typeface="Arial"/>
-              </a:rPr>
-              <a:t>Fourth Outline Level</a:t>
-            </a:r>
-            <a:endParaRPr b="0" lang="en-US" sz="2000" spc="-1" strike="noStrike">
-              <a:latin typeface="Arial"/>
-            </a:endParaRPr>
-          </a:p>
-          <a:p>
-            <a:pPr lvl="4" marL="2160000" indent="-216000">
-              <a:spcBef>
-                <a:spcPts val="283"/>
-              </a:spcBef>
-              <a:buClr>
-                <a:srgbClr val="000000"/>
-              </a:buClr>
-              <a:buSzPct val="45000"/>
-              <a:buFont typeface="Wingdings" charset="2"/>
-              <a:buChar char=""/>
-            </a:pPr>
-            <a:r>
-              <a:rPr b="0" lang="en-US" sz="2000" spc="-1" strike="noStrike">
-                <a:latin typeface="Arial"/>
-              </a:rPr>
-              <a:t>Fifth Outline Level</a:t>
-            </a:r>
-            <a:endParaRPr b="0" lang="en-US" sz="2000" spc="-1" strike="noStrike">
-              <a:latin typeface="Arial"/>
-            </a:endParaRPr>
-          </a:p>
-          <a:p>
-            <a:pPr lvl="5" marL="2592000" indent="-216000">
-              <a:spcBef>
-                <a:spcPts val="283"/>
-              </a:spcBef>
-              <a:buClr>
-                <a:srgbClr val="000000"/>
-              </a:buClr>
-              <a:buSzPct val="45000"/>
-              <a:buFont typeface="Wingdings" charset="2"/>
-              <a:buChar char=""/>
-            </a:pPr>
-            <a:r>
-              <a:rPr b="0" lang="en-US" sz="2000" spc="-1" strike="noStrike">
-                <a:latin typeface="Arial"/>
-              </a:rPr>
-              <a:t>Sixth Outline Level</a:t>
-            </a:r>
-            <a:endParaRPr b="0" lang="en-US" sz="2000" spc="-1" strike="noStrike">
-              <a:latin typeface="Arial"/>
-            </a:endParaRPr>
-          </a:p>
-          <a:p>
-            <a:pPr lvl="6" marL="3024000" indent="-216000">
-              <a:spcBef>
-                <a:spcPts val="283"/>
-              </a:spcBef>
-              <a:buClr>
-                <a:srgbClr val="000000"/>
-              </a:buClr>
-              <a:buSzPct val="45000"/>
-              <a:buFont typeface="Wingdings" charset="2"/>
-              <a:buChar char=""/>
-            </a:pPr>
-            <a:r>
-              <a:rPr b="0" lang="en-US" sz="2000" spc="-1" strike="noStrike">
-                <a:latin typeface="Arial"/>
-              </a:rPr>
-              <a:t>Seventh Outline Level</a:t>
-            </a:r>
-            <a:endParaRPr b="0" lang="en-US" sz="2000" spc="-1" strike="noStrike">
-              <a:latin typeface="Arial"/>
             </a:endParaRPr>
           </a:p>
         </p:txBody>
@@ -9683,7 +7408,7 @@
         <p:spPr>
           <a:xfrm>
             <a:off x="0" y="1970280"/>
-            <a:ext cx="10437120" cy="320400"/>
+            <a:ext cx="10436760" cy="320040"/>
           </a:xfrm>
           <a:prstGeom prst="rect">
             <a:avLst/>
@@ -9706,7 +7431,7 @@
         <p:spPr>
           <a:xfrm>
             <a:off x="10585800" y="1971360"/>
-            <a:ext cx="1602360" cy="143640"/>
+            <a:ext cx="1602000" cy="143280"/>
           </a:xfrm>
           <a:prstGeom prst="rect">
             <a:avLst/>
@@ -9725,7 +7450,7 @@
         <p:spPr>
           <a:xfrm>
             <a:off x="0" y="609480"/>
-            <a:ext cx="10437120" cy="1367640"/>
+            <a:ext cx="10436760" cy="1367280"/>
           </a:xfrm>
           <a:prstGeom prst="rect">
             <a:avLst/>
@@ -9764,7 +7489,7 @@
         <p:spPr>
           <a:xfrm>
             <a:off x="10585800" y="609480"/>
-            <a:ext cx="1602360" cy="1367640"/>
+            <a:ext cx="1602000" cy="1367280"/>
           </a:xfrm>
           <a:prstGeom prst="rect">
             <a:avLst/>
@@ -9793,7 +7518,55 @@
       </p:sp>
       <p:sp>
         <p:nvSpPr>
-          <p:cNvPr id="50" name="PlaceHolder 1"/>
+          <p:cNvPr id="50" name=""/>
+          <p:cNvSpPr/>
+          <p:nvPr/>
+        </p:nvSpPr>
+        <p:spPr>
+          <a:xfrm>
+            <a:off x="11658600" y="6400800"/>
+            <a:ext cx="3832200" cy="426960"/>
+          </a:xfrm>
+          <a:prstGeom prst="rect">
+            <a:avLst/>
+          </a:prstGeom>
+          <a:noFill/>
+          <a:ln w="0">
+            <a:noFill/>
+          </a:ln>
+        </p:spPr>
+        <p:style>
+          <a:lnRef idx="0"/>
+          <a:fillRef idx="0"/>
+          <a:effectRef idx="0"/>
+          <a:fontRef idx="minor"/>
+        </p:style>
+        <p:txBody>
+          <a:bodyPr lIns="90000" rIns="90000" tIns="45000" bIns="45000" anchor="t">
+            <a:noAutofit/>
+          </a:bodyPr>
+          <a:p>
+            <a:pPr>
+              <a:lnSpc>
+                <a:spcPct val="100000"/>
+              </a:lnSpc>
+              <a:buNone/>
+            </a:pPr>
+            <a:fld id="{18D06B3D-15A6-40F3-AF27-BB7FA7DDAC5A}" type="slidenum">
+              <a:rPr b="0" lang="en-US" sz="2400" spc="-1" strike="noStrike">
+                <a:latin typeface="Times New Roman"/>
+              </a:rPr>
+              <a:t>&lt;number&gt;</a:t>
+            </a:fld>
+            <a:endParaRPr b="0" lang="en-US" sz="2400" spc="-1" strike="noStrike">
+              <a:latin typeface="Arial"/>
+            </a:endParaRPr>
+          </a:p>
+        </p:txBody>
+      </p:sp>
+      <p:sp>
+        <p:nvSpPr>
+          <p:cNvPr id="51" name="PlaceHolder 1"/>
           <p:cNvSpPr>
             <a:spLocks noGrp="1"/>
           </p:cNvSpPr>
@@ -9804,7 +7577,7 @@
         <p:spPr>
           <a:xfrm>
             <a:off x="680400" y="5936040"/>
-            <a:ext cx="6869880" cy="364320"/>
+            <a:ext cx="6869520" cy="363960"/>
           </a:xfrm>
           <a:prstGeom prst="rect">
             <a:avLst/>
@@ -9850,7 +7623,7 @@
       </p:sp>
       <p:sp>
         <p:nvSpPr>
-          <p:cNvPr id="51" name="PlaceHolder 2"/>
+          <p:cNvPr id="52" name="PlaceHolder 2"/>
           <p:cNvSpPr>
             <a:spLocks noGrp="1"/>
           </p:cNvSpPr>
@@ -9861,7 +7634,7 @@
         <p:spPr>
           <a:xfrm>
             <a:off x="10729440" y="753120"/>
-            <a:ext cx="1153440" cy="1090080"/>
+            <a:ext cx="1153080" cy="1089720"/>
           </a:xfrm>
           <a:prstGeom prst="rect">
             <a:avLst/>
@@ -9896,7 +7669,7 @@
               </a:lnSpc>
               <a:buNone/>
             </a:pPr>
-            <a:fld id="{1F9D13CB-A675-4B7E-951D-FA6E1890A588}" type="slidenum">
+            <a:fld id="{8D4F67D4-800E-412B-AD0C-90ED00FCD3E3}" type="slidenum">
               <a:rPr b="0" lang="ru-RU" sz="3600" spc="-1" strike="noStrike">
                 <a:solidFill>
                   <a:srgbClr val="8b8b8b"/>
@@ -9913,7 +7686,7 @@
       </p:sp>
       <p:sp>
         <p:nvSpPr>
-          <p:cNvPr id="52" name="PlaceHolder 3"/>
+          <p:cNvPr id="53" name="PlaceHolder 3"/>
           <p:cNvSpPr>
             <a:spLocks noGrp="1"/>
           </p:cNvSpPr>
@@ -9924,7 +7697,7 @@
         <p:spPr>
           <a:xfrm>
             <a:off x="7551000" y="5936040"/>
-            <a:ext cx="2742480" cy="364320"/>
+            <a:ext cx="2742120" cy="363960"/>
           </a:xfrm>
           <a:prstGeom prst="rect">
             <a:avLst/>
@@ -9960,7 +7733,7 @@
       </p:sp>
       <p:sp>
         <p:nvSpPr>
-          <p:cNvPr id="53" name="PlaceHolder 4"/>
+          <p:cNvPr id="54" name="PlaceHolder 4"/>
           <p:cNvSpPr>
             <a:spLocks noGrp="1"/>
           </p:cNvSpPr>
@@ -9993,73 +7766,7 @@
               <a:rPr b="0" lang="en-US" sz="4400" spc="-1" strike="noStrike">
                 <a:latin typeface="Arial"/>
               </a:rPr>
-              <a:t>Cli</a:t>
-            </a:r>
-            <a:r>
-              <a:rPr b="0" lang="en-US" sz="4400" spc="-1" strike="noStrike">
-                <a:latin typeface="Arial"/>
-              </a:rPr>
-              <a:t>ck </a:t>
-            </a:r>
-            <a:r>
-              <a:rPr b="0" lang="en-US" sz="4400" spc="-1" strike="noStrike">
-                <a:latin typeface="Arial"/>
-              </a:rPr>
-              <a:t>to </a:t>
-            </a:r>
-            <a:r>
-              <a:rPr b="0" lang="en-US" sz="4400" spc="-1" strike="noStrike">
-                <a:latin typeface="Arial"/>
-              </a:rPr>
-              <a:t>edi</a:t>
-            </a:r>
-            <a:r>
-              <a:rPr b="0" lang="en-US" sz="4400" spc="-1" strike="noStrike">
-                <a:latin typeface="Arial"/>
-              </a:rPr>
-              <a:t>t </a:t>
-            </a:r>
-            <a:r>
-              <a:rPr b="0" lang="en-US" sz="4400" spc="-1" strike="noStrike">
-                <a:latin typeface="Arial"/>
-              </a:rPr>
-              <a:t>the </a:t>
-            </a:r>
-            <a:r>
-              <a:rPr b="0" lang="en-US" sz="4400" spc="-1" strike="noStrike">
-                <a:latin typeface="Arial"/>
-              </a:rPr>
-              <a:t>title </a:t>
-            </a:r>
-            <a:r>
-              <a:rPr b="0" lang="en-US" sz="4400" spc="-1" strike="noStrike">
-                <a:latin typeface="Arial"/>
-              </a:rPr>
-              <a:t>tex</a:t>
-            </a:r>
-            <a:r>
-              <a:rPr b="0" lang="en-US" sz="4400" spc="-1" strike="noStrike">
-                <a:latin typeface="Arial"/>
-              </a:rPr>
-              <a:t>t </a:t>
-            </a:r>
-            <a:r>
-              <a:rPr b="0" lang="en-US" sz="4400" spc="-1" strike="noStrike">
-                <a:latin typeface="Arial"/>
-              </a:rPr>
-              <a:t>for</a:t>
-            </a:r>
-            <a:r>
-              <a:rPr b="0" lang="en-US" sz="4400" spc="-1" strike="noStrike">
-                <a:latin typeface="Arial"/>
-              </a:rPr>
-              <a:t>ma</a:t>
-            </a:r>
-            <a:r>
-              <a:rPr b="0" lang="en-US" sz="4400" spc="-1" strike="noStrike">
-                <a:latin typeface="Arial"/>
-              </a:rPr>
-              <a:t>t</a:t>
+              <a:t>Click to edit the title text format</a:t>
             </a:r>
             <a:endParaRPr b="0" lang="en-US" sz="4400" spc="-1" strike="noStrike">
               <a:latin typeface="Arial"/>
@@ -10069,7 +7776,7 @@
       </p:sp>
       <p:sp>
         <p:nvSpPr>
-          <p:cNvPr id="54" name="PlaceHolder 5"/>
+          <p:cNvPr id="55" name="PlaceHolder 5"/>
           <p:cNvSpPr>
             <a:spLocks noGrp="1"/>
           </p:cNvSpPr>
@@ -10246,42 +7953,6 @@
             </a:r>
             <a:endParaRPr b="0" lang="en-US" sz="2000" spc="-1" strike="noStrike">
               <a:latin typeface="Arial"/>
-            </a:endParaRPr>
-          </a:p>
-        </p:txBody>
-      </p:sp>
-      <p:sp>
-        <p:nvSpPr>
-          <p:cNvPr id="55" name=""/>
-          <p:cNvSpPr txBox="1"/>
-          <p:nvPr/>
-        </p:nvSpPr>
-        <p:spPr>
-          <a:xfrm>
-            <a:off x="11658600" y="6400800"/>
-            <a:ext cx="3832560" cy="427320"/>
-          </a:xfrm>
-          <a:prstGeom prst="rect">
-            <a:avLst/>
-          </a:prstGeom>
-          <a:noFill/>
-          <a:ln w="0">
-            <a:noFill/>
-          </a:ln>
-        </p:spPr>
-        <p:txBody>
-          <a:bodyPr lIns="90000" rIns="90000" tIns="45000" bIns="45000" anchor="t">
-            <a:noAutofit/>
-          </a:bodyPr>
-          <a:p>
-            <a:fld id="{64ADD2C2-B3F8-4293-9890-68DF3E4171DC}" type="slidenum">
-              <a:rPr b="0" lang="en-US" sz="2400" spc="-1" strike="noStrike">
-                <a:latin typeface="Times New Roman"/>
-              </a:rPr>
-              <a:t>&lt;number&gt;</a:t>
-            </a:fld>
-            <a:endParaRPr b="0" lang="en-US" sz="2400" spc="-1" strike="noStrike">
-              <a:latin typeface="Times New Roman"/>
             </a:endParaRPr>
           </a:p>
         </p:txBody>
@@ -10332,20 +8003,18 @@
       </p:grpSpPr>
       <p:pic>
         <p:nvPicPr>
-          <p:cNvPr id="92" name="Picture 6" descr="hashOverlay-FullResolve.png"/>
+          <p:cNvPr id="92" name="Picture 14" descr="HD-ShadowLong.png"/>
           <p:cNvPicPr/>
           <p:nvPr/>
         </p:nvPicPr>
         <p:blipFill>
-          <a:blip r:embed="rId2">
-            <a:alphaModFix amt="10000"/>
-          </a:blip>
+          <a:blip r:embed="rId2"/>
           <a:stretch/>
         </p:blipFill>
         <p:spPr>
           <a:xfrm>
-            <a:off x="0" y="0"/>
-            <a:ext cx="12191400" cy="6857280"/>
+            <a:off x="0" y="1970280"/>
+            <a:ext cx="10436760" cy="320040"/>
           </a:xfrm>
           <a:prstGeom prst="rect">
             <a:avLst/>
@@ -10357,7 +8026,7 @@
       </p:pic>
       <p:pic>
         <p:nvPicPr>
-          <p:cNvPr id="93" name="Picture 4" descr="HD-ShadowShort.png"/>
+          <p:cNvPr id="93" name="Picture 15" descr="HD-ShadowShort.png"/>
           <p:cNvPicPr/>
           <p:nvPr/>
         </p:nvPicPr>
@@ -10368,7 +8037,7 @@
         <p:spPr>
           <a:xfrm>
             <a:off x="10585800" y="1971360"/>
-            <a:ext cx="1602360" cy="143640"/>
+            <a:ext cx="1602000" cy="143280"/>
           </a:xfrm>
           <a:prstGeom prst="rect">
             <a:avLst/>
@@ -10380,20 +8049,23 @@
       </p:pic>
       <p:sp>
         <p:nvSpPr>
-          <p:cNvPr id="94" name="Rectangle 5"/>
+          <p:cNvPr id="94" name="Rectangle 16"/>
           <p:cNvSpPr/>
           <p:nvPr/>
         </p:nvSpPr>
         <p:spPr>
           <a:xfrm>
-            <a:off x="10585800" y="609480"/>
-            <a:ext cx="1602360" cy="1367640"/>
+            <a:off x="0" y="609480"/>
+            <a:ext cx="10436760" cy="1367280"/>
           </a:xfrm>
           <a:prstGeom prst="rect">
             <a:avLst/>
           </a:prstGeom>
           <a:solidFill>
-            <a:schemeClr val="accent1"/>
+            <a:schemeClr val="bg1">
+              <a:lumMod val="85000"/>
+              <a:lumOff val="15000"/>
+            </a:schemeClr>
           </a:solidFill>
           <a:ln>
             <a:noFill/>
@@ -10416,7 +8088,91 @@
       </p:sp>
       <p:sp>
         <p:nvSpPr>
-          <p:cNvPr id="95" name="PlaceHolder 1"/>
+          <p:cNvPr id="95" name="Rectangle 17"/>
+          <p:cNvSpPr/>
+          <p:nvPr/>
+        </p:nvSpPr>
+        <p:spPr>
+          <a:xfrm>
+            <a:off x="10585800" y="609480"/>
+            <a:ext cx="1602000" cy="1367280"/>
+          </a:xfrm>
+          <a:prstGeom prst="rect">
+            <a:avLst/>
+          </a:prstGeom>
+          <a:solidFill>
+            <a:schemeClr val="accent1"/>
+          </a:solidFill>
+          <a:ln>
+            <a:noFill/>
+          </a:ln>
+        </p:spPr>
+        <p:style>
+          <a:lnRef idx="2">
+            <a:schemeClr val="accent1">
+              <a:shade val="50000"/>
+            </a:schemeClr>
+          </a:lnRef>
+          <a:fillRef idx="1">
+            <a:schemeClr val="accent1"/>
+          </a:fillRef>
+          <a:effectRef idx="0">
+            <a:schemeClr val="accent1"/>
+          </a:effectRef>
+          <a:fontRef idx="minor"/>
+        </p:style>
+      </p:sp>
+      <p:sp>
+        <p:nvSpPr>
+          <p:cNvPr id="96" name=""/>
+          <p:cNvSpPr/>
+          <p:nvPr/>
+        </p:nvSpPr>
+        <p:spPr>
+          <a:xfrm>
+            <a:off x="11658600" y="6400800"/>
+            <a:ext cx="3832200" cy="426960"/>
+          </a:xfrm>
+          <a:prstGeom prst="rect">
+            <a:avLst/>
+          </a:prstGeom>
+          <a:noFill/>
+          <a:ln w="0">
+            <a:noFill/>
+          </a:ln>
+        </p:spPr>
+        <p:style>
+          <a:lnRef idx="0"/>
+          <a:fillRef idx="0"/>
+          <a:effectRef idx="0"/>
+          <a:fontRef idx="minor"/>
+        </p:style>
+        <p:txBody>
+          <a:bodyPr lIns="90000" rIns="90000" tIns="45000" bIns="45000" anchor="t">
+            <a:noAutofit/>
+          </a:bodyPr>
+          <a:p>
+            <a:pPr>
+              <a:lnSpc>
+                <a:spcPct val="100000"/>
+              </a:lnSpc>
+              <a:buNone/>
+            </a:pPr>
+            <a:fld id="{2958A09B-C5C9-4D2B-B652-6F8495654978}" type="slidenum">
+              <a:rPr b="0" lang="en-US" sz="2400" spc="-1" strike="noStrike">
+                <a:latin typeface="Times New Roman"/>
+              </a:rPr>
+              <a:t>&lt;number&gt;</a:t>
+            </a:fld>
+            <a:endParaRPr b="0" lang="en-US" sz="2400" spc="-1" strike="noStrike">
+              <a:latin typeface="Arial"/>
+            </a:endParaRPr>
+          </a:p>
+        </p:txBody>
+      </p:sp>
+      <p:sp>
+        <p:nvSpPr>
+          <p:cNvPr id="97" name="PlaceHolder 1"/>
           <p:cNvSpPr>
             <a:spLocks noGrp="1"/>
           </p:cNvSpPr>
@@ -10427,7 +8183,7 @@
         <p:spPr>
           <a:xfrm>
             <a:off x="680400" y="5936040"/>
-            <a:ext cx="6869880" cy="364320"/>
+            <a:ext cx="6869520" cy="363960"/>
           </a:xfrm>
           <a:prstGeom prst="rect">
             <a:avLst/>
@@ -10473,7 +8229,7 @@
       </p:sp>
       <p:sp>
         <p:nvSpPr>
-          <p:cNvPr id="96" name="PlaceHolder 2"/>
+          <p:cNvPr id="98" name="PlaceHolder 2"/>
           <p:cNvSpPr>
             <a:spLocks noGrp="1"/>
           </p:cNvSpPr>
@@ -10484,7 +8240,7 @@
         <p:spPr>
           <a:xfrm>
             <a:off x="10729440" y="753120"/>
-            <a:ext cx="1153440" cy="1090080"/>
+            <a:ext cx="1153080" cy="1089720"/>
           </a:xfrm>
           <a:prstGeom prst="rect">
             <a:avLst/>
@@ -10519,7 +8275,7 @@
               </a:lnSpc>
               <a:buNone/>
             </a:pPr>
-            <a:fld id="{CB293A20-B6B0-4326-B7CF-A9E6F2F4D5ED}" type="slidenum">
+            <a:fld id="{EC6FE95B-38E3-47D0-ABE7-302FD91FD0E3}" type="slidenum">
               <a:rPr b="0" lang="ru-RU" sz="3600" spc="-1" strike="noStrike">
                 <a:solidFill>
                   <a:srgbClr val="8b8b8b"/>
@@ -10536,7 +8292,7 @@
       </p:sp>
       <p:sp>
         <p:nvSpPr>
-          <p:cNvPr id="97" name="PlaceHolder 3"/>
+          <p:cNvPr id="99" name="PlaceHolder 3"/>
           <p:cNvSpPr>
             <a:spLocks noGrp="1"/>
           </p:cNvSpPr>
@@ -10547,7 +8303,7 @@
         <p:spPr>
           <a:xfrm>
             <a:off x="7551000" y="5936040"/>
-            <a:ext cx="2742480" cy="364320"/>
+            <a:ext cx="2742120" cy="363960"/>
           </a:xfrm>
           <a:prstGeom prst="rect">
             <a:avLst/>
@@ -10583,7 +8339,7 @@
       </p:sp>
       <p:sp>
         <p:nvSpPr>
-          <p:cNvPr id="98" name="PlaceHolder 4"/>
+          <p:cNvPr id="100" name="PlaceHolder 4"/>
           <p:cNvSpPr>
             <a:spLocks noGrp="1"/>
           </p:cNvSpPr>
@@ -10616,73 +8372,7 @@
               <a:rPr b="0" lang="en-US" sz="4400" spc="-1" strike="noStrike">
                 <a:latin typeface="Arial"/>
               </a:rPr>
-              <a:t>Cli</a:t>
-            </a:r>
-            <a:r>
-              <a:rPr b="0" lang="en-US" sz="4400" spc="-1" strike="noStrike">
-                <a:latin typeface="Arial"/>
-              </a:rPr>
-              <a:t>ck </a:t>
-            </a:r>
-            <a:r>
-              <a:rPr b="0" lang="en-US" sz="4400" spc="-1" strike="noStrike">
-                <a:latin typeface="Arial"/>
-              </a:rPr>
-              <a:t>to </a:t>
-            </a:r>
-            <a:r>
-              <a:rPr b="0" lang="en-US" sz="4400" spc="-1" strike="noStrike">
-                <a:latin typeface="Arial"/>
-              </a:rPr>
-              <a:t>edi</a:t>
-            </a:r>
-            <a:r>
-              <a:rPr b="0" lang="en-US" sz="4400" spc="-1" strike="noStrike">
-                <a:latin typeface="Arial"/>
-              </a:rPr>
-              <a:t>t </a:t>
-            </a:r>
-            <a:r>
-              <a:rPr b="0" lang="en-US" sz="4400" spc="-1" strike="noStrike">
-                <a:latin typeface="Arial"/>
-              </a:rPr>
-              <a:t>the </a:t>
-            </a:r>
-            <a:r>
-              <a:rPr b="0" lang="en-US" sz="4400" spc="-1" strike="noStrike">
-                <a:latin typeface="Arial"/>
-              </a:rPr>
-              <a:t>title </a:t>
-            </a:r>
-            <a:r>
-              <a:rPr b="0" lang="en-US" sz="4400" spc="-1" strike="noStrike">
-                <a:latin typeface="Arial"/>
-              </a:rPr>
-              <a:t>tex</a:t>
-            </a:r>
-            <a:r>
-              <a:rPr b="0" lang="en-US" sz="4400" spc="-1" strike="noStrike">
-                <a:latin typeface="Arial"/>
-              </a:rPr>
-              <a:t>t </a:t>
-            </a:r>
-            <a:r>
-              <a:rPr b="0" lang="en-US" sz="4400" spc="-1" strike="noStrike">
-                <a:latin typeface="Arial"/>
-              </a:rPr>
-              <a:t>for</a:t>
-            </a:r>
-            <a:r>
-              <a:rPr b="0" lang="en-US" sz="4400" spc="-1" strike="noStrike">
-                <a:latin typeface="Arial"/>
-              </a:rPr>
-              <a:t>ma</a:t>
-            </a:r>
-            <a:r>
-              <a:rPr b="0" lang="en-US" sz="4400" spc="-1" strike="noStrike">
-                <a:latin typeface="Arial"/>
-              </a:rPr>
-              <a:t>t</a:t>
+              <a:t>Click to edit the title text format</a:t>
             </a:r>
             <a:endParaRPr b="0" lang="en-US" sz="4400" spc="-1" strike="noStrike">
               <a:latin typeface="Arial"/>
@@ -10692,7 +8382,7 @@
       </p:sp>
       <p:sp>
         <p:nvSpPr>
-          <p:cNvPr id="99" name="PlaceHolder 5"/>
+          <p:cNvPr id="101" name="PlaceHolder 5"/>
           <p:cNvSpPr>
             <a:spLocks noGrp="1"/>
           </p:cNvSpPr>
@@ -10889,666 +8579,6 @@
     <p:sldLayoutId id="2147483684" r:id="rId13"/>
     <p:sldLayoutId id="2147483685" r:id="rId14"/>
     <p:sldLayoutId id="2147483686" r:id="rId15"/>
-  </p:sldLayoutIdLst>
-</p:sldMaster>
-</file>
-
-<file path=ppt/slideMasters/slideMaster4.xml><?xml version="1.0" encoding="utf-8"?>
-<p:sldMaster xmlns:a="http://schemas.openxmlformats.org/drawingml/2006/main" xmlns:p="http://schemas.openxmlformats.org/presentationml/2006/main" xmlns:r="http://schemas.openxmlformats.org/officeDocument/2006/relationships" xmlns:p14="http://schemas.microsoft.com/office/powerpoint/2010/main" xmlns:p15="http://schemas.microsoft.com/office/powerpoint/2012/main" xmlns:mc="http://schemas.openxmlformats.org/markup-compatibility/2006">
-  <p:cSld>
-    <p:bg>
-      <p:bgPr>
-        <a:solidFill>
-          <a:srgbClr val="ffffff"/>
-        </a:solidFill>
-      </p:bgPr>
-    </p:bg>
-    <p:spTree>
-      <p:nvGrpSpPr>
-        <p:cNvPr id="1" name=""/>
-        <p:cNvGrpSpPr/>
-        <p:nvPr/>
-      </p:nvGrpSpPr>
-      <p:grpSpPr>
-        <a:xfrm>
-          <a:off x="0" y="0"/>
-          <a:ext cx="0" cy="0"/>
-          <a:chOff x="0" y="0"/>
-          <a:chExt cx="0" cy="0"/>
-        </a:xfrm>
-      </p:grpSpPr>
-      <p:pic>
-        <p:nvPicPr>
-          <p:cNvPr id="136" name="Picture 14" descr="HD-ShadowLong.png"/>
-          <p:cNvPicPr/>
-          <p:nvPr/>
-        </p:nvPicPr>
-        <p:blipFill>
-          <a:blip r:embed="rId2"/>
-          <a:stretch/>
-        </p:blipFill>
-        <p:spPr>
-          <a:xfrm>
-            <a:off x="0" y="1970280"/>
-            <a:ext cx="10437120" cy="320400"/>
-          </a:xfrm>
-          <a:prstGeom prst="rect">
-            <a:avLst/>
-          </a:prstGeom>
-          <a:ln w="0">
-            <a:noFill/>
-          </a:ln>
-        </p:spPr>
-      </p:pic>
-      <p:pic>
-        <p:nvPicPr>
-          <p:cNvPr id="137" name="Picture 15" descr="HD-ShadowShort.png"/>
-          <p:cNvPicPr/>
-          <p:nvPr/>
-        </p:nvPicPr>
-        <p:blipFill>
-          <a:blip r:embed="rId3"/>
-          <a:stretch/>
-        </p:blipFill>
-        <p:spPr>
-          <a:xfrm>
-            <a:off x="10585800" y="1971360"/>
-            <a:ext cx="1602360" cy="143640"/>
-          </a:xfrm>
-          <a:prstGeom prst="rect">
-            <a:avLst/>
-          </a:prstGeom>
-          <a:ln w="0">
-            <a:noFill/>
-          </a:ln>
-        </p:spPr>
-      </p:pic>
-      <p:sp>
-        <p:nvSpPr>
-          <p:cNvPr id="138" name="Rectangle 16"/>
-          <p:cNvSpPr/>
-          <p:nvPr/>
-        </p:nvSpPr>
-        <p:spPr>
-          <a:xfrm>
-            <a:off x="0" y="609480"/>
-            <a:ext cx="10437120" cy="1367640"/>
-          </a:xfrm>
-          <a:prstGeom prst="rect">
-            <a:avLst/>
-          </a:prstGeom>
-          <a:solidFill>
-            <a:schemeClr val="bg1">
-              <a:lumMod val="85000"/>
-              <a:lumOff val="15000"/>
-            </a:schemeClr>
-          </a:solidFill>
-          <a:ln>
-            <a:noFill/>
-          </a:ln>
-        </p:spPr>
-        <p:style>
-          <a:lnRef idx="2">
-            <a:schemeClr val="accent1">
-              <a:shade val="50000"/>
-            </a:schemeClr>
-          </a:lnRef>
-          <a:fillRef idx="1">
-            <a:schemeClr val="accent1"/>
-          </a:fillRef>
-          <a:effectRef idx="0">
-            <a:schemeClr val="accent1"/>
-          </a:effectRef>
-          <a:fontRef idx="minor"/>
-        </p:style>
-      </p:sp>
-      <p:sp>
-        <p:nvSpPr>
-          <p:cNvPr id="139" name="Rectangle 17"/>
-          <p:cNvSpPr/>
-          <p:nvPr/>
-        </p:nvSpPr>
-        <p:spPr>
-          <a:xfrm>
-            <a:off x="10585800" y="609480"/>
-            <a:ext cx="1602360" cy="1367640"/>
-          </a:xfrm>
-          <a:prstGeom prst="rect">
-            <a:avLst/>
-          </a:prstGeom>
-          <a:solidFill>
-            <a:schemeClr val="accent1"/>
-          </a:solidFill>
-          <a:ln>
-            <a:noFill/>
-          </a:ln>
-        </p:spPr>
-        <p:style>
-          <a:lnRef idx="2">
-            <a:schemeClr val="accent1">
-              <a:shade val="50000"/>
-            </a:schemeClr>
-          </a:lnRef>
-          <a:fillRef idx="1">
-            <a:schemeClr val="accent1"/>
-          </a:fillRef>
-          <a:effectRef idx="0">
-            <a:schemeClr val="accent1"/>
-          </a:effectRef>
-          <a:fontRef idx="minor"/>
-        </p:style>
-      </p:sp>
-      <p:sp>
-        <p:nvSpPr>
-          <p:cNvPr id="140" name="PlaceHolder 1"/>
-          <p:cNvSpPr>
-            <a:spLocks noGrp="1"/>
-          </p:cNvSpPr>
-          <p:nvPr>
-            <p:ph type="ftr" idx="10"/>
-          </p:nvPr>
-        </p:nvSpPr>
-        <p:spPr>
-          <a:xfrm>
-            <a:off x="680400" y="5936040"/>
-            <a:ext cx="6869880" cy="364320"/>
-          </a:xfrm>
-          <a:prstGeom prst="rect">
-            <a:avLst/>
-          </a:prstGeom>
-          <a:noFill/>
-          <a:ln w="0">
-            <a:noFill/>
-          </a:ln>
-        </p:spPr>
-        <p:txBody>
-          <a:bodyPr lIns="90000" rIns="90000" tIns="45000" bIns="45000" anchor="ctr">
-            <a:noAutofit/>
-          </a:bodyPr>
-          <a:lstStyle>
-            <a:lvl1pPr algn="ctr">
-              <a:lnSpc>
-                <a:spcPct val="100000"/>
-              </a:lnSpc>
-              <a:buNone/>
-              <a:defRPr b="0" lang="en-US" sz="1400" spc="-1" strike="noStrike">
-                <a:latin typeface="Times New Roman"/>
-              </a:defRPr>
-            </a:lvl1pPr>
-          </a:lstStyle>
-          <a:p>
-            <a:pPr algn="ctr">
-              <a:lnSpc>
-                <a:spcPct val="100000"/>
-              </a:lnSpc>
-              <a:buNone/>
-            </a:pPr>
-            <a:r>
-              <a:rPr b="0" lang="en-US" sz="1400" spc="-1" strike="noStrike">
-                <a:latin typeface="Times New Roman"/>
-              </a:rPr>
-              <a:t>&lt;footer&gt;</a:t>
-            </a:r>
-            <a:endParaRPr b="0" lang="en-US" sz="1400" spc="-1" strike="noStrike">
-              <a:latin typeface="Times New Roman"/>
-            </a:endParaRPr>
-          </a:p>
-        </p:txBody>
-      </p:sp>
-      <p:sp>
-        <p:nvSpPr>
-          <p:cNvPr id="141" name="PlaceHolder 2"/>
-          <p:cNvSpPr>
-            <a:spLocks noGrp="1"/>
-          </p:cNvSpPr>
-          <p:nvPr>
-            <p:ph type="sldNum" idx="11"/>
-          </p:nvPr>
-        </p:nvSpPr>
-        <p:spPr>
-          <a:xfrm>
-            <a:off x="10729440" y="753120"/>
-            <a:ext cx="1153440" cy="1090080"/>
-          </a:xfrm>
-          <a:prstGeom prst="rect">
-            <a:avLst/>
-          </a:prstGeom>
-          <a:noFill/>
-          <a:ln w="0">
-            <a:noFill/>
-          </a:ln>
-        </p:spPr>
-        <p:txBody>
-          <a:bodyPr lIns="90000" rIns="90000" tIns="45000" bIns="45000" anchor="ctr">
-            <a:noAutofit/>
-          </a:bodyPr>
-          <a:lstStyle>
-            <a:lvl1pPr>
-              <a:lnSpc>
-                <a:spcPct val="100000"/>
-              </a:lnSpc>
-              <a:buNone/>
-              <a:defRPr b="0" lang="ru-RU" sz="3600" spc="-1" strike="noStrike">
-                <a:solidFill>
-                  <a:srgbClr val="8b8b8b"/>
-                </a:solidFill>
-                <a:latin typeface="Trebuchet MS"/>
-              </a:defRPr>
-            </a:lvl1pPr>
-          </a:lstStyle>
-          <a:p>
-            <a:pPr>
-              <a:lnSpc>
-                <a:spcPct val="100000"/>
-              </a:lnSpc>
-              <a:buNone/>
-            </a:pPr>
-            <a:fld id="{EB3DE979-F653-4F41-9E79-FB18564C2131}" type="slidenum">
-              <a:rPr b="0" lang="ru-RU" sz="3600" spc="-1" strike="noStrike">
-                <a:solidFill>
-                  <a:srgbClr val="8b8b8b"/>
-                </a:solidFill>
-                <a:latin typeface="Trebuchet MS"/>
-              </a:rPr>
-              <a:t>&lt;number&gt;</a:t>
-            </a:fld>
-            <a:endParaRPr b="0" lang="en-US" sz="3600" spc="-1" strike="noStrike">
-              <a:latin typeface="Times New Roman"/>
-            </a:endParaRPr>
-          </a:p>
-        </p:txBody>
-      </p:sp>
-      <p:sp>
-        <p:nvSpPr>
-          <p:cNvPr id="142" name="PlaceHolder 3"/>
-          <p:cNvSpPr>
-            <a:spLocks noGrp="1"/>
-          </p:cNvSpPr>
-          <p:nvPr>
-            <p:ph type="dt" idx="12"/>
-          </p:nvPr>
-        </p:nvSpPr>
-        <p:spPr>
-          <a:xfrm>
-            <a:off x="7551000" y="5936040"/>
-            <a:ext cx="2742480" cy="364320"/>
-          </a:xfrm>
-          <a:prstGeom prst="rect">
-            <a:avLst/>
-          </a:prstGeom>
-          <a:noFill/>
-          <a:ln w="0">
-            <a:noFill/>
-          </a:ln>
-        </p:spPr>
-        <p:txBody>
-          <a:bodyPr lIns="90000" rIns="90000" tIns="45000" bIns="45000" anchor="ctr">
-            <a:noAutofit/>
-          </a:bodyPr>
-          <a:lstStyle>
-            <a:lvl1pPr>
-              <a:defRPr b="0" lang="en-US" sz="1400" spc="-1" strike="noStrike">
-                <a:latin typeface="Times New Roman"/>
-              </a:defRPr>
-            </a:lvl1pPr>
-          </a:lstStyle>
-          <a:p>
-            <a:r>
-              <a:rPr b="0" lang="en-US" sz="1400" spc="-1" strike="noStrike">
-                <a:latin typeface="Times New Roman"/>
-              </a:rPr>
-              <a:t>&lt;date/time&gt;</a:t>
-            </a:r>
-            <a:endParaRPr b="0" lang="en-US" sz="1400" spc="-1" strike="noStrike">
-              <a:latin typeface="Times New Roman"/>
-            </a:endParaRPr>
-          </a:p>
-        </p:txBody>
-      </p:sp>
-      <p:sp>
-        <p:nvSpPr>
-          <p:cNvPr id="143" name="PlaceHolder 4"/>
-          <p:cNvSpPr>
-            <a:spLocks noGrp="1"/>
-          </p:cNvSpPr>
-          <p:nvPr>
-            <p:ph type="title"/>
-          </p:nvPr>
-        </p:nvSpPr>
-        <p:spPr>
-          <a:xfrm>
-            <a:off x="609480" y="273600"/>
-            <a:ext cx="10972440" cy="1144800"/>
-          </a:xfrm>
-          <a:prstGeom prst="rect">
-            <a:avLst/>
-          </a:prstGeom>
-          <a:noFill/>
-          <a:ln w="0">
-            <a:noFill/>
-          </a:ln>
-        </p:spPr>
-        <p:txBody>
-          <a:bodyPr lIns="0" rIns="0" tIns="0" bIns="0" anchor="ctr">
-            <a:noAutofit/>
-          </a:bodyPr>
-          <a:p>
-            <a:pPr algn="ctr">
-              <a:buNone/>
-            </a:pPr>
-            <a:r>
-              <a:rPr b="0" lang="en-US" sz="4400" spc="-1" strike="noStrike">
-                <a:latin typeface="Arial"/>
-              </a:rPr>
-              <a:t>Cli</a:t>
-            </a:r>
-            <a:r>
-              <a:rPr b="0" lang="en-US" sz="4400" spc="-1" strike="noStrike">
-                <a:latin typeface="Arial"/>
-              </a:rPr>
-              <a:t>ck </a:t>
-            </a:r>
-            <a:r>
-              <a:rPr b="0" lang="en-US" sz="4400" spc="-1" strike="noStrike">
-                <a:latin typeface="Arial"/>
-              </a:rPr>
-              <a:t>to </a:t>
-            </a:r>
-            <a:r>
-              <a:rPr b="0" lang="en-US" sz="4400" spc="-1" strike="noStrike">
-                <a:latin typeface="Arial"/>
-              </a:rPr>
-              <a:t>edi</a:t>
-            </a:r>
-            <a:r>
-              <a:rPr b="0" lang="en-US" sz="4400" spc="-1" strike="noStrike">
-                <a:latin typeface="Arial"/>
-              </a:rPr>
-              <a:t>t </a:t>
-            </a:r>
-            <a:r>
-              <a:rPr b="0" lang="en-US" sz="4400" spc="-1" strike="noStrike">
-                <a:latin typeface="Arial"/>
-              </a:rPr>
-              <a:t>the </a:t>
-            </a:r>
-            <a:r>
-              <a:rPr b="0" lang="en-US" sz="4400" spc="-1" strike="noStrike">
-                <a:latin typeface="Arial"/>
-              </a:rPr>
-              <a:t>title </a:t>
-            </a:r>
-            <a:r>
-              <a:rPr b="0" lang="en-US" sz="4400" spc="-1" strike="noStrike">
-                <a:latin typeface="Arial"/>
-              </a:rPr>
-              <a:t>tex</a:t>
-            </a:r>
-            <a:r>
-              <a:rPr b="0" lang="en-US" sz="4400" spc="-1" strike="noStrike">
-                <a:latin typeface="Arial"/>
-              </a:rPr>
-              <a:t>t </a:t>
-            </a:r>
-            <a:r>
-              <a:rPr b="0" lang="en-US" sz="4400" spc="-1" strike="noStrike">
-                <a:latin typeface="Arial"/>
-              </a:rPr>
-              <a:t>for</a:t>
-            </a:r>
-            <a:r>
-              <a:rPr b="0" lang="en-US" sz="4400" spc="-1" strike="noStrike">
-                <a:latin typeface="Arial"/>
-              </a:rPr>
-              <a:t>ma</a:t>
-            </a:r>
-            <a:r>
-              <a:rPr b="0" lang="en-US" sz="4400" spc="-1" strike="noStrike">
-                <a:latin typeface="Arial"/>
-              </a:rPr>
-              <a:t>t</a:t>
-            </a:r>
-            <a:endParaRPr b="0" lang="en-US" sz="4400" spc="-1" strike="noStrike">
-              <a:latin typeface="Arial"/>
-            </a:endParaRPr>
-          </a:p>
-        </p:txBody>
-      </p:sp>
-      <p:sp>
-        <p:nvSpPr>
-          <p:cNvPr id="144" name="PlaceHolder 5"/>
-          <p:cNvSpPr>
-            <a:spLocks noGrp="1"/>
-          </p:cNvSpPr>
-          <p:nvPr>
-            <p:ph type="body"/>
-          </p:nvPr>
-        </p:nvSpPr>
-        <p:spPr>
-          <a:xfrm>
-            <a:off x="609480" y="1604520"/>
-            <a:ext cx="10972440" cy="3977280"/>
-          </a:xfrm>
-          <a:prstGeom prst="rect">
-            <a:avLst/>
-          </a:prstGeom>
-          <a:noFill/>
-          <a:ln w="0">
-            <a:noFill/>
-          </a:ln>
-        </p:spPr>
-        <p:txBody>
-          <a:bodyPr lIns="0" rIns="0" tIns="0" bIns="0" anchor="t">
-            <a:normAutofit/>
-          </a:bodyPr>
-          <a:p>
-            <a:pPr marL="432000" indent="-324000">
-              <a:spcBef>
-                <a:spcPts val="1417"/>
-              </a:spcBef>
-              <a:buClr>
-                <a:srgbClr val="000000"/>
-              </a:buClr>
-              <a:buSzPct val="45000"/>
-              <a:buFont typeface="Wingdings" charset="2"/>
-              <a:buChar char=""/>
-            </a:pPr>
-            <a:r>
-              <a:rPr b="0" lang="en-US" sz="3200" spc="-1" strike="noStrike">
-                <a:latin typeface="Arial"/>
-              </a:rPr>
-              <a:t>Click to edit the outline text format</a:t>
-            </a:r>
-            <a:endParaRPr b="0" lang="en-US" sz="3200" spc="-1" strike="noStrike">
-              <a:latin typeface="Arial"/>
-            </a:endParaRPr>
-          </a:p>
-          <a:p>
-            <a:pPr lvl="1" marL="864000" indent="-324000">
-              <a:spcBef>
-                <a:spcPts val="1134"/>
-              </a:spcBef>
-              <a:buClr>
-                <a:srgbClr val="000000"/>
-              </a:buClr>
-              <a:buSzPct val="75000"/>
-              <a:buFont typeface="Symbol" charset="2"/>
-              <a:buChar char=""/>
-            </a:pPr>
-            <a:r>
-              <a:rPr b="0" lang="en-US" sz="2800" spc="-1" strike="noStrike">
-                <a:latin typeface="Arial"/>
-              </a:rPr>
-              <a:t>Second Outline Level</a:t>
-            </a:r>
-            <a:endParaRPr b="0" lang="en-US" sz="2800" spc="-1" strike="noStrike">
-              <a:latin typeface="Arial"/>
-            </a:endParaRPr>
-          </a:p>
-          <a:p>
-            <a:pPr lvl="2" marL="1296000" indent="-288000">
-              <a:spcBef>
-                <a:spcPts val="850"/>
-              </a:spcBef>
-              <a:buClr>
-                <a:srgbClr val="000000"/>
-              </a:buClr>
-              <a:buSzPct val="45000"/>
-              <a:buFont typeface="Wingdings" charset="2"/>
-              <a:buChar char=""/>
-            </a:pPr>
-            <a:r>
-              <a:rPr b="0" lang="en-US" sz="2400" spc="-1" strike="noStrike">
-                <a:latin typeface="Arial"/>
-              </a:rPr>
-              <a:t>Third Outline Level</a:t>
-            </a:r>
-            <a:endParaRPr b="0" lang="en-US" sz="2400" spc="-1" strike="noStrike">
-              <a:latin typeface="Arial"/>
-            </a:endParaRPr>
-          </a:p>
-          <a:p>
-            <a:pPr lvl="3" marL="1728000" indent="-216000">
-              <a:spcBef>
-                <a:spcPts val="567"/>
-              </a:spcBef>
-              <a:buClr>
-                <a:srgbClr val="000000"/>
-              </a:buClr>
-              <a:buSzPct val="75000"/>
-              <a:buFont typeface="Symbol" charset="2"/>
-              <a:buChar char=""/>
-            </a:pPr>
-            <a:r>
-              <a:rPr b="0" lang="en-US" sz="2000" spc="-1" strike="noStrike">
-                <a:latin typeface="Arial"/>
-              </a:rPr>
-              <a:t>Fourth Outline Level</a:t>
-            </a:r>
-            <a:endParaRPr b="0" lang="en-US" sz="2000" spc="-1" strike="noStrike">
-              <a:latin typeface="Arial"/>
-            </a:endParaRPr>
-          </a:p>
-          <a:p>
-            <a:pPr lvl="4" marL="2160000" indent="-216000">
-              <a:spcBef>
-                <a:spcPts val="283"/>
-              </a:spcBef>
-              <a:buClr>
-                <a:srgbClr val="000000"/>
-              </a:buClr>
-              <a:buSzPct val="45000"/>
-              <a:buFont typeface="Wingdings" charset="2"/>
-              <a:buChar char=""/>
-            </a:pPr>
-            <a:r>
-              <a:rPr b="0" lang="en-US" sz="2000" spc="-1" strike="noStrike">
-                <a:latin typeface="Arial"/>
-              </a:rPr>
-              <a:t>Fifth Outline Level</a:t>
-            </a:r>
-            <a:endParaRPr b="0" lang="en-US" sz="2000" spc="-1" strike="noStrike">
-              <a:latin typeface="Arial"/>
-            </a:endParaRPr>
-          </a:p>
-          <a:p>
-            <a:pPr lvl="5" marL="2592000" indent="-216000">
-              <a:spcBef>
-                <a:spcPts val="283"/>
-              </a:spcBef>
-              <a:buClr>
-                <a:srgbClr val="000000"/>
-              </a:buClr>
-              <a:buSzPct val="45000"/>
-              <a:buFont typeface="Wingdings" charset="2"/>
-              <a:buChar char=""/>
-            </a:pPr>
-            <a:r>
-              <a:rPr b="0" lang="en-US" sz="2000" spc="-1" strike="noStrike">
-                <a:latin typeface="Arial"/>
-              </a:rPr>
-              <a:t>Sixth Outline Level</a:t>
-            </a:r>
-            <a:endParaRPr b="0" lang="en-US" sz="2000" spc="-1" strike="noStrike">
-              <a:latin typeface="Arial"/>
-            </a:endParaRPr>
-          </a:p>
-          <a:p>
-            <a:pPr lvl="6" marL="3024000" indent="-216000">
-              <a:spcBef>
-                <a:spcPts val="283"/>
-              </a:spcBef>
-              <a:buClr>
-                <a:srgbClr val="000000"/>
-              </a:buClr>
-              <a:buSzPct val="45000"/>
-              <a:buFont typeface="Wingdings" charset="2"/>
-              <a:buChar char=""/>
-            </a:pPr>
-            <a:r>
-              <a:rPr b="0" lang="en-US" sz="2000" spc="-1" strike="noStrike">
-                <a:latin typeface="Arial"/>
-              </a:rPr>
-              <a:t>Seventh Outline Level</a:t>
-            </a:r>
-            <a:endParaRPr b="0" lang="en-US" sz="2000" spc="-1" strike="noStrike">
-              <a:latin typeface="Arial"/>
-            </a:endParaRPr>
-          </a:p>
-        </p:txBody>
-      </p:sp>
-      <p:sp>
-        <p:nvSpPr>
-          <p:cNvPr id="145" name=""/>
-          <p:cNvSpPr txBox="1"/>
-          <p:nvPr/>
-        </p:nvSpPr>
-        <p:spPr>
-          <a:xfrm>
-            <a:off x="11658600" y="6400800"/>
-            <a:ext cx="3832560" cy="427320"/>
-          </a:xfrm>
-          <a:prstGeom prst="rect">
-            <a:avLst/>
-          </a:prstGeom>
-          <a:noFill/>
-          <a:ln w="0">
-            <a:noFill/>
-          </a:ln>
-        </p:spPr>
-        <p:txBody>
-          <a:bodyPr lIns="90000" rIns="90000" tIns="45000" bIns="45000" anchor="t">
-            <a:noAutofit/>
-          </a:bodyPr>
-          <a:p>
-            <a:fld id="{1A220CF1-F048-4C40-AD58-F0E3D480B8C6}" type="slidenum">
-              <a:rPr b="0" lang="en-US" sz="2400" spc="-1" strike="noStrike">
-                <a:latin typeface="Times New Roman"/>
-              </a:rPr>
-              <a:t>&lt;number&gt;</a:t>
-            </a:fld>
-            <a:endParaRPr b="0" lang="en-US" sz="2400" spc="-1" strike="noStrike">
-              <a:latin typeface="Times New Roman"/>
-            </a:endParaRPr>
-          </a:p>
-        </p:txBody>
-      </p:sp>
-    </p:spTree>
-  </p:cSld>
-  <p:clrMap bg1="lt1" bg2="lt2" tx1="dk1" tx2="dk2" accent1="accent1" accent2="accent2" accent3="accent3" accent4="accent4" accent5="accent5" accent6="accent6" hlink="hlink" folHlink="folHlink"/>
-  <p:sldLayoutIdLst>
-    <p:sldLayoutId id="2147483688" r:id="rId4"/>
-    <p:sldLayoutId id="2147483689" r:id="rId5"/>
-    <p:sldLayoutId id="2147483690" r:id="rId6"/>
-    <p:sldLayoutId id="2147483691" r:id="rId7"/>
-    <p:sldLayoutId id="2147483692" r:id="rId8"/>
-    <p:sldLayoutId id="2147483693" r:id="rId9"/>
-    <p:sldLayoutId id="2147483694" r:id="rId10"/>
-    <p:sldLayoutId id="2147483695" r:id="rId11"/>
-    <p:sldLayoutId id="2147483696" r:id="rId12"/>
-    <p:sldLayoutId id="2147483697" r:id="rId13"/>
-    <p:sldLayoutId id="2147483698" r:id="rId14"/>
-    <p:sldLayoutId id="2147483699" r:id="rId15"/>
   </p:sldLayoutIdLst>
 </p:sldMaster>
 </file>
@@ -11572,7 +8602,7 @@
       </p:grpSpPr>
       <p:sp>
         <p:nvSpPr>
-          <p:cNvPr id="182" name="PlaceHolder 1"/>
+          <p:cNvPr id="138" name="PlaceHolder 1"/>
           <p:cNvSpPr>
             <a:spLocks noGrp="1"/>
           </p:cNvSpPr>
@@ -11583,7 +8613,7 @@
         <p:spPr>
           <a:xfrm>
             <a:off x="493920" y="2594880"/>
-            <a:ext cx="8330040" cy="1372320"/>
+            <a:ext cx="8329680" cy="1371960"/>
           </a:xfrm>
           <a:prstGeom prst="rect">
             <a:avLst/>
@@ -11611,79 +8641,7 @@
                 </a:solidFill>
                 <a:latin typeface="Times New Roman"/>
               </a:rPr>
-              <a:t>Визу</a:t>
-            </a:r>
-            <a:r>
-              <a:rPr b="0" lang="en-US" sz="3400" spc="-1" strike="noStrike">
-                <a:solidFill>
-                  <a:srgbClr val="000000"/>
-                </a:solidFill>
-                <a:latin typeface="Times New Roman"/>
-              </a:rPr>
-              <a:t>ализ</a:t>
-            </a:r>
-            <a:r>
-              <a:rPr b="0" lang="en-US" sz="3400" spc="-1" strike="noStrike">
-                <a:solidFill>
-                  <a:srgbClr val="000000"/>
-                </a:solidFill>
-                <a:latin typeface="Times New Roman"/>
-              </a:rPr>
-              <a:t>ация </a:t>
-            </a:r>
-            <a:r>
-              <a:rPr b="0" lang="en-US" sz="3400" spc="-1" strike="noStrike">
-                <a:solidFill>
-                  <a:srgbClr val="000000"/>
-                </a:solidFill>
-                <a:latin typeface="Times New Roman"/>
-              </a:rPr>
-              <a:t>реш</a:t>
-            </a:r>
-            <a:r>
-              <a:rPr b="0" lang="en-US" sz="3400" spc="-1" strike="noStrike">
-                <a:solidFill>
-                  <a:srgbClr val="000000"/>
-                </a:solidFill>
-                <a:latin typeface="Times New Roman"/>
-              </a:rPr>
-              <a:t>ения </a:t>
-            </a:r>
-            <a:r>
-              <a:rPr b="0" lang="en-US" sz="3400" spc="-1" strike="noStrike">
-                <a:solidFill>
-                  <a:srgbClr val="000000"/>
-                </a:solidFill>
-                <a:latin typeface="Times New Roman"/>
-              </a:rPr>
-              <a:t>зада</a:t>
-            </a:r>
-            <a:r>
-              <a:rPr b="0" lang="en-US" sz="3400" spc="-1" strike="noStrike">
-                <a:solidFill>
-                  <a:srgbClr val="000000"/>
-                </a:solidFill>
-                <a:latin typeface="Times New Roman"/>
-              </a:rPr>
-              <a:t>чи </a:t>
-            </a:r>
-            <a:r>
-              <a:rPr b="0" lang="en-US" sz="3400" spc="-1" strike="noStrike">
-                <a:solidFill>
-                  <a:srgbClr val="000000"/>
-                </a:solidFill>
-                <a:latin typeface="Times New Roman"/>
-              </a:rPr>
-              <a:t>Сте</a:t>
-            </a:r>
-            <a:r>
-              <a:rPr b="0" lang="en-US" sz="3400" spc="-1" strike="noStrike">
-                <a:solidFill>
-                  <a:srgbClr val="000000"/>
-                </a:solidFill>
-                <a:latin typeface="Times New Roman"/>
-              </a:rPr>
-              <a:t>фана</a:t>
+              <a:t>Визуализация решения задачи Стефана</a:t>
             </a:r>
             <a:endParaRPr b="0" lang="en-US" sz="3400" spc="-1" strike="noStrike">
               <a:latin typeface="Arial"/>
@@ -11693,7 +8651,7 @@
       </p:sp>
       <p:sp>
         <p:nvSpPr>
-          <p:cNvPr id="183" name="PlaceHolder 2"/>
+          <p:cNvPr id="139" name="PlaceHolder 2"/>
           <p:cNvSpPr>
             <a:spLocks noGrp="1"/>
           </p:cNvSpPr>
@@ -11704,7 +8662,7 @@
         <p:spPr>
           <a:xfrm>
             <a:off x="164880" y="5483160"/>
-            <a:ext cx="8143560" cy="1117080"/>
+            <a:ext cx="8143200" cy="1116720"/>
           </a:xfrm>
           <a:prstGeom prst="rect">
             <a:avLst/>
@@ -11738,61 +8696,7 @@
                 </a:solidFill>
                 <a:latin typeface="Times New Roman"/>
               </a:rPr>
-              <a:t>Студент</a:t>
-            </a:r>
-            <a:r>
-              <a:rPr b="0" lang="ru-RU" sz="2000" spc="-1" strike="noStrike">
-                <a:solidFill>
-                  <a:srgbClr val="000000"/>
-                </a:solidFill>
-                <a:latin typeface="Times New Roman"/>
-              </a:rPr>
-              <a:t>: Глотов </a:t>
-            </a:r>
-            <a:r>
-              <a:rPr b="0" lang="ru-RU" sz="2000" spc="-1" strike="noStrike">
-                <a:solidFill>
-                  <a:srgbClr val="000000"/>
-                </a:solidFill>
-                <a:latin typeface="Times New Roman"/>
-              </a:rPr>
-              <a:t>Илья </a:t>
-            </a:r>
-            <a:r>
-              <a:rPr b="0" lang="ru-RU" sz="2000" spc="-1" strike="noStrike">
-                <a:solidFill>
-                  <a:srgbClr val="000000"/>
-                </a:solidFill>
-                <a:latin typeface="Times New Roman"/>
-              </a:rPr>
-              <a:t>Анатоль</a:t>
-            </a:r>
-            <a:r>
-              <a:rPr b="0" lang="ru-RU" sz="2000" spc="-1" strike="noStrike">
-                <a:solidFill>
-                  <a:srgbClr val="000000"/>
-                </a:solidFill>
-                <a:latin typeface="Times New Roman"/>
-              </a:rPr>
-              <a:t>евич </a:t>
-            </a:r>
-            <a:r>
-              <a:rPr b="0" lang="ru-RU" sz="2000" spc="-1" strike="noStrike">
-                <a:solidFill>
-                  <a:srgbClr val="000000"/>
-                </a:solidFill>
-                <a:latin typeface="Times New Roman"/>
-              </a:rPr>
-              <a:t>ИУ7-</a:t>
-            </a:r>
-            <a:r>
-              <a:rPr b="0" lang="ru-RU" sz="2000" spc="-1" strike="noStrike">
-                <a:solidFill>
-                  <a:srgbClr val="000000"/>
-                </a:solidFill>
-                <a:latin typeface="Times New Roman"/>
-              </a:rPr>
-              <a:t>52Б</a:t>
+              <a:t>Студент: Глотов Илья Анатольевич ИУ7-52Б</a:t>
             </a:r>
             <a:endParaRPr b="0" lang="en-US" sz="2000" spc="-1" strike="noStrike">
               <a:latin typeface="Arial"/>
@@ -11818,106 +8722,7 @@
                 </a:solidFill>
                 <a:latin typeface="Times New Roman"/>
               </a:rPr>
-              <a:t>Руково</a:t>
-            </a:r>
-            <a:r>
-              <a:rPr b="0" lang="ru-RU" sz="2000" spc="-1" strike="noStrike">
-                <a:solidFill>
-                  <a:srgbClr val="000000"/>
-                </a:solidFill>
-                <a:latin typeface="Times New Roman"/>
-              </a:rPr>
-              <a:t>дитель </a:t>
-            </a:r>
-            <a:r>
-              <a:rPr b="0" lang="ru-RU" sz="2000" spc="-1" strike="noStrike">
-                <a:solidFill>
-                  <a:srgbClr val="000000"/>
-                </a:solidFill>
-                <a:latin typeface="Times New Roman"/>
-              </a:rPr>
-              <a:t>курсов</a:t>
-            </a:r>
-            <a:r>
-              <a:rPr b="0" lang="ru-RU" sz="2000" spc="-1" strike="noStrike">
-                <a:solidFill>
-                  <a:srgbClr val="000000"/>
-                </a:solidFill>
-                <a:latin typeface="Times New Roman"/>
-              </a:rPr>
-              <a:t>ого </a:t>
-            </a:r>
-            <a:r>
-              <a:rPr b="0" lang="ru-RU" sz="2000" spc="-1" strike="noStrike">
-                <a:solidFill>
-                  <a:srgbClr val="000000"/>
-                </a:solidFill>
-                <a:latin typeface="Times New Roman"/>
-              </a:rPr>
-              <a:t>проекта</a:t>
-            </a:r>
-            <a:r>
-              <a:rPr b="0" lang="ru-RU" sz="2000" spc="-1" strike="noStrike">
-                <a:solidFill>
-                  <a:srgbClr val="000000"/>
-                </a:solidFill>
-                <a:latin typeface="Times New Roman"/>
-              </a:rPr>
-              <a:t>: </a:t>
-            </a:r>
-            <a:r>
-              <a:rPr b="0" lang="ru-RU" sz="2000" spc="-1" strike="noStrike">
-                <a:solidFill>
-                  <a:srgbClr val="000000"/>
-                </a:solidFill>
-                <a:latin typeface="Times New Roman"/>
-              </a:rPr>
-              <a:t>Костри</a:t>
-            </a:r>
-            <a:r>
-              <a:rPr b="0" lang="ru-RU" sz="2000" spc="-1" strike="noStrike">
-                <a:solidFill>
-                  <a:srgbClr val="000000"/>
-                </a:solidFill>
-                <a:latin typeface="Times New Roman"/>
-              </a:rPr>
-              <a:t>цкий </a:t>
-            </a:r>
-            <a:r>
-              <a:rPr b="0" lang="ru-RU" sz="2000" spc="-1" strike="noStrike">
-                <a:solidFill>
-                  <a:srgbClr val="000000"/>
-                </a:solidFill>
-                <a:latin typeface="Times New Roman"/>
-              </a:rPr>
-              <a:t>Алекса</a:t>
-            </a:r>
-            <a:r>
-              <a:rPr b="0" lang="ru-RU" sz="2000" spc="-1" strike="noStrike">
-                <a:solidFill>
-                  <a:srgbClr val="000000"/>
-                </a:solidFill>
-                <a:latin typeface="Times New Roman"/>
-              </a:rPr>
-              <a:t>ндр </a:t>
-            </a:r>
-            <a:r>
-              <a:rPr b="0" lang="ru-RU" sz="2000" spc="-1" strike="noStrike">
-                <a:solidFill>
-                  <a:srgbClr val="000000"/>
-                </a:solidFill>
-                <a:latin typeface="Times New Roman"/>
-              </a:rPr>
-              <a:t>Сергеев</a:t>
-            </a:r>
-            <a:r>
-              <a:rPr b="0" lang="ru-RU" sz="2000" spc="-1" strike="noStrike">
-                <a:solidFill>
-                  <a:srgbClr val="000000"/>
-                </a:solidFill>
-                <a:latin typeface="Times New Roman"/>
-              </a:rPr>
-              <a:t>ич</a:t>
+              <a:t>Руководитель курсового проекта: Кострицкий Александр Сергеевич</a:t>
             </a:r>
             <a:endParaRPr b="0" lang="en-US" sz="2000" spc="-1" strike="noStrike">
               <a:latin typeface="Arial"/>
@@ -11944,14 +8749,14 @@
       </p:sp>
       <p:sp>
         <p:nvSpPr>
-          <p:cNvPr id="184" name="TextBox 3"/>
+          <p:cNvPr id="140" name="TextBox 3"/>
           <p:cNvSpPr/>
           <p:nvPr/>
         </p:nvSpPr>
         <p:spPr>
           <a:xfrm>
             <a:off x="1384200" y="251640"/>
-            <a:ext cx="9423000" cy="1186920"/>
+            <a:ext cx="9422640" cy="1186920"/>
           </a:xfrm>
           <a:prstGeom prst="rect">
             <a:avLst/>
@@ -12051,7 +8856,7 @@
       </p:sp>
       <p:pic>
         <p:nvPicPr>
-          <p:cNvPr id="185" name="Picture 2" descr=""/>
+          <p:cNvPr id="141" name="Picture 2" descr=""/>
           <p:cNvPicPr/>
           <p:nvPr/>
         </p:nvPicPr>
@@ -12062,7 +8867,7 @@
         <p:spPr>
           <a:xfrm>
             <a:off x="493920" y="251640"/>
-            <a:ext cx="849960" cy="1001160"/>
+            <a:ext cx="849600" cy="1000800"/>
           </a:xfrm>
           <a:prstGeom prst="rect">
             <a:avLst/>
@@ -12104,7 +8909,7 @@
       </p:grpSpPr>
       <p:sp>
         <p:nvSpPr>
-          <p:cNvPr id="210" name="PlaceHolder 1"/>
+          <p:cNvPr id="166" name="PlaceHolder 1"/>
           <p:cNvSpPr>
             <a:spLocks noGrp="1"/>
           </p:cNvSpPr>
@@ -12115,7 +8920,7 @@
         <p:spPr>
           <a:xfrm>
             <a:off x="680400" y="753120"/>
-            <a:ext cx="9613080" cy="1080360"/>
+            <a:ext cx="9612720" cy="1080000"/>
           </a:xfrm>
           <a:prstGeom prst="rect">
             <a:avLst/>
@@ -12143,25 +8948,7 @@
                 </a:solidFill>
                 <a:latin typeface="Times New Roman"/>
               </a:rPr>
-              <a:t>Закл</a:t>
-            </a:r>
-            <a:r>
-              <a:rPr b="0" lang="ru-RU" sz="3400" spc="-1" strike="noStrike">
-                <a:solidFill>
-                  <a:srgbClr val="000000"/>
-                </a:solidFill>
-                <a:latin typeface="Times New Roman"/>
-              </a:rPr>
-              <a:t>юче</a:t>
-            </a:r>
-            <a:r>
-              <a:rPr b="0" lang="ru-RU" sz="3400" spc="-1" strike="noStrike">
-                <a:solidFill>
-                  <a:srgbClr val="000000"/>
-                </a:solidFill>
-                <a:latin typeface="Times New Roman"/>
-              </a:rPr>
-              <a:t>ние</a:t>
+              <a:t>Заключение</a:t>
             </a:r>
             <a:r>
               <a:rPr b="0" lang="ru-RU" sz="3000" spc="-1" strike="noStrike">
@@ -12180,7 +8967,7 @@
       </p:sp>
       <p:sp>
         <p:nvSpPr>
-          <p:cNvPr id="211" name="PlaceHolder 2"/>
+          <p:cNvPr id="167" name="PlaceHolder 2"/>
           <p:cNvSpPr>
             <a:spLocks noGrp="1"/>
           </p:cNvSpPr>
@@ -12191,7 +8978,7 @@
         <p:spPr>
           <a:xfrm>
             <a:off x="680400" y="2366280"/>
-            <a:ext cx="10053360" cy="4093560"/>
+            <a:ext cx="10053000" cy="4093200"/>
           </a:xfrm>
           <a:prstGeom prst="rect">
             <a:avLst/>
@@ -12241,18 +9028,19 @@
             </a:endParaRPr>
           </a:p>
           <a:p>
-            <a:pPr lvl="1" marL="685800" indent="-228600">
+            <a:pPr lvl="1" marL="432000" indent="-216000">
               <a:lnSpc>
                 <a:spcPct val="90000"/>
               </a:lnSpc>
               <a:spcBef>
-                <a:spcPts val="499"/>
+                <a:spcPts val="1134"/>
               </a:spcBef>
               <a:buClr>
                 <a:srgbClr val="000000"/>
               </a:buClr>
-              <a:buFont typeface="Arial"/>
-              <a:buChar char="•"/>
+              <a:buSzPct val="45000"/>
+              <a:buFont typeface="Wingdings" charset="2"/>
+              <a:buChar char=""/>
               <a:tabLst>
                 <a:tab algn="l" pos="0"/>
               </a:tabLst>
@@ -12264,25 +9052,26 @@
                 </a:solidFill>
                 <a:latin typeface="Times New Roman"/>
               </a:rPr>
-              <a:t>описан список доступных к размещению на сцене моделей, а сами модели были формализованы; </a:t>
+              <a:t>проведён анализ алгоритмов построения реалистичных изображений;</a:t>
             </a:r>
             <a:endParaRPr b="0" lang="en-US" sz="2200" spc="-1" strike="noStrike">
               <a:latin typeface="Arial"/>
             </a:endParaRPr>
           </a:p>
           <a:p>
-            <a:pPr lvl="1" marL="685800" indent="-228600">
+            <a:pPr lvl="1" marL="432000" indent="-216000">
               <a:lnSpc>
                 <a:spcPct val="90000"/>
               </a:lnSpc>
               <a:spcBef>
-                <a:spcPts val="499"/>
+                <a:spcPts val="1134"/>
               </a:spcBef>
               <a:buClr>
                 <a:srgbClr val="000000"/>
               </a:buClr>
-              <a:buFont typeface="Arial"/>
-              <a:buChar char="•"/>
+              <a:buSzPct val="45000"/>
+              <a:buFont typeface="Wingdings" charset="2"/>
+              <a:buChar char=""/>
               <a:tabLst>
                 <a:tab algn="l" pos="0"/>
               </a:tabLst>
@@ -12294,25 +9083,26 @@
                 </a:solidFill>
                 <a:latin typeface="Times New Roman"/>
               </a:rPr>
-              <a:t>выбраны существующие алгоритмы компьютерной графики для визуализации сцены и объектов на ней; </a:t>
+              <a:t>разработан метод построения реалистичного изображения полого кусочка льда с жидкостью внутри;</a:t>
             </a:r>
             <a:endParaRPr b="0" lang="en-US" sz="2200" spc="-1" strike="noStrike">
               <a:latin typeface="Arial"/>
             </a:endParaRPr>
           </a:p>
           <a:p>
-            <a:pPr lvl="1" marL="685800" indent="-228600">
+            <a:pPr lvl="1" marL="432000" indent="-216000">
               <a:lnSpc>
                 <a:spcPct val="90000"/>
               </a:lnSpc>
               <a:spcBef>
-                <a:spcPts val="499"/>
+                <a:spcPts val="1134"/>
               </a:spcBef>
               <a:buClr>
                 <a:srgbClr val="000000"/>
               </a:buClr>
-              <a:buFont typeface="Arial"/>
-              <a:buChar char="•"/>
+              <a:buSzPct val="45000"/>
+              <a:buFont typeface="Wingdings" charset="2"/>
+              <a:buChar char=""/>
               <a:tabLst>
                 <a:tab algn="l" pos="0"/>
               </a:tabLst>
@@ -12324,25 +9114,26 @@
                 </a:solidFill>
                 <a:latin typeface="Times New Roman"/>
               </a:rPr>
-              <a:t>выбран язык программирования и среда разработки; </a:t>
+              <a:t>реализован метод построения реалистичного изображения полого кусочка льда с жидкостью внутри; </a:t>
             </a:r>
             <a:endParaRPr b="0" lang="en-US" sz="2200" spc="-1" strike="noStrike">
               <a:latin typeface="Arial"/>
             </a:endParaRPr>
           </a:p>
           <a:p>
-            <a:pPr lvl="1" marL="685800" indent="-228600">
+            <a:pPr lvl="1" marL="432000" indent="-216000">
               <a:lnSpc>
                 <a:spcPct val="90000"/>
               </a:lnSpc>
               <a:spcBef>
-                <a:spcPts val="499"/>
+                <a:spcPts val="1134"/>
               </a:spcBef>
               <a:buClr>
                 <a:srgbClr val="000000"/>
               </a:buClr>
-              <a:buFont typeface="Arial"/>
-              <a:buChar char="•"/>
+              <a:buSzPct val="45000"/>
+              <a:buFont typeface="Wingdings" charset="2"/>
+              <a:buChar char=""/>
               <a:tabLst>
                 <a:tab algn="l" pos="0"/>
               </a:tabLst>
@@ -12354,37 +9145,7 @@
                 </a:solidFill>
                 <a:latin typeface="Times New Roman"/>
               </a:rPr>
-              <a:t>реализованы выбранные алгоритмы визуализации; </a:t>
-            </a:r>
-            <a:endParaRPr b="0" lang="en-US" sz="2200" spc="-1" strike="noStrike">
-              <a:latin typeface="Arial"/>
-            </a:endParaRPr>
-          </a:p>
-          <a:p>
-            <a:pPr lvl="1" marL="685800" indent="-228600">
-              <a:lnSpc>
-                <a:spcPct val="90000"/>
-              </a:lnSpc>
-              <a:spcBef>
-                <a:spcPts val="499"/>
-              </a:spcBef>
-              <a:buClr>
-                <a:srgbClr val="000000"/>
-              </a:buClr>
-              <a:buFont typeface="Arial"/>
-              <a:buChar char="•"/>
-              <a:tabLst>
-                <a:tab algn="l" pos="0"/>
-              </a:tabLst>
-            </a:pPr>
-            <a:r>
-              <a:rPr b="0" lang="ru-RU" sz="2200" spc="-1" strike="noStrike">
-                <a:solidFill>
-                  <a:srgbClr val="000000"/>
-                </a:solidFill>
-                <a:latin typeface="Times New Roman"/>
-              </a:rPr>
-              <a:t>реализовано программное обеспечения для визуализации и редактирования городского пространства. </a:t>
+              <a:t>исследована зависимость времени выполнения однопоточной и многопоточной реализаций метода построения реалистичного изображения полого кусочка льда с жидкостью внутри от размера изображения.</a:t>
             </a:r>
             <a:endParaRPr b="0" lang="en-US" sz="2200" spc="-1" strike="noStrike">
               <a:latin typeface="Arial"/>
@@ -12450,7 +9211,7 @@
       </p:grpSpPr>
       <p:sp>
         <p:nvSpPr>
-          <p:cNvPr id="186" name="PlaceHolder 1"/>
+          <p:cNvPr id="142" name="PlaceHolder 1"/>
           <p:cNvSpPr>
             <a:spLocks noGrp="1"/>
           </p:cNvSpPr>
@@ -12461,7 +9222,7 @@
         <p:spPr>
           <a:xfrm>
             <a:off x="680400" y="753120"/>
-            <a:ext cx="9613080" cy="1080360"/>
+            <a:ext cx="9612720" cy="1080000"/>
           </a:xfrm>
           <a:prstGeom prst="rect">
             <a:avLst/>
@@ -12489,34 +9250,7 @@
                 </a:solidFill>
                 <a:latin typeface="Times New Roman"/>
               </a:rPr>
-              <a:t>Цел</a:t>
-            </a:r>
-            <a:r>
-              <a:rPr b="0" lang="ru-RU" sz="3400" spc="-1" strike="noStrike">
-                <a:solidFill>
-                  <a:srgbClr val="000000"/>
-                </a:solidFill>
-                <a:latin typeface="Times New Roman"/>
-              </a:rPr>
-              <a:t>ь и </a:t>
-            </a:r>
-            <a:r>
-              <a:rPr b="0" lang="ru-RU" sz="3400" spc="-1" strike="noStrike">
-                <a:solidFill>
-                  <a:srgbClr val="000000"/>
-                </a:solidFill>
-                <a:latin typeface="Times New Roman"/>
-              </a:rPr>
-              <a:t>зада</a:t>
-            </a:r>
-            <a:r>
-              <a:rPr b="0" lang="ru-RU" sz="3400" spc="-1" strike="noStrike">
-                <a:solidFill>
-                  <a:srgbClr val="000000"/>
-                </a:solidFill>
-                <a:latin typeface="Times New Roman"/>
-              </a:rPr>
-              <a:t>чи </a:t>
+              <a:t>Цель и задачи </a:t>
             </a:r>
             <a:endParaRPr b="0" lang="en-US" sz="3400" spc="-1" strike="noStrike">
               <a:latin typeface="Arial"/>
@@ -12526,7 +9260,7 @@
       </p:sp>
       <p:sp>
         <p:nvSpPr>
-          <p:cNvPr id="187" name="PlaceHolder 2"/>
+          <p:cNvPr id="143" name="PlaceHolder 2"/>
           <p:cNvSpPr>
             <a:spLocks noGrp="1"/>
           </p:cNvSpPr>
@@ -12537,7 +9271,7 @@
         <p:spPr>
           <a:xfrm>
             <a:off x="680400" y="2122200"/>
-            <a:ext cx="11268000" cy="4196160"/>
+            <a:ext cx="11267640" cy="4195800"/>
           </a:xfrm>
           <a:prstGeom prst="rect">
             <a:avLst/>
@@ -12589,16 +9323,7 @@
                 </a:solidFill>
                 <a:latin typeface="Times New Roman"/>
               </a:rPr>
-              <a:t>курсовой работы является разработка программного обеспечения, позволяющего </a:t>
-            </a:r>
-            <a:r>
-              <a:rPr b="0" lang="ru-RU" sz="2200" spc="-1" strike="noStrike">
-                <a:solidFill>
-                  <a:srgbClr val="000000"/>
-                </a:solidFill>
-                <a:latin typeface="Times New Roman"/>
-              </a:rPr>
-              <a:t>получить реалистичное изображение полого кусочка льда с жидкостью внутри.</a:t>
+              <a:t>курсовой работы является разработка программного обеспечения, позволяющего получить реалистичное изображение полого кусочка льда с жидкостью внутри.</a:t>
             </a:r>
             <a:endParaRPr b="0" lang="en-US" sz="2200" spc="-1" strike="noStrike">
               <a:latin typeface="Arial"/>
@@ -12684,16 +9409,7 @@
                 </a:solidFill>
                 <a:latin typeface="Times New Roman"/>
               </a:rPr>
-              <a:t>разработать метод построения реалистичного изображения полого кусочка льда с </a:t>
-            </a:r>
-            <a:r>
-              <a:rPr b="0" lang="en-US" sz="2200" spc="-1" strike="noStrike">
-                <a:solidFill>
-                  <a:srgbClr val="000000"/>
-                </a:solidFill>
-                <a:latin typeface="Times New Roman"/>
-              </a:rPr>
-              <a:t>жидкостью внутри;</a:t>
+              <a:t>разработать метод построения реалистичного изображения полого кусочка льда с жидкостью внутри;</a:t>
             </a:r>
             <a:endParaRPr b="0" lang="en-US" sz="2200" spc="-1" strike="noStrike">
               <a:latin typeface="Arial"/>
@@ -12723,16 +9439,7 @@
                 </a:solidFill>
                 <a:latin typeface="Times New Roman"/>
               </a:rPr>
-              <a:t>реализовать метод построения реалистичного изображения полого кусочка льда с </a:t>
-            </a:r>
-            <a:r>
-              <a:rPr b="0" lang="en-US" sz="2200" spc="-1" strike="noStrike">
-                <a:solidFill>
-                  <a:srgbClr val="000000"/>
-                </a:solidFill>
-                <a:latin typeface="Times New Roman"/>
-              </a:rPr>
-              <a:t>жидкостью внутри;</a:t>
+              <a:t>реализовать метод построения реалистичного изображения полого кусочка льда с жидкостью внутри;</a:t>
             </a:r>
             <a:endParaRPr b="0" lang="en-US" sz="2200" spc="-1" strike="noStrike">
               <a:latin typeface="Arial"/>
@@ -12762,25 +9469,7 @@
                 </a:solidFill>
                 <a:latin typeface="Times New Roman"/>
               </a:rPr>
-              <a:t>исследовать зависимость времени выполнения однопоточной и многопоточной </a:t>
-            </a:r>
-            <a:r>
-              <a:rPr b="0" lang="ru-RU" sz="2200" spc="-1" strike="noStrike">
-                <a:solidFill>
-                  <a:srgbClr val="000000"/>
-                </a:solidFill>
-                <a:latin typeface="Times New Roman"/>
-              </a:rPr>
-              <a:t>реализаций метода построения реалистичного изображения полого кусочка льда с </a:t>
-            </a:r>
-            <a:r>
-              <a:rPr b="0" lang="ru-RU" sz="2200" spc="-1" strike="noStrike">
-                <a:solidFill>
-                  <a:srgbClr val="000000"/>
-                </a:solidFill>
-                <a:latin typeface="Times New Roman"/>
-              </a:rPr>
-              <a:t>жидкостью внутри от размера изображения. </a:t>
+              <a:t>исследовать зависимость времени выполнения однопоточной и многопоточной реализаций метода построения реалистичного изображения полого кусочка льда с жидкостью внутри от размера изображения. </a:t>
             </a:r>
             <a:endParaRPr b="0" lang="en-US" sz="2200" spc="-1" strike="noStrike">
               <a:latin typeface="Arial"/>
@@ -12854,7 +9543,7 @@
       </p:grpSpPr>
       <p:sp>
         <p:nvSpPr>
-          <p:cNvPr id="188" name="PlaceHolder 1"/>
+          <p:cNvPr id="144" name="PlaceHolder 1"/>
           <p:cNvSpPr>
             <a:spLocks noGrp="1"/>
           </p:cNvSpPr>
@@ -12865,7 +9554,7 @@
         <p:spPr>
           <a:xfrm>
             <a:off x="680400" y="753120"/>
-            <a:ext cx="9613080" cy="1080360"/>
+            <a:ext cx="9612720" cy="1080000"/>
           </a:xfrm>
           <a:prstGeom prst="rect">
             <a:avLst/>
@@ -12893,97 +9582,7 @@
                 </a:solidFill>
                 <a:latin typeface="Times New Roman"/>
               </a:rPr>
-              <a:t>Опи</a:t>
-            </a:r>
-            <a:r>
-              <a:rPr b="0" lang="ru-RU" sz="3400" spc="-1" strike="noStrike">
-                <a:solidFill>
-                  <a:srgbClr val="000000"/>
-                </a:solidFill>
-                <a:latin typeface="Times New Roman"/>
-              </a:rPr>
-              <a:t>сани</a:t>
-            </a:r>
-            <a:r>
-              <a:rPr b="0" lang="ru-RU" sz="3400" spc="-1" strike="noStrike">
-                <a:solidFill>
-                  <a:srgbClr val="000000"/>
-                </a:solidFill>
-                <a:latin typeface="Times New Roman"/>
-              </a:rPr>
-              <a:t>е и </a:t>
-            </a:r>
-            <a:r>
-              <a:rPr b="0" lang="ru-RU" sz="3400" spc="-1" strike="noStrike">
-                <a:solidFill>
-                  <a:srgbClr val="000000"/>
-                </a:solidFill>
-                <a:latin typeface="Times New Roman"/>
-              </a:rPr>
-              <a:t>фор</a:t>
-            </a:r>
-            <a:r>
-              <a:rPr b="0" lang="ru-RU" sz="3400" spc="-1" strike="noStrike">
-                <a:solidFill>
-                  <a:srgbClr val="000000"/>
-                </a:solidFill>
-                <a:latin typeface="Times New Roman"/>
-              </a:rPr>
-              <a:t>мал</a:t>
-            </a:r>
-            <a:r>
-              <a:rPr b="0" lang="ru-RU" sz="3400" spc="-1" strike="noStrike">
-                <a:solidFill>
-                  <a:srgbClr val="000000"/>
-                </a:solidFill>
-                <a:latin typeface="Times New Roman"/>
-              </a:rPr>
-              <a:t>изац</a:t>
-            </a:r>
-            <a:r>
-              <a:rPr b="0" lang="ru-RU" sz="3400" spc="-1" strike="noStrike">
-                <a:solidFill>
-                  <a:srgbClr val="000000"/>
-                </a:solidFill>
-                <a:latin typeface="Times New Roman"/>
-              </a:rPr>
-              <a:t>ия </a:t>
-            </a:r>
-            <a:r>
-              <a:rPr b="0" lang="ru-RU" sz="3400" spc="-1" strike="noStrike">
-                <a:solidFill>
-                  <a:srgbClr val="000000"/>
-                </a:solidFill>
-                <a:latin typeface="Times New Roman"/>
-              </a:rPr>
-              <a:t>объе</a:t>
-            </a:r>
-            <a:r>
-              <a:rPr b="0" lang="ru-RU" sz="3400" spc="-1" strike="noStrike">
-                <a:solidFill>
-                  <a:srgbClr val="000000"/>
-                </a:solidFill>
-                <a:latin typeface="Times New Roman"/>
-              </a:rPr>
-              <a:t>ктов </a:t>
-            </a:r>
-            <a:r>
-              <a:rPr b="0" lang="ru-RU" sz="3400" spc="-1" strike="noStrike">
-                <a:solidFill>
-                  <a:srgbClr val="000000"/>
-                </a:solidFill>
-                <a:latin typeface="Times New Roman"/>
-              </a:rPr>
-              <a:t>сцен</a:t>
-            </a:r>
-            <a:r>
-              <a:rPr b="0" lang="ru-RU" sz="3400" spc="-1" strike="noStrike">
-                <a:solidFill>
-                  <a:srgbClr val="000000"/>
-                </a:solidFill>
-                <a:latin typeface="Times New Roman"/>
-              </a:rPr>
-              <a:t>ы </a:t>
+              <a:t>Описание и формализация объектов сцены </a:t>
             </a:r>
             <a:endParaRPr b="0" lang="en-US" sz="3400" spc="-1" strike="noStrike">
               <a:latin typeface="Arial"/>
@@ -12993,7 +9592,7 @@
       </p:sp>
       <p:sp>
         <p:nvSpPr>
-          <p:cNvPr id="189" name="PlaceHolder 2"/>
+          <p:cNvPr id="145" name="PlaceHolder 2"/>
           <p:cNvSpPr>
             <a:spLocks noGrp="1"/>
           </p:cNvSpPr>
@@ -13004,7 +9603,7 @@
         <p:spPr>
           <a:xfrm>
             <a:off x="680400" y="2117520"/>
-            <a:ext cx="7548840" cy="3075840"/>
+            <a:ext cx="7548480" cy="3075480"/>
           </a:xfrm>
           <a:prstGeom prst="rect">
             <a:avLst/>
@@ -13155,7 +9754,7 @@
       </p:sp>
       <p:pic>
         <p:nvPicPr>
-          <p:cNvPr id="190" name="" descr=""/>
+          <p:cNvPr id="146" name="" descr=""/>
           <p:cNvPicPr/>
           <p:nvPr/>
         </p:nvPicPr>
@@ -13166,7 +9765,7 @@
         <p:spPr>
           <a:xfrm>
             <a:off x="8001000" y="2704680"/>
-            <a:ext cx="3696120" cy="3696120"/>
+            <a:ext cx="3695760" cy="3695760"/>
           </a:xfrm>
           <a:prstGeom prst="rect">
             <a:avLst/>
@@ -13208,7 +9807,7 @@
       </p:grpSpPr>
       <p:sp>
         <p:nvSpPr>
-          <p:cNvPr id="191" name="PlaceHolder 1"/>
+          <p:cNvPr id="147" name="PlaceHolder 1"/>
           <p:cNvSpPr>
             <a:spLocks noGrp="1"/>
           </p:cNvSpPr>
@@ -13219,7 +9818,7 @@
         <p:spPr>
           <a:xfrm>
             <a:off x="680400" y="753120"/>
-            <a:ext cx="9613080" cy="1080360"/>
+            <a:ext cx="9612720" cy="1080000"/>
           </a:xfrm>
           <a:prstGeom prst="rect">
             <a:avLst/>
@@ -13247,70 +9846,7 @@
                 </a:solidFill>
                 <a:latin typeface="Times New Roman"/>
               </a:rPr>
-              <a:t>Алг</a:t>
-            </a:r>
-            <a:r>
-              <a:rPr b="0" lang="ru-RU" sz="3400" spc="-1" strike="noStrike">
-                <a:solidFill>
-                  <a:srgbClr val="000000"/>
-                </a:solidFill>
-                <a:latin typeface="Times New Roman"/>
-              </a:rPr>
-              <a:t>орит</a:t>
-            </a:r>
-            <a:r>
-              <a:rPr b="0" lang="ru-RU" sz="3400" spc="-1" strike="noStrike">
-                <a:solidFill>
-                  <a:srgbClr val="000000"/>
-                </a:solidFill>
-                <a:latin typeface="Times New Roman"/>
-              </a:rPr>
-              <a:t>мы </a:t>
-            </a:r>
-            <a:r>
-              <a:rPr b="0" lang="ru-RU" sz="3400" spc="-1" strike="noStrike">
-                <a:solidFill>
-                  <a:srgbClr val="000000"/>
-                </a:solidFill>
-                <a:latin typeface="Times New Roman"/>
-              </a:rPr>
-              <a:t>трёх</a:t>
-            </a:r>
-            <a:r>
-              <a:rPr b="0" lang="ru-RU" sz="3400" spc="-1" strike="noStrike">
-                <a:solidFill>
-                  <a:srgbClr val="000000"/>
-                </a:solidFill>
-                <a:latin typeface="Times New Roman"/>
-              </a:rPr>
-              <a:t>мер</a:t>
-            </a:r>
-            <a:r>
-              <a:rPr b="0" lang="ru-RU" sz="3400" spc="-1" strike="noStrike">
-                <a:solidFill>
-                  <a:srgbClr val="000000"/>
-                </a:solidFill>
-                <a:latin typeface="Times New Roman"/>
-              </a:rPr>
-              <a:t>ной </a:t>
-            </a:r>
-            <a:r>
-              <a:rPr b="0" lang="ru-RU" sz="3400" spc="-1" strike="noStrike">
-                <a:solidFill>
-                  <a:srgbClr val="000000"/>
-                </a:solidFill>
-                <a:latin typeface="Times New Roman"/>
-              </a:rPr>
-              <a:t>граф</a:t>
-            </a:r>
-            <a:r>
-              <a:rPr b="0" lang="ru-RU" sz="3400" spc="-1" strike="noStrike">
-                <a:solidFill>
-                  <a:srgbClr val="000000"/>
-                </a:solidFill>
-                <a:latin typeface="Times New Roman"/>
-              </a:rPr>
-              <a:t>ики</a:t>
+              <a:t>Алгоритмы трёхмерной графики</a:t>
             </a:r>
             <a:endParaRPr b="0" lang="en-US" sz="3400" spc="-1" strike="noStrike">
               <a:latin typeface="Arial"/>
@@ -13320,7 +9856,7 @@
       </p:sp>
       <p:sp>
         <p:nvSpPr>
-          <p:cNvPr id="192" name="PlaceHolder 2"/>
+          <p:cNvPr id="148" name="PlaceHolder 2"/>
           <p:cNvSpPr>
             <a:spLocks noGrp="1"/>
           </p:cNvSpPr>
@@ -13331,7 +9867,7 @@
         <p:spPr>
           <a:xfrm>
             <a:off x="680400" y="2117520"/>
-            <a:ext cx="7548840" cy="3075840"/>
+            <a:ext cx="7548480" cy="3075480"/>
           </a:xfrm>
           <a:prstGeom prst="rect">
             <a:avLst/>
@@ -13392,7 +9928,7 @@
       </p:sp>
       <p:pic>
         <p:nvPicPr>
-          <p:cNvPr id="193" name="" descr=""/>
+          <p:cNvPr id="149" name="" descr=""/>
           <p:cNvPicPr/>
           <p:nvPr/>
         </p:nvPicPr>
@@ -13403,7 +9939,7 @@
         <p:spPr>
           <a:xfrm>
             <a:off x="7544520" y="3810600"/>
-            <a:ext cx="3885480" cy="2590200"/>
+            <a:ext cx="3885120" cy="2589840"/>
           </a:xfrm>
           <a:prstGeom prst="rect">
             <a:avLst/>
@@ -13445,7 +9981,7 @@
       </p:grpSpPr>
       <p:sp>
         <p:nvSpPr>
-          <p:cNvPr id="194" name="PlaceHolder 1"/>
+          <p:cNvPr id="150" name="PlaceHolder 1"/>
           <p:cNvSpPr>
             <a:spLocks noGrp="1"/>
           </p:cNvSpPr>
@@ -13456,7 +9992,7 @@
         <p:spPr>
           <a:xfrm>
             <a:off x="680400" y="753120"/>
-            <a:ext cx="9613080" cy="1080360"/>
+            <a:ext cx="9612720" cy="1080000"/>
           </a:xfrm>
           <a:prstGeom prst="rect">
             <a:avLst/>
@@ -13484,34 +10020,7 @@
                 </a:solidFill>
                 <a:latin typeface="Times New Roman"/>
               </a:rPr>
-              <a:t>Треб</a:t>
-            </a:r>
-            <a:r>
-              <a:rPr b="0" lang="ru-RU" sz="3000" spc="-1" strike="noStrike">
-                <a:solidFill>
-                  <a:srgbClr val="000000"/>
-                </a:solidFill>
-                <a:latin typeface="Times New Roman"/>
-              </a:rPr>
-              <a:t>ован</a:t>
-            </a:r>
-            <a:r>
-              <a:rPr b="0" lang="ru-RU" sz="3000" spc="-1" strike="noStrike">
-                <a:solidFill>
-                  <a:srgbClr val="000000"/>
-                </a:solidFill>
-                <a:latin typeface="Times New Roman"/>
-              </a:rPr>
-              <a:t>ия к </a:t>
-            </a:r>
-            <a:r>
-              <a:rPr b="0" lang="ru-RU" sz="3000" spc="-1" strike="noStrike">
-                <a:solidFill>
-                  <a:srgbClr val="000000"/>
-                </a:solidFill>
-                <a:latin typeface="Times New Roman"/>
-              </a:rPr>
-              <a:t>ПО</a:t>
+              <a:t>Требования к ПО</a:t>
             </a:r>
             <a:endParaRPr b="0" lang="en-US" sz="3000" spc="-1" strike="noStrike">
               <a:latin typeface="Arial"/>
@@ -13521,7 +10030,7 @@
       </p:sp>
       <p:pic>
         <p:nvPicPr>
-          <p:cNvPr id="195" name="" descr=""/>
+          <p:cNvPr id="151" name="" descr=""/>
           <p:cNvPicPr/>
           <p:nvPr/>
         </p:nvPicPr>
@@ -13532,7 +10041,7 @@
         <p:spPr>
           <a:xfrm>
             <a:off x="1600200" y="2971800"/>
-            <a:ext cx="9372600" cy="1905480"/>
+            <a:ext cx="9372240" cy="1905120"/>
           </a:xfrm>
           <a:prstGeom prst="rect">
             <a:avLst/>
@@ -13574,7 +10083,7 @@
       </p:grpSpPr>
       <p:sp>
         <p:nvSpPr>
-          <p:cNvPr id="196" name="PlaceHolder 1"/>
+          <p:cNvPr id="152" name="PlaceHolder 1"/>
           <p:cNvSpPr>
             <a:spLocks noGrp="1"/>
           </p:cNvSpPr>
@@ -13585,7 +10094,7 @@
         <p:spPr>
           <a:xfrm>
             <a:off x="680400" y="753120"/>
-            <a:ext cx="9613080" cy="1080360"/>
+            <a:ext cx="9612720" cy="1080000"/>
           </a:xfrm>
           <a:prstGeom prst="rect">
             <a:avLst/>
@@ -13613,88 +10122,7 @@
                 </a:solidFill>
                 <a:latin typeface="Times New Roman"/>
               </a:rPr>
-              <a:t>При</a:t>
-            </a:r>
-            <a:r>
-              <a:rPr b="0" lang="ru-RU" sz="3000" spc="-1" strike="noStrike">
-                <a:solidFill>
-                  <a:srgbClr val="000000"/>
-                </a:solidFill>
-                <a:latin typeface="Times New Roman"/>
-              </a:rPr>
-              <a:t>меры </a:t>
-            </a:r>
-            <a:r>
-              <a:rPr b="0" lang="ru-RU" sz="3000" spc="-1" strike="noStrike">
-                <a:solidFill>
-                  <a:srgbClr val="000000"/>
-                </a:solidFill>
-                <a:latin typeface="Times New Roman"/>
-              </a:rPr>
-              <a:t>рабо</a:t>
-            </a:r>
-            <a:r>
-              <a:rPr b="0" lang="ru-RU" sz="3000" spc="-1" strike="noStrike">
-                <a:solidFill>
-                  <a:srgbClr val="000000"/>
-                </a:solidFill>
-                <a:latin typeface="Times New Roman"/>
-              </a:rPr>
-              <a:t>ты </a:t>
-            </a:r>
-            <a:r>
-              <a:rPr b="0" lang="ru-RU" sz="3000" spc="-1" strike="noStrike">
-                <a:solidFill>
-                  <a:srgbClr val="000000"/>
-                </a:solidFill>
-                <a:latin typeface="Times New Roman"/>
-              </a:rPr>
-              <a:t>прог</a:t>
-            </a:r>
-            <a:r>
-              <a:rPr b="0" lang="ru-RU" sz="3000" spc="-1" strike="noStrike">
-                <a:solidFill>
-                  <a:srgbClr val="000000"/>
-                </a:solidFill>
-                <a:latin typeface="Times New Roman"/>
-              </a:rPr>
-              <a:t>рамм</a:t>
-            </a:r>
-            <a:r>
-              <a:rPr b="0" lang="ru-RU" sz="3000" spc="-1" strike="noStrike">
-                <a:solidFill>
-                  <a:srgbClr val="000000"/>
-                </a:solidFill>
-                <a:latin typeface="Times New Roman"/>
-              </a:rPr>
-              <a:t>ного </a:t>
-            </a:r>
-            <a:r>
-              <a:rPr b="0" lang="ru-RU" sz="3000" spc="-1" strike="noStrike">
-                <a:solidFill>
-                  <a:srgbClr val="000000"/>
-                </a:solidFill>
-                <a:latin typeface="Times New Roman"/>
-              </a:rPr>
-              <a:t>обес</a:t>
-            </a:r>
-            <a:r>
-              <a:rPr b="0" lang="ru-RU" sz="3000" spc="-1" strike="noStrike">
-                <a:solidFill>
-                  <a:srgbClr val="000000"/>
-                </a:solidFill>
-                <a:latin typeface="Times New Roman"/>
-              </a:rPr>
-              <a:t>пече</a:t>
-            </a:r>
-            <a:r>
-              <a:rPr b="0" lang="ru-RU" sz="3000" spc="-1" strike="noStrike">
-                <a:solidFill>
-                  <a:srgbClr val="000000"/>
-                </a:solidFill>
-                <a:latin typeface="Times New Roman"/>
-              </a:rPr>
-              <a:t>ния</a:t>
+              <a:t>Примеры работы программного обеспечения</a:t>
             </a:r>
             <a:endParaRPr b="0" lang="en-US" sz="3000" spc="-1" strike="noStrike">
               <a:latin typeface="Arial"/>
@@ -13704,7 +10132,7 @@
       </p:sp>
       <p:pic>
         <p:nvPicPr>
-          <p:cNvPr id="197" name="" descr=""/>
+          <p:cNvPr id="153" name="" descr=""/>
           <p:cNvPicPr/>
           <p:nvPr/>
         </p:nvPicPr>
@@ -13715,7 +10143,7 @@
         <p:spPr>
           <a:xfrm>
             <a:off x="1371600" y="2057400"/>
-            <a:ext cx="4467240" cy="4467240"/>
+            <a:ext cx="4466880" cy="4466880"/>
           </a:xfrm>
           <a:prstGeom prst="rect">
             <a:avLst/>
@@ -13727,7 +10155,7 @@
       </p:pic>
       <p:pic>
         <p:nvPicPr>
-          <p:cNvPr id="198" name="" descr=""/>
+          <p:cNvPr id="154" name="" descr=""/>
           <p:cNvPicPr/>
           <p:nvPr/>
         </p:nvPicPr>
@@ -13738,7 +10166,7 @@
         <p:spPr>
           <a:xfrm>
             <a:off x="6505560" y="2057400"/>
-            <a:ext cx="4467240" cy="4467240"/>
+            <a:ext cx="4466880" cy="4466880"/>
           </a:xfrm>
           <a:prstGeom prst="rect">
             <a:avLst/>
@@ -13780,7 +10208,7 @@
       </p:grpSpPr>
       <p:sp>
         <p:nvSpPr>
-          <p:cNvPr id="199" name="PlaceHolder 1"/>
+          <p:cNvPr id="155" name="PlaceHolder 1"/>
           <p:cNvSpPr>
             <a:spLocks noGrp="1"/>
           </p:cNvSpPr>
@@ -13791,7 +10219,7 @@
         <p:spPr>
           <a:xfrm>
             <a:off x="680400" y="753120"/>
-            <a:ext cx="9613080" cy="1080360"/>
+            <a:ext cx="9612720" cy="1080000"/>
           </a:xfrm>
           <a:prstGeom prst="rect">
             <a:avLst/>
@@ -13819,88 +10247,7 @@
                 </a:solidFill>
                 <a:latin typeface="Times New Roman"/>
               </a:rPr>
-              <a:t>При</a:t>
-            </a:r>
-            <a:r>
-              <a:rPr b="0" lang="ru-RU" sz="3000" spc="-1" strike="noStrike">
-                <a:solidFill>
-                  <a:srgbClr val="000000"/>
-                </a:solidFill>
-                <a:latin typeface="Times New Roman"/>
-              </a:rPr>
-              <a:t>меры </a:t>
-            </a:r>
-            <a:r>
-              <a:rPr b="0" lang="ru-RU" sz="3000" spc="-1" strike="noStrike">
-                <a:solidFill>
-                  <a:srgbClr val="000000"/>
-                </a:solidFill>
-                <a:latin typeface="Times New Roman"/>
-              </a:rPr>
-              <a:t>рабо</a:t>
-            </a:r>
-            <a:r>
-              <a:rPr b="0" lang="ru-RU" sz="3000" spc="-1" strike="noStrike">
-                <a:solidFill>
-                  <a:srgbClr val="000000"/>
-                </a:solidFill>
-                <a:latin typeface="Times New Roman"/>
-              </a:rPr>
-              <a:t>ты </a:t>
-            </a:r>
-            <a:r>
-              <a:rPr b="0" lang="ru-RU" sz="3000" spc="-1" strike="noStrike">
-                <a:solidFill>
-                  <a:srgbClr val="000000"/>
-                </a:solidFill>
-                <a:latin typeface="Times New Roman"/>
-              </a:rPr>
-              <a:t>прог</a:t>
-            </a:r>
-            <a:r>
-              <a:rPr b="0" lang="ru-RU" sz="3000" spc="-1" strike="noStrike">
-                <a:solidFill>
-                  <a:srgbClr val="000000"/>
-                </a:solidFill>
-                <a:latin typeface="Times New Roman"/>
-              </a:rPr>
-              <a:t>рамм</a:t>
-            </a:r>
-            <a:r>
-              <a:rPr b="0" lang="ru-RU" sz="3000" spc="-1" strike="noStrike">
-                <a:solidFill>
-                  <a:srgbClr val="000000"/>
-                </a:solidFill>
-                <a:latin typeface="Times New Roman"/>
-              </a:rPr>
-              <a:t>ного </a:t>
-            </a:r>
-            <a:r>
-              <a:rPr b="0" lang="ru-RU" sz="3000" spc="-1" strike="noStrike">
-                <a:solidFill>
-                  <a:srgbClr val="000000"/>
-                </a:solidFill>
-                <a:latin typeface="Times New Roman"/>
-              </a:rPr>
-              <a:t>обес</a:t>
-            </a:r>
-            <a:r>
-              <a:rPr b="0" lang="ru-RU" sz="3000" spc="-1" strike="noStrike">
-                <a:solidFill>
-                  <a:srgbClr val="000000"/>
-                </a:solidFill>
-                <a:latin typeface="Times New Roman"/>
-              </a:rPr>
-              <a:t>пече</a:t>
-            </a:r>
-            <a:r>
-              <a:rPr b="0" lang="ru-RU" sz="3000" spc="-1" strike="noStrike">
-                <a:solidFill>
-                  <a:srgbClr val="000000"/>
-                </a:solidFill>
-                <a:latin typeface="Times New Roman"/>
-              </a:rPr>
-              <a:t>ния</a:t>
+              <a:t>Примеры работы программного обеспечения</a:t>
             </a:r>
             <a:endParaRPr b="0" lang="en-US" sz="3000" spc="-1" strike="noStrike">
               <a:latin typeface="Arial"/>
@@ -13910,7 +10257,7 @@
       </p:sp>
       <p:pic>
         <p:nvPicPr>
-          <p:cNvPr id="200" name="" descr=""/>
+          <p:cNvPr id="156" name="" descr=""/>
           <p:cNvPicPr/>
           <p:nvPr/>
         </p:nvPicPr>
@@ -13921,7 +10268,7 @@
         <p:spPr>
           <a:xfrm>
             <a:off x="1371600" y="2057400"/>
-            <a:ext cx="4467240" cy="4467240"/>
+            <a:ext cx="4466880" cy="4466880"/>
           </a:xfrm>
           <a:prstGeom prst="rect">
             <a:avLst/>
@@ -13933,7 +10280,7 @@
       </p:pic>
       <p:pic>
         <p:nvPicPr>
-          <p:cNvPr id="201" name="" descr=""/>
+          <p:cNvPr id="157" name="" descr=""/>
           <p:cNvPicPr/>
           <p:nvPr/>
         </p:nvPicPr>
@@ -13944,7 +10291,7 @@
         <p:spPr>
           <a:xfrm>
             <a:off x="6505560" y="2057400"/>
-            <a:ext cx="4467240" cy="4467240"/>
+            <a:ext cx="4466880" cy="4466880"/>
           </a:xfrm>
           <a:prstGeom prst="rect">
             <a:avLst/>
@@ -13986,7 +10333,7 @@
       </p:grpSpPr>
       <p:sp>
         <p:nvSpPr>
-          <p:cNvPr id="202" name="PlaceHolder 1"/>
+          <p:cNvPr id="158" name="PlaceHolder 1"/>
           <p:cNvSpPr>
             <a:spLocks noGrp="1"/>
           </p:cNvSpPr>
@@ -13997,7 +10344,7 @@
         <p:spPr>
           <a:xfrm>
             <a:off x="680400" y="753120"/>
-            <a:ext cx="9613080" cy="1080360"/>
+            <a:ext cx="9612720" cy="1080000"/>
           </a:xfrm>
           <a:prstGeom prst="rect">
             <a:avLst/>
@@ -14025,52 +10372,7 @@
                 </a:solidFill>
                 <a:latin typeface="Times New Roman"/>
               </a:rPr>
-              <a:t>Про</a:t>
-            </a:r>
-            <a:r>
-              <a:rPr b="0" lang="ru-RU" sz="3400" spc="-1" strike="noStrike">
-                <a:solidFill>
-                  <a:srgbClr val="000000"/>
-                </a:solidFill>
-                <a:latin typeface="Times New Roman"/>
-              </a:rPr>
-              <a:t>веде</a:t>
-            </a:r>
-            <a:r>
-              <a:rPr b="0" lang="ru-RU" sz="3400" spc="-1" strike="noStrike">
-                <a:solidFill>
-                  <a:srgbClr val="000000"/>
-                </a:solidFill>
-                <a:latin typeface="Times New Roman"/>
-              </a:rPr>
-              <a:t>ние </a:t>
-            </a:r>
-            <a:r>
-              <a:rPr b="0" lang="ru-RU" sz="3400" spc="-1" strike="noStrike">
-                <a:solidFill>
-                  <a:srgbClr val="000000"/>
-                </a:solidFill>
-                <a:latin typeface="Times New Roman"/>
-              </a:rPr>
-              <a:t>иссл</a:t>
-            </a:r>
-            <a:r>
-              <a:rPr b="0" lang="ru-RU" sz="3400" spc="-1" strike="noStrike">
-                <a:solidFill>
-                  <a:srgbClr val="000000"/>
-                </a:solidFill>
-                <a:latin typeface="Times New Roman"/>
-              </a:rPr>
-              <a:t>едов</a:t>
-            </a:r>
-            <a:r>
-              <a:rPr b="0" lang="ru-RU" sz="3400" spc="-1" strike="noStrike">
-                <a:solidFill>
-                  <a:srgbClr val="000000"/>
-                </a:solidFill>
-                <a:latin typeface="Times New Roman"/>
-              </a:rPr>
-              <a:t>ания </a:t>
+              <a:t>Проведение исследования </a:t>
             </a:r>
             <a:endParaRPr b="0" lang="en-US" sz="3400" spc="-1" strike="noStrike">
               <a:latin typeface="Arial"/>
@@ -14080,13 +10382,13 @@
       </p:sp>
       <p:graphicFrame>
         <p:nvGraphicFramePr>
-          <p:cNvPr id="203" name="Таблица 9"/>
+          <p:cNvPr id="159" name="Таблица 9"/>
           <p:cNvGraphicFramePr/>
           <p:nvPr/>
         </p:nvGraphicFramePr>
         <p:xfrm>
           <a:off x="1720800" y="3025440"/>
-          <a:ext cx="8540280" cy="4487400"/>
+          <a:ext cx="8540280" cy="1727640"/>
         </p:xfrm>
         <a:graphic>
           <a:graphicData uri="http://schemas.openxmlformats.org/drawingml/2006/table">
@@ -14101,7 +10403,7 @@
                 <a:gridCol w="1004400"/>
                 <a:gridCol w="1073880"/>
               </a:tblGrid>
-              <a:tr h="216000">
+              <a:tr h="543240">
                 <a:tc rowSpan="2">
                   <a:txBody>
                     <a:bodyPr anchor="t">
@@ -14368,7 +10670,7 @@
                   </a:tcPr>
                 </a:tc>
               </a:tr>
-              <a:tr h="216000">
+              <a:tr h="994680">
                 <a:tc vMerge="1">
                   <a:tcPr anchor="t" marL="90000" marR="90000">
                     <a:lnL>
@@ -14683,7 +10985,7 @@
                   </a:tcPr>
                 </a:tc>
               </a:tr>
-              <a:tr h="216000">
+              <a:tr h="317520">
                 <a:tc>
                   <a:txBody>
                     <a:bodyPr anchor="t">
@@ -15070,7 +11372,7 @@
                   </a:tcPr>
                 </a:tc>
               </a:tr>
-              <a:tr h="216000">
+              <a:tr h="317520">
                 <a:tc>
                   <a:txBody>
                     <a:bodyPr anchor="t">
@@ -15457,7 +11759,7 @@
                   </a:tcPr>
                 </a:tc>
               </a:tr>
-              <a:tr h="216000">
+              <a:tr h="317520">
                 <a:tc>
                   <a:txBody>
                     <a:bodyPr anchor="t">
@@ -15844,7 +12146,7 @@
                   </a:tcPr>
                 </a:tc>
               </a:tr>
-              <a:tr h="216000">
+              <a:tr h="317520">
                 <a:tc>
                   <a:txBody>
                     <a:bodyPr anchor="t">
@@ -16231,7 +12533,7 @@
                   </a:tcPr>
                 </a:tc>
               </a:tr>
-              <a:tr h="216000">
+              <a:tr h="317520">
                 <a:tc>
                   <a:txBody>
                     <a:bodyPr anchor="t">
@@ -16618,7 +12920,7 @@
                   </a:tcPr>
                 </a:tc>
               </a:tr>
-              <a:tr h="216000">
+              <a:tr h="317520">
                 <a:tc>
                   <a:txBody>
                     <a:bodyPr anchor="t">
@@ -17011,14 +13313,14 @@
       </p:graphicFrame>
       <p:sp>
         <p:nvSpPr>
-          <p:cNvPr id="204" name="PlaceHolder 6"/>
-          <p:cNvSpPr txBox="1"/>
+          <p:cNvPr id="160" name="PlaceHolder 6"/>
+          <p:cNvSpPr/>
           <p:nvPr/>
         </p:nvSpPr>
         <p:spPr>
           <a:xfrm>
             <a:off x="685800" y="2117520"/>
-            <a:ext cx="10972800" cy="1082880"/>
+            <a:ext cx="10972440" cy="1082520"/>
           </a:xfrm>
           <a:prstGeom prst="rect">
             <a:avLst/>
@@ -17028,6 +13330,12 @@
             <a:noFill/>
           </a:ln>
         </p:spPr>
+        <p:style>
+          <a:lnRef idx="0"/>
+          <a:fillRef idx="0"/>
+          <a:effectRef idx="0"/>
+          <a:fontRef idx="minor"/>
+        </p:style>
         <p:txBody>
           <a:bodyPr lIns="90000" rIns="90000" tIns="45000" bIns="45000" anchor="t">
             <a:noAutofit/>
@@ -17109,7 +13417,7 @@
       </p:grpSpPr>
       <p:sp>
         <p:nvSpPr>
-          <p:cNvPr id="205" name="PlaceHolder 1"/>
+          <p:cNvPr id="161" name="PlaceHolder 1"/>
           <p:cNvSpPr>
             <a:spLocks noGrp="1"/>
           </p:cNvSpPr>
@@ -17120,7 +13428,7 @@
         <p:spPr>
           <a:xfrm>
             <a:off x="680400" y="753120"/>
-            <a:ext cx="9613080" cy="1080360"/>
+            <a:ext cx="9612720" cy="1080000"/>
           </a:xfrm>
           <a:prstGeom prst="rect">
             <a:avLst/>
@@ -17148,52 +13456,7 @@
                 </a:solidFill>
                 <a:latin typeface="Times New Roman"/>
               </a:rPr>
-              <a:t>Про</a:t>
-            </a:r>
-            <a:r>
-              <a:rPr b="0" lang="ru-RU" sz="3400" spc="-1" strike="noStrike">
-                <a:solidFill>
-                  <a:srgbClr val="000000"/>
-                </a:solidFill>
-                <a:latin typeface="Times New Roman"/>
-              </a:rPr>
-              <a:t>веде</a:t>
-            </a:r>
-            <a:r>
-              <a:rPr b="0" lang="ru-RU" sz="3400" spc="-1" strike="noStrike">
-                <a:solidFill>
-                  <a:srgbClr val="000000"/>
-                </a:solidFill>
-                <a:latin typeface="Times New Roman"/>
-              </a:rPr>
-              <a:t>ние </a:t>
-            </a:r>
-            <a:r>
-              <a:rPr b="0" lang="ru-RU" sz="3400" spc="-1" strike="noStrike">
-                <a:solidFill>
-                  <a:srgbClr val="000000"/>
-                </a:solidFill>
-                <a:latin typeface="Times New Roman"/>
-              </a:rPr>
-              <a:t>иссл</a:t>
-            </a:r>
-            <a:r>
-              <a:rPr b="0" lang="ru-RU" sz="3400" spc="-1" strike="noStrike">
-                <a:solidFill>
-                  <a:srgbClr val="000000"/>
-                </a:solidFill>
-                <a:latin typeface="Times New Roman"/>
-              </a:rPr>
-              <a:t>едов</a:t>
-            </a:r>
-            <a:r>
-              <a:rPr b="0" lang="ru-RU" sz="3400" spc="-1" strike="noStrike">
-                <a:solidFill>
-                  <a:srgbClr val="000000"/>
-                </a:solidFill>
-                <a:latin typeface="Times New Roman"/>
-              </a:rPr>
-              <a:t>ания </a:t>
+              <a:t>Проведение исследования </a:t>
             </a:r>
             <a:endParaRPr b="0" lang="en-US" sz="3400" spc="-1" strike="noStrike">
               <a:latin typeface="Arial"/>
@@ -17203,14 +13466,14 @@
       </p:sp>
       <p:sp>
         <p:nvSpPr>
-          <p:cNvPr id="206" name="TextBox 4"/>
+          <p:cNvPr id="162" name="TextBox 4"/>
           <p:cNvSpPr/>
           <p:nvPr/>
         </p:nvSpPr>
         <p:spPr>
           <a:xfrm>
             <a:off x="477000" y="2208240"/>
-            <a:ext cx="9958320" cy="3776040"/>
+            <a:ext cx="9957960" cy="3775680"/>
           </a:xfrm>
           <a:prstGeom prst="rect">
             <a:avLst/>
@@ -17229,7 +13492,7 @@
       </p:sp>
       <p:pic>
         <p:nvPicPr>
-          <p:cNvPr id="207" name="" descr=""/>
+          <p:cNvPr id="163" name="" descr=""/>
           <p:cNvPicPr/>
           <p:nvPr/>
         </p:nvPicPr>
@@ -17252,7 +13515,7 @@
       </p:pic>
       <p:pic>
         <p:nvPicPr>
-          <p:cNvPr id="208" name="" descr=""/>
+          <p:cNvPr id="164" name="" descr=""/>
           <p:cNvPicPr/>
           <p:nvPr/>
         </p:nvPicPr>
@@ -17263,7 +13526,7 @@
         <p:spPr>
           <a:xfrm>
             <a:off x="685800" y="2286000"/>
-            <a:ext cx="6234480" cy="3759480"/>
+            <a:ext cx="6234120" cy="3759120"/>
           </a:xfrm>
           <a:prstGeom prst="rect">
             <a:avLst/>
@@ -17275,14 +13538,14 @@
       </p:pic>
       <p:sp>
         <p:nvSpPr>
-          <p:cNvPr id="209" name=""/>
-          <p:cNvSpPr txBox="1"/>
+          <p:cNvPr id="165" name=""/>
+          <p:cNvSpPr/>
           <p:nvPr/>
         </p:nvSpPr>
         <p:spPr>
           <a:xfrm>
             <a:off x="8001000" y="2514600"/>
-            <a:ext cx="3429000" cy="3380400"/>
+            <a:ext cx="3428640" cy="3380040"/>
           </a:xfrm>
           <a:prstGeom prst="rect">
             <a:avLst/>
@@ -17292,12 +13555,21 @@
             <a:noFill/>
           </a:ln>
         </p:spPr>
+        <p:style>
+          <a:lnRef idx="0"/>
+          <a:fillRef idx="0"/>
+          <a:effectRef idx="0"/>
+          <a:fontRef idx="minor"/>
+        </p:style>
         <p:txBody>
           <a:bodyPr lIns="90000" rIns="90000" tIns="45000" bIns="45000" anchor="t">
             <a:noAutofit/>
           </a:bodyPr>
           <a:p>
             <a:pPr marL="216000" indent="-216000">
+              <a:lnSpc>
+                <a:spcPct val="100000"/>
+              </a:lnSpc>
               <a:buClr>
                 <a:srgbClr val="000000"/>
               </a:buClr>
@@ -17309,194 +13581,17 @@
               <a:rPr b="0" lang="en-US" sz="1800" spc="-1" strike="noStrike">
                 <a:latin typeface="Times New Roman"/>
               </a:rPr>
-              <a:t>Лучше</a:t>
-            </a:r>
-            <a:r>
-              <a:rPr b="0" lang="en-US" sz="1800" spc="-1" strike="noStrike">
-                <a:latin typeface="Times New Roman"/>
-              </a:rPr>
-              <a:t>е </a:t>
-            </a:r>
-            <a:r>
-              <a:rPr b="0" lang="en-US" sz="1800" spc="-1" strike="noStrike">
-                <a:latin typeface="Times New Roman"/>
-              </a:rPr>
-              <a:t>время </a:t>
-            </a:r>
-            <a:r>
-              <a:rPr b="0" lang="en-US" sz="1800" spc="-1" strike="noStrike">
-                <a:latin typeface="Times New Roman"/>
-              </a:rPr>
-              <a:t>распар</a:t>
-            </a:r>
-            <a:r>
-              <a:rPr b="0" lang="en-US" sz="1800" spc="-1" strike="noStrike">
-                <a:latin typeface="Times New Roman"/>
-              </a:rPr>
-              <a:t>аллеле</a:t>
-            </a:r>
-            <a:r>
-              <a:rPr b="0" lang="en-US" sz="1800" spc="-1" strike="noStrike">
-                <a:latin typeface="Times New Roman"/>
-              </a:rPr>
-              <a:t>нный </a:t>
-            </a:r>
-            <a:r>
-              <a:rPr b="0" lang="en-US" sz="1800" spc="-1" strike="noStrike">
-                <a:latin typeface="Times New Roman"/>
-              </a:rPr>
-              <a:t>алгори</a:t>
-            </a:r>
-            <a:r>
-              <a:rPr b="0" lang="en-US" sz="1800" spc="-1" strike="noStrike">
-                <a:latin typeface="Times New Roman"/>
-              </a:rPr>
-              <a:t>тм </a:t>
-            </a:r>
-            <a:r>
-              <a:rPr b="0" lang="en-US" sz="1800" spc="-1" strike="noStrike">
-                <a:latin typeface="Times New Roman"/>
-              </a:rPr>
-              <a:t>показа</a:t>
-            </a:r>
-            <a:r>
-              <a:rPr b="0" lang="en-US" sz="1800" spc="-1" strike="noStrike">
-                <a:latin typeface="Times New Roman"/>
-              </a:rPr>
-              <a:t>л при </a:t>
-            </a:r>
-            <a:r>
-              <a:rPr b="0" lang="en-US" sz="1800" spc="-1" strike="noStrike">
-                <a:latin typeface="Times New Roman"/>
-              </a:rPr>
-              <a:t>8 </a:t>
-            </a:r>
-            <a:r>
-              <a:rPr b="0" lang="en-US" sz="1800" spc="-1" strike="noStrike">
-                <a:latin typeface="Times New Roman"/>
-              </a:rPr>
-              <a:t>потока</a:t>
-            </a:r>
-            <a:r>
-              <a:rPr b="0" lang="en-US" sz="1800" spc="-1" strike="noStrike">
-                <a:latin typeface="Times New Roman"/>
-              </a:rPr>
-              <a:t>х, что </a:t>
-            </a:r>
-            <a:r>
-              <a:rPr b="0" lang="en-US" sz="1800" spc="-1" strike="noStrike">
-                <a:latin typeface="Times New Roman"/>
-              </a:rPr>
-              <a:t>соотве</a:t>
-            </a:r>
-            <a:r>
-              <a:rPr b="0" lang="en-US" sz="1800" spc="-1" strike="noStrike">
-                <a:latin typeface="Times New Roman"/>
-              </a:rPr>
-              <a:t>тствуе</a:t>
-            </a:r>
-            <a:r>
-              <a:rPr b="0" lang="en-US" sz="1800" spc="-1" strike="noStrike">
-                <a:latin typeface="Times New Roman"/>
-              </a:rPr>
-              <a:t>т </a:t>
-            </a:r>
-            <a:r>
-              <a:rPr b="0" lang="en-US" sz="1800" spc="-1" strike="noStrike">
-                <a:latin typeface="Times New Roman"/>
-              </a:rPr>
-              <a:t>количе</a:t>
-            </a:r>
-            <a:r>
-              <a:rPr b="0" lang="en-US" sz="1800" spc="-1" strike="noStrike">
-                <a:latin typeface="Times New Roman"/>
-              </a:rPr>
-              <a:t>ству </a:t>
-            </a:r>
-            <a:r>
-              <a:rPr b="0" lang="en-US" sz="1800" spc="-1" strike="noStrike">
-                <a:latin typeface="Times New Roman"/>
-              </a:rPr>
-              <a:t>логиче</a:t>
-            </a:r>
-            <a:r>
-              <a:rPr b="0" lang="en-US" sz="1800" spc="-1" strike="noStrike">
-                <a:latin typeface="Times New Roman"/>
-              </a:rPr>
-              <a:t>ских </a:t>
-            </a:r>
-            <a:r>
-              <a:rPr b="0" lang="en-US" sz="1800" spc="-1" strike="noStrike">
-                <a:latin typeface="Times New Roman"/>
-              </a:rPr>
-              <a:t>проце</a:t>
-            </a:r>
-            <a:r>
-              <a:rPr b="0" lang="en-US" sz="1800" spc="-1" strike="noStrike">
-                <a:latin typeface="Times New Roman"/>
-              </a:rPr>
-              <a:t>ссоров </a:t>
-            </a:r>
-            <a:r>
-              <a:rPr b="0" lang="en-US" sz="1800" spc="-1" strike="noStrike">
-                <a:latin typeface="Times New Roman"/>
-              </a:rPr>
-              <a:t>компь</a:t>
-            </a:r>
-            <a:r>
-              <a:rPr b="0" lang="en-US" sz="1800" spc="-1" strike="noStrike">
-                <a:latin typeface="Times New Roman"/>
-              </a:rPr>
-              <a:t>ютера, </a:t>
-            </a:r>
-            <a:r>
-              <a:rPr b="0" lang="en-US" sz="1800" spc="-1" strike="noStrike">
-                <a:latin typeface="Times New Roman"/>
-              </a:rPr>
-              <a:t>на </a:t>
-            </a:r>
-            <a:r>
-              <a:rPr b="0" lang="en-US" sz="1800" spc="-1" strike="noStrike">
-                <a:latin typeface="Times New Roman"/>
-              </a:rPr>
-              <a:t>которо</a:t>
-            </a:r>
-            <a:r>
-              <a:rPr b="0" lang="en-US" sz="1800" spc="-1" strike="noStrike">
-                <a:latin typeface="Times New Roman"/>
-              </a:rPr>
-              <a:t>м </a:t>
-            </a:r>
-            <a:r>
-              <a:rPr b="0" lang="en-US" sz="1800" spc="-1" strike="noStrike">
-                <a:latin typeface="Times New Roman"/>
-              </a:rPr>
-              <a:t>провод</a:t>
-            </a:r>
-            <a:r>
-              <a:rPr b="0" lang="en-US" sz="1800" spc="-1" strike="noStrike">
-                <a:latin typeface="Times New Roman"/>
-              </a:rPr>
-              <a:t>илось </a:t>
-            </a:r>
-            <a:r>
-              <a:rPr b="0" lang="en-US" sz="1800" spc="-1" strike="noStrike">
-                <a:latin typeface="Times New Roman"/>
-              </a:rPr>
-              <a:t>измере</a:t>
-            </a:r>
-            <a:r>
-              <a:rPr b="0" lang="en-US" sz="1800" spc="-1" strike="noStrike">
-                <a:latin typeface="Times New Roman"/>
-              </a:rPr>
-              <a:t>ние</a:t>
+              <a:t>Лучшее время распараллеленный алгоритм показал при 8 потоках, что соответствует количеству логических процессоров компьютера, на котором проводилось измерение</a:t>
             </a:r>
             <a:endParaRPr b="0" lang="en-US" sz="1800" spc="-1" strike="noStrike">
-              <a:latin typeface="Times New Roman"/>
+              <a:latin typeface="Arial"/>
             </a:endParaRPr>
           </a:p>
           <a:p>
             <a:pPr marL="216000" indent="-216000">
+              <a:lnSpc>
+                <a:spcPct val="100000"/>
+              </a:lnSpc>
               <a:buClr>
                 <a:srgbClr val="000000"/>
               </a:buClr>
@@ -17508,172 +13603,10 @@
               <a:rPr b="0" lang="en-US" sz="1800" spc="-1" strike="noStrike">
                 <a:latin typeface="Times New Roman"/>
               </a:rPr>
-              <a:t>Не </a:t>
-            </a:r>
-            <a:r>
-              <a:rPr b="0" lang="en-US" sz="1800" spc="-1" strike="noStrike">
-                <a:latin typeface="Times New Roman"/>
-              </a:rPr>
-              <a:t>распар</a:t>
-            </a:r>
-            <a:r>
-              <a:rPr b="0" lang="en-US" sz="1800" spc="-1" strike="noStrike">
-                <a:latin typeface="Times New Roman"/>
-              </a:rPr>
-              <a:t>аллеле</a:t>
-            </a:r>
-            <a:r>
-              <a:rPr b="0" lang="en-US" sz="1800" spc="-1" strike="noStrike">
-                <a:latin typeface="Times New Roman"/>
-              </a:rPr>
-              <a:t>нная </a:t>
-            </a:r>
-            <a:r>
-              <a:rPr b="0" lang="en-US" sz="1800" spc="-1" strike="noStrike">
-                <a:latin typeface="Times New Roman"/>
-              </a:rPr>
-              <a:t>реализ</a:t>
-            </a:r>
-            <a:r>
-              <a:rPr b="0" lang="en-US" sz="1800" spc="-1" strike="noStrike">
-                <a:latin typeface="Times New Roman"/>
-              </a:rPr>
-              <a:t>ация </a:t>
-            </a:r>
-            <a:r>
-              <a:rPr b="0" lang="en-US" sz="1800" spc="-1" strike="noStrike">
-                <a:latin typeface="Times New Roman"/>
-              </a:rPr>
-              <a:t>работа</a:t>
-            </a:r>
-            <a:r>
-              <a:rPr b="0" lang="en-US" sz="1800" spc="-1" strike="noStrike">
-                <a:latin typeface="Times New Roman"/>
-              </a:rPr>
-              <a:t>ет </a:t>
-            </a:r>
-            <a:r>
-              <a:rPr b="0" lang="en-US" sz="1800" spc="-1" strike="noStrike">
-                <a:latin typeface="Times New Roman"/>
-              </a:rPr>
-              <a:t>быстр</a:t>
-            </a:r>
-            <a:r>
-              <a:rPr b="0" lang="en-US" sz="1800" spc="-1" strike="noStrike">
-                <a:latin typeface="Times New Roman"/>
-              </a:rPr>
-              <a:t>ее </a:t>
-            </a:r>
-            <a:r>
-              <a:rPr b="0" lang="en-US" sz="1800" spc="-1" strike="noStrike">
-                <a:latin typeface="Times New Roman"/>
-              </a:rPr>
-              <a:t>одноп</a:t>
-            </a:r>
-            <a:r>
-              <a:rPr b="0" lang="en-US" sz="1800" spc="-1" strike="noStrike">
-                <a:latin typeface="Times New Roman"/>
-              </a:rPr>
-              <a:t>оточно</a:t>
-            </a:r>
-            <a:r>
-              <a:rPr b="0" lang="en-US" sz="1800" spc="-1" strike="noStrike">
-                <a:latin typeface="Times New Roman"/>
-              </a:rPr>
-              <a:t>й, </a:t>
-            </a:r>
-            <a:r>
-              <a:rPr b="0" lang="en-US" sz="1800" spc="-1" strike="noStrike">
-                <a:latin typeface="Times New Roman"/>
-              </a:rPr>
-              <a:t>поскол</a:t>
-            </a:r>
-            <a:r>
-              <a:rPr b="0" lang="en-US" sz="1800" spc="-1" strike="noStrike">
-                <a:latin typeface="Times New Roman"/>
-              </a:rPr>
-              <a:t>ьку в </a:t>
-            </a:r>
-            <a:r>
-              <a:rPr b="0" lang="en-US" sz="1800" spc="-1" strike="noStrike">
-                <a:latin typeface="Times New Roman"/>
-              </a:rPr>
-              <a:t>одноп</a:t>
-            </a:r>
-            <a:r>
-              <a:rPr b="0" lang="en-US" sz="1800" spc="-1" strike="noStrike">
-                <a:latin typeface="Times New Roman"/>
-              </a:rPr>
-              <a:t>оточно</a:t>
-            </a:r>
-            <a:r>
-              <a:rPr b="0" lang="en-US" sz="1800" spc="-1" strike="noStrike">
-                <a:latin typeface="Times New Roman"/>
-              </a:rPr>
-              <a:t>й </a:t>
-            </a:r>
-            <a:r>
-              <a:rPr b="0" lang="en-US" sz="1800" spc="-1" strike="noStrike">
-                <a:latin typeface="Times New Roman"/>
-              </a:rPr>
-              <a:t>тратит</a:t>
-            </a:r>
-            <a:r>
-              <a:rPr b="0" lang="en-US" sz="1800" spc="-1" strike="noStrike">
-                <a:latin typeface="Times New Roman"/>
-              </a:rPr>
-              <a:t>ся </a:t>
-            </a:r>
-            <a:r>
-              <a:rPr b="0" lang="en-US" sz="1800" spc="-1" strike="noStrike">
-                <a:latin typeface="Times New Roman"/>
-              </a:rPr>
-              <a:t>допол</a:t>
-            </a:r>
-            <a:r>
-              <a:rPr b="0" lang="en-US" sz="1800" spc="-1" strike="noStrike">
-                <a:latin typeface="Times New Roman"/>
-              </a:rPr>
-              <a:t>нитель</a:t>
-            </a:r>
-            <a:r>
-              <a:rPr b="0" lang="en-US" sz="1800" spc="-1" strike="noStrike">
-                <a:latin typeface="Times New Roman"/>
-              </a:rPr>
-              <a:t>ное </a:t>
-            </a:r>
-            <a:r>
-              <a:rPr b="0" lang="en-US" sz="1800" spc="-1" strike="noStrike">
-                <a:latin typeface="Times New Roman"/>
-              </a:rPr>
-              <a:t>время </a:t>
-            </a:r>
-            <a:r>
-              <a:rPr b="0" lang="en-US" sz="1800" spc="-1" strike="noStrike">
-                <a:latin typeface="Times New Roman"/>
-              </a:rPr>
-              <a:t>на </a:t>
-            </a:r>
-            <a:r>
-              <a:rPr b="0" lang="en-US" sz="1800" spc="-1" strike="noStrike">
-                <a:latin typeface="Times New Roman"/>
-              </a:rPr>
-              <a:t>создан</a:t>
-            </a:r>
-            <a:r>
-              <a:rPr b="0" lang="en-US" sz="1800" spc="-1" strike="noStrike">
-                <a:latin typeface="Times New Roman"/>
-              </a:rPr>
-              <a:t>ие </a:t>
-            </a:r>
-            <a:r>
-              <a:rPr b="0" lang="en-US" sz="1800" spc="-1" strike="noStrike">
-                <a:latin typeface="Times New Roman"/>
-              </a:rPr>
-              <a:t>потока</a:t>
+              <a:t>Не распараллеленная реализация работает быстрее однопоточной, поскольку в однопоточной тратится дополнительное время на создание потока</a:t>
             </a:r>
             <a:endParaRPr b="0" lang="en-US" sz="1800" spc="-1" strike="noStrike">
-              <a:latin typeface="Times New Roman"/>
+              <a:latin typeface="Arial"/>
             </a:endParaRPr>
           </a:p>
         </p:txBody>
@@ -18367,230 +14300,4 @@
     </a:fmtScheme>
   </a:themeElements>
 </a:theme>
-</file>
-
-<file path=ppt/theme/theme4.xml><?xml version="1.0" encoding="utf-8"?>
-<a:theme xmlns:a="http://schemas.openxmlformats.org/drawingml/2006/main" name="Office Theme">
-  <a:themeElements>
-    <a:clrScheme name="Office">
-      <a:dk1>
-        <a:sysClr val="windowText" lastClr="000000"/>
-      </a:dk1>
-      <a:lt1>
-        <a:sysClr val="window" lastClr="FFFFFF"/>
-      </a:lt1>
-      <a:dk2>
-        <a:srgbClr val="44546a"/>
-      </a:dk2>
-      <a:lt2>
-        <a:srgbClr val="e7e6e6"/>
-      </a:lt2>
-      <a:accent1>
-        <a:srgbClr val="4472c4"/>
-      </a:accent1>
-      <a:accent2>
-        <a:srgbClr val="ed7d31"/>
-      </a:accent2>
-      <a:accent3>
-        <a:srgbClr val="a5a5a5"/>
-      </a:accent3>
-      <a:accent4>
-        <a:srgbClr val="ffc000"/>
-      </a:accent4>
-      <a:accent5>
-        <a:srgbClr val="5b9bd5"/>
-      </a:accent5>
-      <a:accent6>
-        <a:srgbClr val="70ad47"/>
-      </a:accent6>
-      <a:hlink>
-        <a:srgbClr val="0563c1"/>
-      </a:hlink>
-      <a:folHlink>
-        <a:srgbClr val="954f72"/>
-      </a:folHlink>
-    </a:clrScheme>
-    <a:fontScheme name="Office">
-      <a:majorFont>
-        <a:latin typeface="Arial"/>
-        <a:ea typeface="DejaVu Sans"/>
-        <a:cs typeface="DejaVu Sans"/>
-      </a:majorFont>
-      <a:minorFont>
-        <a:latin typeface="Arial"/>
-        <a:ea typeface="DejaVu Sans"/>
-        <a:cs typeface="DejaVu Sans"/>
-      </a:minorFont>
-    </a:fontScheme>
-    <a:fmtScheme name="Office">
-      <a:fillStyleLst>
-        <a:solidFill>
-          <a:schemeClr val="phClr"/>
-        </a:solidFill>
-        <a:gradFill rotWithShape="1">
-          <a:gsLst>
-            <a:gs pos="0">
-              <a:schemeClr val="phClr">
-                <a:tint val="50000"/>
-                <a:satMod val="300000"/>
-              </a:schemeClr>
-            </a:gs>
-            <a:gs pos="35000">
-              <a:schemeClr val="phClr">
-                <a:tint val="37000"/>
-                <a:satMod val="300000"/>
-              </a:schemeClr>
-            </a:gs>
-            <a:gs pos="100000">
-              <a:schemeClr val="phClr">
-                <a:tint val="15000"/>
-                <a:satMod val="350000"/>
-              </a:schemeClr>
-            </a:gs>
-          </a:gsLst>
-          <a:lin ang="16200000" scaled="1"/>
-        </a:gradFill>
-        <a:gradFill rotWithShape="1">
-          <a:gsLst>
-            <a:gs pos="0">
-              <a:schemeClr val="phClr">
-                <a:shade val="51000"/>
-                <a:satMod val="130000"/>
-              </a:schemeClr>
-            </a:gs>
-            <a:gs pos="80000">
-              <a:schemeClr val="phClr">
-                <a:shade val="93000"/>
-                <a:satMod val="130000"/>
-              </a:schemeClr>
-            </a:gs>
-            <a:gs pos="100000">
-              <a:schemeClr val="phClr">
-                <a:shade val="94000"/>
-                <a:satMod val="135000"/>
-              </a:schemeClr>
-            </a:gs>
-          </a:gsLst>
-          <a:lin ang="16200000" scaled="0"/>
-        </a:gradFill>
-      </a:fillStyleLst>
-      <a:lnStyleLst>
-        <a:ln w="9525" cap="flat" cmpd="sng" algn="ctr">
-          <a:solidFill>
-            <a:schemeClr val="phClr">
-              <a:shade val="95000"/>
-              <a:satMod val="105000"/>
-            </a:schemeClr>
-          </a:solidFill>
-          <a:prstDash val="solid"/>
-          <a:miter/>
-        </a:ln>
-        <a:ln w="25400" cap="flat" cmpd="sng" algn="ctr">
-          <a:solidFill>
-            <a:schemeClr val="phClr"/>
-          </a:solidFill>
-          <a:prstDash val="solid"/>
-          <a:miter/>
-        </a:ln>
-        <a:ln w="38100" cap="flat" cmpd="sng" algn="ctr">
-          <a:solidFill>
-            <a:schemeClr val="phClr"/>
-          </a:solidFill>
-          <a:prstDash val="solid"/>
-          <a:miter/>
-        </a:ln>
-      </a:lnStyleLst>
-      <a:effectStyleLst>
-        <a:effectStyle>
-          <a:effectLst>
-            <a:outerShdw blurRad="40000" dist="20000" dir="5400000" rotWithShape="0">
-              <a:srgbClr val="000000">
-                <a:alpha val="38000"/>
-              </a:srgbClr>
-            </a:outerShdw>
-          </a:effectLst>
-        </a:effectStyle>
-        <a:effectStyle>
-          <a:effectLst>
-            <a:outerShdw blurRad="40000" dist="23000" dir="5400000" rotWithShape="0">
-              <a:srgbClr val="000000">
-                <a:alpha val="35000"/>
-              </a:srgbClr>
-            </a:outerShdw>
-          </a:effectLst>
-        </a:effectStyle>
-        <a:effectStyle>
-          <a:effectLst>
-            <a:outerShdw blurRad="40000" dist="23000" dir="5400000" rotWithShape="0">
-              <a:srgbClr val="000000">
-                <a:alpha val="35000"/>
-              </a:srgbClr>
-            </a:outerShdw>
-          </a:effectLst>
-          <a:scene3d>
-            <a:camera prst="orthographicFront">
-              <a:rot lat="0" lon="0" rev="0"/>
-            </a:camera>
-            <a:lightRig rig="threePt" dir="t">
-              <a:rot lat="0" lon="0" rev="1200000"/>
-            </a:lightRig>
-          </a:scene3d>
-          <a:sp3d>
-            <a:bevelT w="63500" h="25400"/>
-          </a:sp3d>
-        </a:effectStyle>
-      </a:effectStyleLst>
-      <a:bgFillStyleLst>
-        <a:solidFill>
-          <a:schemeClr val="phClr"/>
-        </a:solidFill>
-        <a:gradFill rotWithShape="1">
-          <a:gsLst>
-            <a:gs pos="0">
-              <a:schemeClr val="phClr">
-                <a:tint val="40000"/>
-                <a:satMod val="350000"/>
-              </a:schemeClr>
-            </a:gs>
-            <a:gs pos="40000">
-              <a:schemeClr val="phClr">
-                <a:tint val="45000"/>
-                <a:shade val="99000"/>
-                <a:satMod val="350000"/>
-              </a:schemeClr>
-            </a:gs>
-            <a:gs pos="100000">
-              <a:schemeClr val="phClr">
-                <a:shade val="20000"/>
-                <a:satMod val="255000"/>
-              </a:schemeClr>
-            </a:gs>
-          </a:gsLst>
-          <a:path path="circle">
-            <a:fillToRect l="50000" t="-80000" r="50000" b="180000"/>
-          </a:path>
-        </a:gradFill>
-        <a:gradFill rotWithShape="1">
-          <a:gsLst>
-            <a:gs pos="0">
-              <a:schemeClr val="phClr">
-                <a:tint val="80000"/>
-                <a:satMod val="300000"/>
-              </a:schemeClr>
-            </a:gs>
-            <a:gs pos="100000">
-              <a:schemeClr val="phClr">
-                <a:shade val="30000"/>
-                <a:satMod val="200000"/>
-              </a:schemeClr>
-            </a:gs>
-          </a:gsLst>
-          <a:path path="circle">
-            <a:fillToRect l="50000" t="50000" r="50000" b="50000"/>
-          </a:path>
-        </a:gradFill>
-      </a:bgFillStyleLst>
-    </a:fmtScheme>
-  </a:themeElements>
-</a:theme>
 </file>